--- a/Data_Structure/py_ds/images/images.pptx
+++ b/Data_Structure/py_ds/images/images.pptx
@@ -7,6 +7,12 @@
   <p:sldIdLst>
     <p:sldId id="256" r:id="rId2"/>
     <p:sldId id="257" r:id="rId3"/>
+    <p:sldId id="259" r:id="rId4"/>
+    <p:sldId id="260" r:id="rId5"/>
+    <p:sldId id="261" r:id="rId6"/>
+    <p:sldId id="262" r:id="rId7"/>
+    <p:sldId id="263" r:id="rId8"/>
+    <p:sldId id="264" r:id="rId9"/>
   </p:sldIdLst>
   <p:sldSz cx="12192000" cy="6858000"/>
   <p:notesSz cx="6858000" cy="9144000"/>
@@ -273,7 +279,7 @@
           <a:p>
             <a:fld id="{A9EE7785-77AE-455F-BBCB-4E24100BB111}" type="datetimeFigureOut">
               <a:rPr lang="en-US" smtClean="0"/>
-              <a:t>1/29/2021</a:t>
+              <a:t>1/30/2021</a:t>
             </a:fld>
             <a:endParaRPr lang="en-US"/>
           </a:p>
@@ -473,7 +479,7 @@
           <a:p>
             <a:fld id="{A9EE7785-77AE-455F-BBCB-4E24100BB111}" type="datetimeFigureOut">
               <a:rPr lang="en-US" smtClean="0"/>
-              <a:t>1/29/2021</a:t>
+              <a:t>1/30/2021</a:t>
             </a:fld>
             <a:endParaRPr lang="en-US"/>
           </a:p>
@@ -683,7 +689,7 @@
           <a:p>
             <a:fld id="{A9EE7785-77AE-455F-BBCB-4E24100BB111}" type="datetimeFigureOut">
               <a:rPr lang="en-US" smtClean="0"/>
-              <a:t>1/29/2021</a:t>
+              <a:t>1/30/2021</a:t>
             </a:fld>
             <a:endParaRPr lang="en-US"/>
           </a:p>
@@ -757,7 +763,7 @@
 </file>
 
 <file path=ppt/slideLayouts/slideLayout2.xml><?xml version="1.0" encoding="utf-8"?>
-<p:sldLayout xmlns:a="http://schemas.openxmlformats.org/drawingml/2006/main" xmlns:r="http://schemas.openxmlformats.org/officeDocument/2006/relationships" xmlns:p="http://schemas.openxmlformats.org/presentationml/2006/main" type="obj" preserve="1">
+<p:sldLayout xmlns:a="http://schemas.openxmlformats.org/drawingml/2006/main" xmlns:r="http://schemas.openxmlformats.org/officeDocument/2006/relationships" xmlns:p="http://schemas.openxmlformats.org/presentationml/2006/main" preserve="1" userDrawn="1">
   <p:cSld name="제목 및 내용">
     <p:spTree>
       <p:nvGrpSpPr>
@@ -775,93 +781,6 @@
       </p:grpSpPr>
       <p:sp>
         <p:nvSpPr>
-          <p:cNvPr id="2" name="제목 1">
-            <a:extLst>
-              <a:ext uri="{FF2B5EF4-FFF2-40B4-BE49-F238E27FC236}">
-                <a16:creationId xmlns:a16="http://schemas.microsoft.com/office/drawing/2014/main" id="{1F6B75AA-B515-4997-97E4-DF7A33DC6CA8}"/>
-              </a:ext>
-            </a:extLst>
-          </p:cNvPr>
-          <p:cNvSpPr>
-            <a:spLocks noGrp="1"/>
-          </p:cNvSpPr>
-          <p:nvPr>
-            <p:ph type="title"/>
-          </p:nvPr>
-        </p:nvSpPr>
-        <p:spPr/>
-        <p:txBody>
-          <a:bodyPr/>
-          <a:lstStyle/>
-          <a:p>
-            <a:r>
-              <a:rPr lang="ko-KR" altLang="en-US"/>
-              <a:t>마스터 제목 스타일 편집</a:t>
-            </a:r>
-            <a:endParaRPr lang="en-US"/>
-          </a:p>
-        </p:txBody>
-      </p:sp>
-      <p:sp>
-        <p:nvSpPr>
-          <p:cNvPr id="3" name="내용 개체 틀 2">
-            <a:extLst>
-              <a:ext uri="{FF2B5EF4-FFF2-40B4-BE49-F238E27FC236}">
-                <a16:creationId xmlns:a16="http://schemas.microsoft.com/office/drawing/2014/main" id="{39371769-5228-49E9-BA66-918AB1DB4A56}"/>
-              </a:ext>
-            </a:extLst>
-          </p:cNvPr>
-          <p:cNvSpPr>
-            <a:spLocks noGrp="1"/>
-          </p:cNvSpPr>
-          <p:nvPr>
-            <p:ph idx="1"/>
-          </p:nvPr>
-        </p:nvSpPr>
-        <p:spPr/>
-        <p:txBody>
-          <a:bodyPr/>
-          <a:lstStyle/>
-          <a:p>
-            <a:pPr lvl="0"/>
-            <a:r>
-              <a:rPr lang="ko-KR" altLang="en-US"/>
-              <a:t>마스터 텍스트 스타일을 편집하려면 클릭</a:t>
-            </a:r>
-          </a:p>
-          <a:p>
-            <a:pPr lvl="1"/>
-            <a:r>
-              <a:rPr lang="ko-KR" altLang="en-US"/>
-              <a:t>두 번째 수준</a:t>
-            </a:r>
-          </a:p>
-          <a:p>
-            <a:pPr lvl="2"/>
-            <a:r>
-              <a:rPr lang="ko-KR" altLang="en-US"/>
-              <a:t>세 번째 수준</a:t>
-            </a:r>
-          </a:p>
-          <a:p>
-            <a:pPr lvl="3"/>
-            <a:r>
-              <a:rPr lang="ko-KR" altLang="en-US"/>
-              <a:t>네 번째 수준</a:t>
-            </a:r>
-          </a:p>
-          <a:p>
-            <a:pPr lvl="4"/>
-            <a:r>
-              <a:rPr lang="ko-KR" altLang="en-US"/>
-              <a:t>다섯 번째 수준</a:t>
-            </a:r>
-            <a:endParaRPr lang="en-US"/>
-          </a:p>
-        </p:txBody>
-      </p:sp>
-      <p:sp>
-        <p:nvSpPr>
           <p:cNvPr id="4" name="날짜 개체 틀 3">
             <a:extLst>
               <a:ext uri="{FF2B5EF4-FFF2-40B4-BE49-F238E27FC236}">
@@ -883,7 +802,7 @@
           <a:p>
             <a:fld id="{A9EE7785-77AE-455F-BBCB-4E24100BB111}" type="datetimeFigureOut">
               <a:rPr lang="en-US" smtClean="0"/>
-              <a:t>1/29/2021</a:t>
+              <a:t>1/30/2021</a:t>
             </a:fld>
             <a:endParaRPr lang="en-US"/>
           </a:p>
@@ -1159,7 +1078,7 @@
           <a:p>
             <a:fld id="{A9EE7785-77AE-455F-BBCB-4E24100BB111}" type="datetimeFigureOut">
               <a:rPr lang="en-US" smtClean="0"/>
-              <a:t>1/29/2021</a:t>
+              <a:t>1/30/2021</a:t>
             </a:fld>
             <a:endParaRPr lang="en-US"/>
           </a:p>
@@ -1427,7 +1346,7 @@
           <a:p>
             <a:fld id="{A9EE7785-77AE-455F-BBCB-4E24100BB111}" type="datetimeFigureOut">
               <a:rPr lang="en-US" smtClean="0"/>
-              <a:t>1/29/2021</a:t>
+              <a:t>1/30/2021</a:t>
             </a:fld>
             <a:endParaRPr lang="en-US"/>
           </a:p>
@@ -1842,7 +1761,7 @@
           <a:p>
             <a:fld id="{A9EE7785-77AE-455F-BBCB-4E24100BB111}" type="datetimeFigureOut">
               <a:rPr lang="en-US" smtClean="0"/>
-              <a:t>1/29/2021</a:t>
+              <a:t>1/30/2021</a:t>
             </a:fld>
             <a:endParaRPr lang="en-US"/>
           </a:p>
@@ -1984,7 +1903,7 @@
           <a:p>
             <a:fld id="{A9EE7785-77AE-455F-BBCB-4E24100BB111}" type="datetimeFigureOut">
               <a:rPr lang="en-US" smtClean="0"/>
-              <a:t>1/29/2021</a:t>
+              <a:t>1/30/2021</a:t>
             </a:fld>
             <a:endParaRPr lang="en-US"/>
           </a:p>
@@ -2097,7 +2016,7 @@
           <a:p>
             <a:fld id="{A9EE7785-77AE-455F-BBCB-4E24100BB111}" type="datetimeFigureOut">
               <a:rPr lang="en-US" smtClean="0"/>
-              <a:t>1/29/2021</a:t>
+              <a:t>1/30/2021</a:t>
             </a:fld>
             <a:endParaRPr lang="en-US"/>
           </a:p>
@@ -2410,7 +2329,7 @@
           <a:p>
             <a:fld id="{A9EE7785-77AE-455F-BBCB-4E24100BB111}" type="datetimeFigureOut">
               <a:rPr lang="en-US" smtClean="0"/>
-              <a:t>1/29/2021</a:t>
+              <a:t>1/30/2021</a:t>
             </a:fld>
             <a:endParaRPr lang="en-US"/>
           </a:p>
@@ -2699,7 +2618,7 @@
           <a:p>
             <a:fld id="{A9EE7785-77AE-455F-BBCB-4E24100BB111}" type="datetimeFigureOut">
               <a:rPr lang="en-US" smtClean="0"/>
-              <a:t>1/29/2021</a:t>
+              <a:t>1/30/2021</a:t>
             </a:fld>
             <a:endParaRPr lang="en-US"/>
           </a:p>
@@ -2942,7 +2861,7 @@
           <a:p>
             <a:fld id="{A9EE7785-77AE-455F-BBCB-4E24100BB111}" type="datetimeFigureOut">
               <a:rPr lang="en-US" smtClean="0"/>
-              <a:t>1/29/2021</a:t>
+              <a:t>1/30/2021</a:t>
             </a:fld>
             <a:endParaRPr lang="en-US"/>
           </a:p>
@@ -5139,6 +5058,5899 @@
 </p:sld>
 </file>
 
+<file path=ppt/slides/slide3.xml><?xml version="1.0" encoding="utf-8"?>
+<p:sld xmlns:a="http://schemas.openxmlformats.org/drawingml/2006/main" xmlns:r="http://schemas.openxmlformats.org/officeDocument/2006/relationships" xmlns:p="http://schemas.openxmlformats.org/presentationml/2006/main">
+  <p:cSld>
+    <p:spTree>
+      <p:nvGrpSpPr>
+        <p:cNvPr id="1" name=""/>
+        <p:cNvGrpSpPr/>
+        <p:nvPr/>
+      </p:nvGrpSpPr>
+      <p:grpSpPr>
+        <a:xfrm>
+          <a:off x="0" y="0"/>
+          <a:ext cx="0" cy="0"/>
+          <a:chOff x="0" y="0"/>
+          <a:chExt cx="0" cy="0"/>
+        </a:xfrm>
+      </p:grpSpPr>
+      <p:grpSp>
+        <p:nvGrpSpPr>
+          <p:cNvPr id="2" name="그룹 1">
+            <a:extLst>
+              <a:ext uri="{FF2B5EF4-FFF2-40B4-BE49-F238E27FC236}">
+                <a16:creationId xmlns:a16="http://schemas.microsoft.com/office/drawing/2014/main" id="{61031E4F-C795-4E82-B6C4-98B4C7FEF2F5}"/>
+              </a:ext>
+            </a:extLst>
+          </p:cNvPr>
+          <p:cNvGrpSpPr/>
+          <p:nvPr/>
+        </p:nvGrpSpPr>
+        <p:grpSpPr>
+          <a:xfrm>
+            <a:off x="2137296" y="3654465"/>
+            <a:ext cx="6320905" cy="2076210"/>
+            <a:chOff x="2228294" y="807868"/>
+            <a:chExt cx="6320905" cy="2076210"/>
+          </a:xfrm>
+        </p:grpSpPr>
+        <p:sp>
+          <p:nvSpPr>
+            <p:cNvPr id="5" name="직사각형 4">
+              <a:extLst>
+                <a:ext uri="{FF2B5EF4-FFF2-40B4-BE49-F238E27FC236}">
+                  <a16:creationId xmlns:a16="http://schemas.microsoft.com/office/drawing/2014/main" id="{EDAC4D07-5F1F-4278-92B3-C750A85BB775}"/>
+                </a:ext>
+              </a:extLst>
+            </p:cNvPr>
+            <p:cNvSpPr/>
+            <p:nvPr/>
+          </p:nvSpPr>
+          <p:spPr>
+            <a:xfrm>
+              <a:off x="2228295" y="1322772"/>
+              <a:ext cx="790113" cy="523783"/>
+            </a:xfrm>
+            <a:prstGeom prst="rect">
+              <a:avLst/>
+            </a:prstGeom>
+            <a:solidFill>
+              <a:schemeClr val="tx2">
+                <a:lumMod val="40000"/>
+                <a:lumOff val="60000"/>
+              </a:schemeClr>
+            </a:solidFill>
+            <a:ln>
+              <a:solidFill>
+                <a:schemeClr val="bg1"/>
+              </a:solidFill>
+            </a:ln>
+          </p:spPr>
+          <p:style>
+            <a:lnRef idx="2">
+              <a:schemeClr val="accent1">
+                <a:shade val="50000"/>
+              </a:schemeClr>
+            </a:lnRef>
+            <a:fillRef idx="1">
+              <a:schemeClr val="accent1"/>
+            </a:fillRef>
+            <a:effectRef idx="0">
+              <a:schemeClr val="accent1"/>
+            </a:effectRef>
+            <a:fontRef idx="minor">
+              <a:schemeClr val="lt1"/>
+            </a:fontRef>
+          </p:style>
+          <p:txBody>
+            <a:bodyPr rtlCol="0" anchor="ctr"/>
+            <a:lstStyle/>
+            <a:p>
+              <a:pPr algn="ctr"/>
+              <a:r>
+                <a:rPr lang="en-US" dirty="0"/>
+                <a:t>0</a:t>
+              </a:r>
+            </a:p>
+          </p:txBody>
+        </p:sp>
+        <p:sp>
+          <p:nvSpPr>
+            <p:cNvPr id="6" name="직사각형 5">
+              <a:extLst>
+                <a:ext uri="{FF2B5EF4-FFF2-40B4-BE49-F238E27FC236}">
+                  <a16:creationId xmlns:a16="http://schemas.microsoft.com/office/drawing/2014/main" id="{240E8662-9BEC-486B-92DB-F0D97368998F}"/>
+                </a:ext>
+              </a:extLst>
+            </p:cNvPr>
+            <p:cNvSpPr/>
+            <p:nvPr/>
+          </p:nvSpPr>
+          <p:spPr>
+            <a:xfrm>
+              <a:off x="3018408" y="1322771"/>
+              <a:ext cx="790113" cy="523783"/>
+            </a:xfrm>
+            <a:prstGeom prst="rect">
+              <a:avLst/>
+            </a:prstGeom>
+            <a:solidFill>
+              <a:schemeClr val="tx2">
+                <a:lumMod val="40000"/>
+                <a:lumOff val="60000"/>
+              </a:schemeClr>
+            </a:solidFill>
+            <a:ln>
+              <a:solidFill>
+                <a:schemeClr val="bg1"/>
+              </a:solidFill>
+            </a:ln>
+          </p:spPr>
+          <p:style>
+            <a:lnRef idx="2">
+              <a:schemeClr val="accent1">
+                <a:shade val="50000"/>
+              </a:schemeClr>
+            </a:lnRef>
+            <a:fillRef idx="1">
+              <a:schemeClr val="accent1"/>
+            </a:fillRef>
+            <a:effectRef idx="0">
+              <a:schemeClr val="accent1"/>
+            </a:effectRef>
+            <a:fontRef idx="minor">
+              <a:schemeClr val="lt1"/>
+            </a:fontRef>
+          </p:style>
+          <p:txBody>
+            <a:bodyPr rtlCol="0" anchor="ctr"/>
+            <a:lstStyle/>
+            <a:p>
+              <a:pPr algn="ctr"/>
+              <a:r>
+                <a:rPr lang="en-US" dirty="0"/>
+                <a:t>4</a:t>
+              </a:r>
+            </a:p>
+          </p:txBody>
+        </p:sp>
+        <p:sp>
+          <p:nvSpPr>
+            <p:cNvPr id="7" name="직사각형 6">
+              <a:extLst>
+                <a:ext uri="{FF2B5EF4-FFF2-40B4-BE49-F238E27FC236}">
+                  <a16:creationId xmlns:a16="http://schemas.microsoft.com/office/drawing/2014/main" id="{D3E702D3-0D31-4F35-9C4A-FB8535A9AC2A}"/>
+                </a:ext>
+              </a:extLst>
+            </p:cNvPr>
+            <p:cNvSpPr/>
+            <p:nvPr/>
+          </p:nvSpPr>
+          <p:spPr>
+            <a:xfrm>
+              <a:off x="3808521" y="1322770"/>
+              <a:ext cx="790113" cy="523783"/>
+            </a:xfrm>
+            <a:prstGeom prst="rect">
+              <a:avLst/>
+            </a:prstGeom>
+            <a:solidFill>
+              <a:schemeClr val="tx2">
+                <a:lumMod val="40000"/>
+                <a:lumOff val="60000"/>
+              </a:schemeClr>
+            </a:solidFill>
+            <a:ln>
+              <a:solidFill>
+                <a:schemeClr val="bg1"/>
+              </a:solidFill>
+            </a:ln>
+          </p:spPr>
+          <p:style>
+            <a:lnRef idx="2">
+              <a:schemeClr val="accent1">
+                <a:shade val="50000"/>
+              </a:schemeClr>
+            </a:lnRef>
+            <a:fillRef idx="1">
+              <a:schemeClr val="accent1"/>
+            </a:fillRef>
+            <a:effectRef idx="0">
+              <a:schemeClr val="accent1"/>
+            </a:effectRef>
+            <a:fontRef idx="minor">
+              <a:schemeClr val="lt1"/>
+            </a:fontRef>
+          </p:style>
+          <p:txBody>
+            <a:bodyPr rtlCol="0" anchor="ctr"/>
+            <a:lstStyle/>
+            <a:p>
+              <a:pPr algn="ctr"/>
+              <a:r>
+                <a:rPr lang="en-US" dirty="0"/>
+                <a:t>6</a:t>
+              </a:r>
+            </a:p>
+          </p:txBody>
+        </p:sp>
+        <p:sp>
+          <p:nvSpPr>
+            <p:cNvPr id="8" name="직사각형 7">
+              <a:extLst>
+                <a:ext uri="{FF2B5EF4-FFF2-40B4-BE49-F238E27FC236}">
+                  <a16:creationId xmlns:a16="http://schemas.microsoft.com/office/drawing/2014/main" id="{89705D53-4B56-4AC1-B721-6BBE57ED95FE}"/>
+                </a:ext>
+              </a:extLst>
+            </p:cNvPr>
+            <p:cNvSpPr/>
+            <p:nvPr/>
+          </p:nvSpPr>
+          <p:spPr>
+            <a:xfrm>
+              <a:off x="4598634" y="1322769"/>
+              <a:ext cx="790113" cy="523783"/>
+            </a:xfrm>
+            <a:prstGeom prst="rect">
+              <a:avLst/>
+            </a:prstGeom>
+            <a:solidFill>
+              <a:schemeClr val="bg1">
+                <a:lumMod val="85000"/>
+              </a:schemeClr>
+            </a:solidFill>
+            <a:ln>
+              <a:solidFill>
+                <a:schemeClr val="bg1"/>
+              </a:solidFill>
+            </a:ln>
+          </p:spPr>
+          <p:style>
+            <a:lnRef idx="2">
+              <a:schemeClr val="accent1">
+                <a:shade val="50000"/>
+              </a:schemeClr>
+            </a:lnRef>
+            <a:fillRef idx="1">
+              <a:schemeClr val="accent1"/>
+            </a:fillRef>
+            <a:effectRef idx="0">
+              <a:schemeClr val="accent1"/>
+            </a:effectRef>
+            <a:fontRef idx="minor">
+              <a:schemeClr val="lt1"/>
+            </a:fontRef>
+          </p:style>
+          <p:txBody>
+            <a:bodyPr rtlCol="0" anchor="ctr"/>
+            <a:lstStyle/>
+            <a:p>
+              <a:pPr algn="ctr"/>
+              <a:r>
+                <a:rPr lang="en-US" dirty="0"/>
+                <a:t>8</a:t>
+              </a:r>
+            </a:p>
+          </p:txBody>
+        </p:sp>
+        <p:sp>
+          <p:nvSpPr>
+            <p:cNvPr id="9" name="직사각형 8">
+              <a:extLst>
+                <a:ext uri="{FF2B5EF4-FFF2-40B4-BE49-F238E27FC236}">
+                  <a16:creationId xmlns:a16="http://schemas.microsoft.com/office/drawing/2014/main" id="{92207171-1C6F-4CB0-82C7-CD7DD4BA9189}"/>
+                </a:ext>
+              </a:extLst>
+            </p:cNvPr>
+            <p:cNvSpPr/>
+            <p:nvPr/>
+          </p:nvSpPr>
+          <p:spPr>
+            <a:xfrm>
+              <a:off x="5388747" y="1322768"/>
+              <a:ext cx="790113" cy="523783"/>
+            </a:xfrm>
+            <a:prstGeom prst="rect">
+              <a:avLst/>
+            </a:prstGeom>
+            <a:solidFill>
+              <a:schemeClr val="bg1">
+                <a:lumMod val="85000"/>
+              </a:schemeClr>
+            </a:solidFill>
+            <a:ln>
+              <a:solidFill>
+                <a:schemeClr val="bg1"/>
+              </a:solidFill>
+            </a:ln>
+          </p:spPr>
+          <p:style>
+            <a:lnRef idx="2">
+              <a:schemeClr val="accent1">
+                <a:shade val="50000"/>
+              </a:schemeClr>
+            </a:lnRef>
+            <a:fillRef idx="1">
+              <a:schemeClr val="accent1"/>
+            </a:fillRef>
+            <a:effectRef idx="0">
+              <a:schemeClr val="accent1"/>
+            </a:effectRef>
+            <a:fontRef idx="minor">
+              <a:schemeClr val="lt1"/>
+            </a:fontRef>
+          </p:style>
+          <p:txBody>
+            <a:bodyPr rtlCol="0" anchor="ctr"/>
+            <a:lstStyle/>
+            <a:p>
+              <a:pPr algn="ctr"/>
+              <a:r>
+                <a:rPr lang="en-US" dirty="0"/>
+                <a:t>9</a:t>
+              </a:r>
+            </a:p>
+          </p:txBody>
+        </p:sp>
+        <p:sp>
+          <p:nvSpPr>
+            <p:cNvPr id="10" name="직사각형 9">
+              <a:extLst>
+                <a:ext uri="{FF2B5EF4-FFF2-40B4-BE49-F238E27FC236}">
+                  <a16:creationId xmlns:a16="http://schemas.microsoft.com/office/drawing/2014/main" id="{B6543943-F4E6-4FB9-991A-1A1A713B5595}"/>
+                </a:ext>
+              </a:extLst>
+            </p:cNvPr>
+            <p:cNvSpPr/>
+            <p:nvPr/>
+          </p:nvSpPr>
+          <p:spPr>
+            <a:xfrm>
+              <a:off x="6178860" y="1322767"/>
+              <a:ext cx="790113" cy="523783"/>
+            </a:xfrm>
+            <a:prstGeom prst="rect">
+              <a:avLst/>
+            </a:prstGeom>
+            <a:solidFill>
+              <a:schemeClr val="bg1">
+                <a:lumMod val="85000"/>
+              </a:schemeClr>
+            </a:solidFill>
+            <a:ln>
+              <a:solidFill>
+                <a:schemeClr val="bg1"/>
+              </a:solidFill>
+            </a:ln>
+          </p:spPr>
+          <p:style>
+            <a:lnRef idx="2">
+              <a:schemeClr val="accent1">
+                <a:shade val="50000"/>
+              </a:schemeClr>
+            </a:lnRef>
+            <a:fillRef idx="1">
+              <a:schemeClr val="accent1"/>
+            </a:fillRef>
+            <a:effectRef idx="0">
+              <a:schemeClr val="accent1"/>
+            </a:effectRef>
+            <a:fontRef idx="minor">
+              <a:schemeClr val="lt1"/>
+            </a:fontRef>
+          </p:style>
+          <p:txBody>
+            <a:bodyPr rtlCol="0" anchor="ctr"/>
+            <a:lstStyle/>
+            <a:p>
+              <a:pPr algn="ctr"/>
+              <a:r>
+                <a:rPr lang="en-US" dirty="0"/>
+                <a:t>13</a:t>
+              </a:r>
+            </a:p>
+          </p:txBody>
+        </p:sp>
+        <p:sp>
+          <p:nvSpPr>
+            <p:cNvPr id="11" name="직사각형 10">
+              <a:extLst>
+                <a:ext uri="{FF2B5EF4-FFF2-40B4-BE49-F238E27FC236}">
+                  <a16:creationId xmlns:a16="http://schemas.microsoft.com/office/drawing/2014/main" id="{F4F4E6EC-6E6F-4EA2-BEB4-2313E2EE2FA6}"/>
+                </a:ext>
+              </a:extLst>
+            </p:cNvPr>
+            <p:cNvSpPr/>
+            <p:nvPr/>
+          </p:nvSpPr>
+          <p:spPr>
+            <a:xfrm>
+              <a:off x="6968973" y="1322766"/>
+              <a:ext cx="790113" cy="523783"/>
+            </a:xfrm>
+            <a:prstGeom prst="rect">
+              <a:avLst/>
+            </a:prstGeom>
+            <a:solidFill>
+              <a:schemeClr val="bg1">
+                <a:lumMod val="85000"/>
+              </a:schemeClr>
+            </a:solidFill>
+            <a:ln>
+              <a:solidFill>
+                <a:schemeClr val="bg1"/>
+              </a:solidFill>
+            </a:ln>
+          </p:spPr>
+          <p:style>
+            <a:lnRef idx="2">
+              <a:schemeClr val="accent1">
+                <a:shade val="50000"/>
+              </a:schemeClr>
+            </a:lnRef>
+            <a:fillRef idx="1">
+              <a:schemeClr val="accent1"/>
+            </a:fillRef>
+            <a:effectRef idx="0">
+              <a:schemeClr val="accent1"/>
+            </a:effectRef>
+            <a:fontRef idx="minor">
+              <a:schemeClr val="lt1"/>
+            </a:fontRef>
+          </p:style>
+          <p:txBody>
+            <a:bodyPr rtlCol="0" anchor="ctr"/>
+            <a:lstStyle/>
+            <a:p>
+              <a:pPr algn="ctr"/>
+              <a:r>
+                <a:rPr lang="en-US" dirty="0"/>
+                <a:t>14</a:t>
+              </a:r>
+            </a:p>
+          </p:txBody>
+        </p:sp>
+        <p:sp>
+          <p:nvSpPr>
+            <p:cNvPr id="12" name="직사각형 11">
+              <a:extLst>
+                <a:ext uri="{FF2B5EF4-FFF2-40B4-BE49-F238E27FC236}">
+                  <a16:creationId xmlns:a16="http://schemas.microsoft.com/office/drawing/2014/main" id="{12B63662-91C2-4EBD-830E-CDFA4EB5A01C}"/>
+                </a:ext>
+              </a:extLst>
+            </p:cNvPr>
+            <p:cNvSpPr/>
+            <p:nvPr/>
+          </p:nvSpPr>
+          <p:spPr>
+            <a:xfrm>
+              <a:off x="7759086" y="1322765"/>
+              <a:ext cx="790113" cy="523783"/>
+            </a:xfrm>
+            <a:prstGeom prst="rect">
+              <a:avLst/>
+            </a:prstGeom>
+            <a:solidFill>
+              <a:schemeClr val="bg1">
+                <a:lumMod val="85000"/>
+              </a:schemeClr>
+            </a:solidFill>
+            <a:ln>
+              <a:solidFill>
+                <a:schemeClr val="bg1"/>
+              </a:solidFill>
+            </a:ln>
+          </p:spPr>
+          <p:style>
+            <a:lnRef idx="2">
+              <a:schemeClr val="accent1">
+                <a:shade val="50000"/>
+              </a:schemeClr>
+            </a:lnRef>
+            <a:fillRef idx="1">
+              <a:schemeClr val="accent1"/>
+            </a:fillRef>
+            <a:effectRef idx="0">
+              <a:schemeClr val="accent1"/>
+            </a:effectRef>
+            <a:fontRef idx="minor">
+              <a:schemeClr val="lt1"/>
+            </a:fontRef>
+          </p:style>
+          <p:txBody>
+            <a:bodyPr rtlCol="0" anchor="ctr"/>
+            <a:lstStyle/>
+            <a:p>
+              <a:pPr algn="ctr"/>
+              <a:r>
+                <a:rPr lang="en-US" dirty="0"/>
+                <a:t>18</a:t>
+              </a:r>
+            </a:p>
+          </p:txBody>
+        </p:sp>
+        <p:sp>
+          <p:nvSpPr>
+            <p:cNvPr id="4" name="직사각형 3">
+              <a:extLst>
+                <a:ext uri="{FF2B5EF4-FFF2-40B4-BE49-F238E27FC236}">
+                  <a16:creationId xmlns:a16="http://schemas.microsoft.com/office/drawing/2014/main" id="{9C5623DE-8B28-447D-A280-25C72462F2DA}"/>
+                </a:ext>
+              </a:extLst>
+            </p:cNvPr>
+            <p:cNvSpPr/>
+            <p:nvPr/>
+          </p:nvSpPr>
+          <p:spPr>
+            <a:xfrm>
+              <a:off x="2228295" y="1331651"/>
+              <a:ext cx="6320904" cy="523776"/>
+            </a:xfrm>
+            <a:prstGeom prst="rect">
+              <a:avLst/>
+            </a:prstGeom>
+            <a:noFill/>
+            <a:ln w="38100"/>
+          </p:spPr>
+          <p:style>
+            <a:lnRef idx="2">
+              <a:schemeClr val="accent1">
+                <a:shade val="50000"/>
+              </a:schemeClr>
+            </a:lnRef>
+            <a:fillRef idx="1">
+              <a:schemeClr val="accent1"/>
+            </a:fillRef>
+            <a:effectRef idx="0">
+              <a:schemeClr val="accent1"/>
+            </a:effectRef>
+            <a:fontRef idx="minor">
+              <a:schemeClr val="lt1"/>
+            </a:fontRef>
+          </p:style>
+          <p:txBody>
+            <a:bodyPr rtlCol="0" anchor="ctr"/>
+            <a:lstStyle/>
+            <a:p>
+              <a:pPr algn="ctr"/>
+              <a:endParaRPr lang="en-US"/>
+            </a:p>
+          </p:txBody>
+        </p:sp>
+        <p:sp>
+          <p:nvSpPr>
+            <p:cNvPr id="13" name="TextBox 12">
+              <a:extLst>
+                <a:ext uri="{FF2B5EF4-FFF2-40B4-BE49-F238E27FC236}">
+                  <a16:creationId xmlns:a16="http://schemas.microsoft.com/office/drawing/2014/main" id="{DFC9F377-A342-40C6-9832-6517FE626A99}"/>
+                </a:ext>
+              </a:extLst>
+            </p:cNvPr>
+            <p:cNvSpPr txBox="1"/>
+            <p:nvPr/>
+          </p:nvSpPr>
+          <p:spPr>
+            <a:xfrm>
+              <a:off x="4993690" y="807868"/>
+              <a:ext cx="790113" cy="369332"/>
+            </a:xfrm>
+            <a:prstGeom prst="rect">
+              <a:avLst/>
+            </a:prstGeom>
+            <a:noFill/>
+          </p:spPr>
+          <p:txBody>
+            <a:bodyPr wrap="square" rtlCol="0">
+              <a:spAutoFit/>
+            </a:bodyPr>
+            <a:lstStyle/>
+            <a:p>
+              <a:pPr algn="ctr"/>
+              <a:r>
+                <a:rPr lang="en-US" dirty="0"/>
+                <a:t>X = 7</a:t>
+              </a:r>
+            </a:p>
+          </p:txBody>
+        </p:sp>
+        <p:grpSp>
+          <p:nvGrpSpPr>
+            <p:cNvPr id="19" name="그룹 18">
+              <a:extLst>
+                <a:ext uri="{FF2B5EF4-FFF2-40B4-BE49-F238E27FC236}">
+                  <a16:creationId xmlns:a16="http://schemas.microsoft.com/office/drawing/2014/main" id="{BAFDED2A-3B90-4494-9508-F148474271DE}"/>
+                </a:ext>
+              </a:extLst>
+            </p:cNvPr>
+            <p:cNvGrpSpPr/>
+            <p:nvPr/>
+          </p:nvGrpSpPr>
+          <p:grpSpPr>
+            <a:xfrm>
+              <a:off x="2228294" y="1979720"/>
+              <a:ext cx="790113" cy="688922"/>
+              <a:chOff x="2228294" y="1979720"/>
+              <a:chExt cx="790113" cy="688922"/>
+            </a:xfrm>
+          </p:grpSpPr>
+          <p:cxnSp>
+            <p:nvCxnSpPr>
+              <p:cNvPr id="15" name="직선 화살표 연결선 14">
+                <a:extLst>
+                  <a:ext uri="{FF2B5EF4-FFF2-40B4-BE49-F238E27FC236}">
+                    <a16:creationId xmlns:a16="http://schemas.microsoft.com/office/drawing/2014/main" id="{B63C18C0-386E-49FB-B3CE-849547B658CF}"/>
+                  </a:ext>
+                </a:extLst>
+              </p:cNvPr>
+              <p:cNvCxnSpPr>
+                <a:cxnSpLocks/>
+              </p:cNvCxnSpPr>
+              <p:nvPr/>
+            </p:nvCxnSpPr>
+            <p:spPr>
+              <a:xfrm flipV="1">
+                <a:off x="2623351" y="1979720"/>
+                <a:ext cx="1" cy="319590"/>
+              </a:xfrm>
+              <a:prstGeom prst="straightConnector1">
+                <a:avLst/>
+              </a:prstGeom>
+              <a:ln>
+                <a:solidFill>
+                  <a:schemeClr val="tx1"/>
+                </a:solidFill>
+                <a:tailEnd type="triangle"/>
+              </a:ln>
+            </p:spPr>
+            <p:style>
+              <a:lnRef idx="1">
+                <a:schemeClr val="accent1"/>
+              </a:lnRef>
+              <a:fillRef idx="0">
+                <a:schemeClr val="accent1"/>
+              </a:fillRef>
+              <a:effectRef idx="0">
+                <a:schemeClr val="accent1"/>
+              </a:effectRef>
+              <a:fontRef idx="minor">
+                <a:schemeClr val="tx1"/>
+              </a:fontRef>
+            </p:style>
+          </p:cxnSp>
+          <p:sp>
+            <p:nvSpPr>
+              <p:cNvPr id="17" name="TextBox 16">
+                <a:extLst>
+                  <a:ext uri="{FF2B5EF4-FFF2-40B4-BE49-F238E27FC236}">
+                    <a16:creationId xmlns:a16="http://schemas.microsoft.com/office/drawing/2014/main" id="{BC3581E1-7394-430B-8817-9437EA1F61DA}"/>
+                  </a:ext>
+                </a:extLst>
+              </p:cNvPr>
+              <p:cNvSpPr txBox="1"/>
+              <p:nvPr/>
+            </p:nvSpPr>
+            <p:spPr>
+              <a:xfrm>
+                <a:off x="2228294" y="2299310"/>
+                <a:ext cx="790113" cy="369332"/>
+              </a:xfrm>
+              <a:prstGeom prst="rect">
+                <a:avLst/>
+              </a:prstGeom>
+              <a:noFill/>
+            </p:spPr>
+            <p:txBody>
+              <a:bodyPr wrap="square" rtlCol="0">
+                <a:spAutoFit/>
+              </a:bodyPr>
+              <a:lstStyle/>
+              <a:p>
+                <a:pPr algn="ctr"/>
+                <a:r>
+                  <a:rPr lang="en-US" dirty="0"/>
+                  <a:t>L[l]</a:t>
+                </a:r>
+              </a:p>
+            </p:txBody>
+          </p:sp>
+        </p:grpSp>
+        <p:grpSp>
+          <p:nvGrpSpPr>
+            <p:cNvPr id="23" name="그룹 22">
+              <a:extLst>
+                <a:ext uri="{FF2B5EF4-FFF2-40B4-BE49-F238E27FC236}">
+                  <a16:creationId xmlns:a16="http://schemas.microsoft.com/office/drawing/2014/main" id="{4AE839BB-1E86-46D0-BC12-531689BEC4C0}"/>
+                </a:ext>
+              </a:extLst>
+            </p:cNvPr>
+            <p:cNvGrpSpPr/>
+            <p:nvPr/>
+          </p:nvGrpSpPr>
+          <p:grpSpPr>
+            <a:xfrm>
+              <a:off x="3745270" y="1979720"/>
+              <a:ext cx="914392" cy="904358"/>
+              <a:chOff x="2165043" y="1979720"/>
+              <a:chExt cx="914392" cy="904358"/>
+            </a:xfrm>
+          </p:grpSpPr>
+          <p:cxnSp>
+            <p:nvCxnSpPr>
+              <p:cNvPr id="24" name="직선 화살표 연결선 23">
+                <a:extLst>
+                  <a:ext uri="{FF2B5EF4-FFF2-40B4-BE49-F238E27FC236}">
+                    <a16:creationId xmlns:a16="http://schemas.microsoft.com/office/drawing/2014/main" id="{4C9EA1DA-2822-40BB-AA82-841E68BCEC8A}"/>
+                  </a:ext>
+                </a:extLst>
+              </p:cNvPr>
+              <p:cNvCxnSpPr>
+                <a:cxnSpLocks/>
+              </p:cNvCxnSpPr>
+              <p:nvPr/>
+            </p:nvCxnSpPr>
+            <p:spPr>
+              <a:xfrm flipV="1">
+                <a:off x="2623351" y="1979720"/>
+                <a:ext cx="1" cy="319590"/>
+              </a:xfrm>
+              <a:prstGeom prst="straightConnector1">
+                <a:avLst/>
+              </a:prstGeom>
+              <a:ln>
+                <a:solidFill>
+                  <a:schemeClr val="tx1"/>
+                </a:solidFill>
+                <a:tailEnd type="triangle"/>
+              </a:ln>
+            </p:spPr>
+            <p:style>
+              <a:lnRef idx="1">
+                <a:schemeClr val="accent1"/>
+              </a:lnRef>
+              <a:fillRef idx="0">
+                <a:schemeClr val="accent1"/>
+              </a:fillRef>
+              <a:effectRef idx="0">
+                <a:schemeClr val="accent1"/>
+              </a:effectRef>
+              <a:fontRef idx="minor">
+                <a:schemeClr val="tx1"/>
+              </a:fontRef>
+            </p:style>
+          </p:cxnSp>
+          <p:sp>
+            <p:nvSpPr>
+              <p:cNvPr id="25" name="TextBox 24">
+                <a:extLst>
+                  <a:ext uri="{FF2B5EF4-FFF2-40B4-BE49-F238E27FC236}">
+                    <a16:creationId xmlns:a16="http://schemas.microsoft.com/office/drawing/2014/main" id="{234D4711-5385-445E-BF03-0ADA7BFAE3C9}"/>
+                  </a:ext>
+                </a:extLst>
+              </p:cNvPr>
+              <p:cNvSpPr txBox="1"/>
+              <p:nvPr/>
+            </p:nvSpPr>
+            <p:spPr>
+              <a:xfrm>
+                <a:off x="2165043" y="2299303"/>
+                <a:ext cx="914392" cy="584775"/>
+              </a:xfrm>
+              <a:prstGeom prst="rect">
+                <a:avLst/>
+              </a:prstGeom>
+              <a:noFill/>
+            </p:spPr>
+            <p:txBody>
+              <a:bodyPr wrap="square" rtlCol="0">
+                <a:spAutoFit/>
+              </a:bodyPr>
+              <a:lstStyle/>
+              <a:p>
+                <a:pPr algn="ctr"/>
+                <a:r>
+                  <a:rPr lang="en-US" sz="1600" dirty="0">
+                    <a:solidFill>
+                      <a:srgbClr val="FF0000"/>
+                    </a:solidFill>
+                  </a:rPr>
+                  <a:t>L[u]</a:t>
+                </a:r>
+              </a:p>
+              <a:p>
+                <a:pPr algn="ctr"/>
+                <a:r>
+                  <a:rPr lang="en-US" sz="1600" dirty="0">
+                    <a:solidFill>
+                      <a:srgbClr val="FF0000"/>
+                    </a:solidFill>
+                  </a:rPr>
+                  <a:t>= mid-1</a:t>
+                </a:r>
+              </a:p>
+            </p:txBody>
+          </p:sp>
+        </p:grpSp>
+        <p:grpSp>
+          <p:nvGrpSpPr>
+            <p:cNvPr id="26" name="그룹 25">
+              <a:extLst>
+                <a:ext uri="{FF2B5EF4-FFF2-40B4-BE49-F238E27FC236}">
+                  <a16:creationId xmlns:a16="http://schemas.microsoft.com/office/drawing/2014/main" id="{C266EE92-00A5-44B0-9D2C-4CB80FCD0750}"/>
+                </a:ext>
+              </a:extLst>
+            </p:cNvPr>
+            <p:cNvGrpSpPr/>
+            <p:nvPr/>
+          </p:nvGrpSpPr>
+          <p:grpSpPr>
+            <a:xfrm>
+              <a:off x="3018406" y="1979720"/>
+              <a:ext cx="790113" cy="688922"/>
+              <a:chOff x="2228294" y="1979720"/>
+              <a:chExt cx="790113" cy="688922"/>
+            </a:xfrm>
+          </p:grpSpPr>
+          <p:cxnSp>
+            <p:nvCxnSpPr>
+              <p:cNvPr id="27" name="직선 화살표 연결선 26">
+                <a:extLst>
+                  <a:ext uri="{FF2B5EF4-FFF2-40B4-BE49-F238E27FC236}">
+                    <a16:creationId xmlns:a16="http://schemas.microsoft.com/office/drawing/2014/main" id="{444FFBAD-2695-4391-91D6-773A30C559E5}"/>
+                  </a:ext>
+                </a:extLst>
+              </p:cNvPr>
+              <p:cNvCxnSpPr>
+                <a:cxnSpLocks/>
+              </p:cNvCxnSpPr>
+              <p:nvPr/>
+            </p:nvCxnSpPr>
+            <p:spPr>
+              <a:xfrm flipV="1">
+                <a:off x="2623351" y="1979720"/>
+                <a:ext cx="1" cy="319590"/>
+              </a:xfrm>
+              <a:prstGeom prst="straightConnector1">
+                <a:avLst/>
+              </a:prstGeom>
+              <a:ln>
+                <a:solidFill>
+                  <a:schemeClr val="tx1"/>
+                </a:solidFill>
+                <a:tailEnd type="triangle"/>
+              </a:ln>
+            </p:spPr>
+            <p:style>
+              <a:lnRef idx="1">
+                <a:schemeClr val="accent1"/>
+              </a:lnRef>
+              <a:fillRef idx="0">
+                <a:schemeClr val="accent1"/>
+              </a:fillRef>
+              <a:effectRef idx="0">
+                <a:schemeClr val="accent1"/>
+              </a:effectRef>
+              <a:fontRef idx="minor">
+                <a:schemeClr val="tx1"/>
+              </a:fontRef>
+            </p:style>
+          </p:cxnSp>
+          <p:sp>
+            <p:nvSpPr>
+              <p:cNvPr id="28" name="TextBox 27">
+                <a:extLst>
+                  <a:ext uri="{FF2B5EF4-FFF2-40B4-BE49-F238E27FC236}">
+                    <a16:creationId xmlns:a16="http://schemas.microsoft.com/office/drawing/2014/main" id="{926D02DA-15B5-44E0-A280-3C2DFF37BC14}"/>
+                  </a:ext>
+                </a:extLst>
+              </p:cNvPr>
+              <p:cNvSpPr txBox="1"/>
+              <p:nvPr/>
+            </p:nvSpPr>
+            <p:spPr>
+              <a:xfrm>
+                <a:off x="2228294" y="2299310"/>
+                <a:ext cx="790113" cy="369332"/>
+              </a:xfrm>
+              <a:prstGeom prst="rect">
+                <a:avLst/>
+              </a:prstGeom>
+              <a:noFill/>
+            </p:spPr>
+            <p:txBody>
+              <a:bodyPr wrap="square" rtlCol="0">
+                <a:spAutoFit/>
+              </a:bodyPr>
+              <a:lstStyle/>
+              <a:p>
+                <a:pPr algn="ctr"/>
+                <a:r>
+                  <a:rPr lang="en-US" dirty="0"/>
+                  <a:t>mid</a:t>
+                </a:r>
+              </a:p>
+            </p:txBody>
+          </p:sp>
+        </p:grpSp>
+        <p:grpSp>
+          <p:nvGrpSpPr>
+            <p:cNvPr id="21" name="그룹 20">
+              <a:extLst>
+                <a:ext uri="{FF2B5EF4-FFF2-40B4-BE49-F238E27FC236}">
+                  <a16:creationId xmlns:a16="http://schemas.microsoft.com/office/drawing/2014/main" id="{435D2125-3014-4128-8C3F-CEDC6816951B}"/>
+                </a:ext>
+              </a:extLst>
+            </p:cNvPr>
+            <p:cNvGrpSpPr/>
+            <p:nvPr/>
+          </p:nvGrpSpPr>
+          <p:grpSpPr>
+            <a:xfrm>
+              <a:off x="4596413" y="1979720"/>
+              <a:ext cx="790113" cy="688922"/>
+              <a:chOff x="2228294" y="1979720"/>
+              <a:chExt cx="790113" cy="688922"/>
+            </a:xfrm>
+          </p:grpSpPr>
+          <p:cxnSp>
+            <p:nvCxnSpPr>
+              <p:cNvPr id="22" name="직선 화살표 연결선 21">
+                <a:extLst>
+                  <a:ext uri="{FF2B5EF4-FFF2-40B4-BE49-F238E27FC236}">
+                    <a16:creationId xmlns:a16="http://schemas.microsoft.com/office/drawing/2014/main" id="{64AD8FD7-1781-46DC-BE5B-F9A21EEAFF49}"/>
+                  </a:ext>
+                </a:extLst>
+              </p:cNvPr>
+              <p:cNvCxnSpPr>
+                <a:cxnSpLocks/>
+              </p:cNvCxnSpPr>
+              <p:nvPr/>
+            </p:nvCxnSpPr>
+            <p:spPr>
+              <a:xfrm flipV="1">
+                <a:off x="2623351" y="1979720"/>
+                <a:ext cx="1" cy="319590"/>
+              </a:xfrm>
+              <a:prstGeom prst="straightConnector1">
+                <a:avLst/>
+              </a:prstGeom>
+              <a:ln>
+                <a:solidFill>
+                  <a:schemeClr val="bg1">
+                    <a:lumMod val="65000"/>
+                  </a:schemeClr>
+                </a:solidFill>
+                <a:tailEnd type="triangle"/>
+              </a:ln>
+            </p:spPr>
+            <p:style>
+              <a:lnRef idx="1">
+                <a:schemeClr val="accent1"/>
+              </a:lnRef>
+              <a:fillRef idx="0">
+                <a:schemeClr val="accent1"/>
+              </a:fillRef>
+              <a:effectRef idx="0">
+                <a:schemeClr val="accent1"/>
+              </a:effectRef>
+              <a:fontRef idx="minor">
+                <a:schemeClr val="tx1"/>
+              </a:fontRef>
+            </p:style>
+          </p:cxnSp>
+          <p:sp>
+            <p:nvSpPr>
+              <p:cNvPr id="29" name="TextBox 28">
+                <a:extLst>
+                  <a:ext uri="{FF2B5EF4-FFF2-40B4-BE49-F238E27FC236}">
+                    <a16:creationId xmlns:a16="http://schemas.microsoft.com/office/drawing/2014/main" id="{F5D430BD-56CF-4814-A1F7-C7CCBA7804B2}"/>
+                  </a:ext>
+                </a:extLst>
+              </p:cNvPr>
+              <p:cNvSpPr txBox="1"/>
+              <p:nvPr/>
+            </p:nvSpPr>
+            <p:spPr>
+              <a:xfrm>
+                <a:off x="2228294" y="2299310"/>
+                <a:ext cx="790113" cy="369332"/>
+              </a:xfrm>
+              <a:prstGeom prst="rect">
+                <a:avLst/>
+              </a:prstGeom>
+              <a:noFill/>
+            </p:spPr>
+            <p:txBody>
+              <a:bodyPr wrap="square" rtlCol="0">
+                <a:spAutoFit/>
+              </a:bodyPr>
+              <a:lstStyle/>
+              <a:p>
+                <a:pPr algn="ctr"/>
+                <a:r>
+                  <a:rPr lang="en-US" dirty="0">
+                    <a:solidFill>
+                      <a:schemeClr val="bg1">
+                        <a:lumMod val="50000"/>
+                      </a:schemeClr>
+                    </a:solidFill>
+                  </a:rPr>
+                  <a:t>mid</a:t>
+                </a:r>
+              </a:p>
+            </p:txBody>
+          </p:sp>
+        </p:grpSp>
+      </p:grpSp>
+      <p:grpSp>
+        <p:nvGrpSpPr>
+          <p:cNvPr id="3" name="그룹 2">
+            <a:extLst>
+              <a:ext uri="{FF2B5EF4-FFF2-40B4-BE49-F238E27FC236}">
+                <a16:creationId xmlns:a16="http://schemas.microsoft.com/office/drawing/2014/main" id="{00BC0387-808F-4873-A2A9-C6B6E0B3E839}"/>
+              </a:ext>
+            </a:extLst>
+          </p:cNvPr>
+          <p:cNvGrpSpPr/>
+          <p:nvPr/>
+        </p:nvGrpSpPr>
+        <p:grpSpPr>
+          <a:xfrm>
+            <a:off x="2137296" y="790983"/>
+            <a:ext cx="6320905" cy="1860774"/>
+            <a:chOff x="2228294" y="807868"/>
+            <a:chExt cx="6320905" cy="1860774"/>
+          </a:xfrm>
+        </p:grpSpPr>
+        <p:sp>
+          <p:nvSpPr>
+            <p:cNvPr id="30" name="직사각형 29">
+              <a:extLst>
+                <a:ext uri="{FF2B5EF4-FFF2-40B4-BE49-F238E27FC236}">
+                  <a16:creationId xmlns:a16="http://schemas.microsoft.com/office/drawing/2014/main" id="{B2412DEB-0FAF-4C3F-88A5-D46CB7AED095}"/>
+                </a:ext>
+              </a:extLst>
+            </p:cNvPr>
+            <p:cNvSpPr/>
+            <p:nvPr/>
+          </p:nvSpPr>
+          <p:spPr>
+            <a:xfrm>
+              <a:off x="2228295" y="1322772"/>
+              <a:ext cx="790113" cy="523783"/>
+            </a:xfrm>
+            <a:prstGeom prst="rect">
+              <a:avLst/>
+            </a:prstGeom>
+            <a:solidFill>
+              <a:schemeClr val="tx2">
+                <a:lumMod val="40000"/>
+                <a:lumOff val="60000"/>
+              </a:schemeClr>
+            </a:solidFill>
+            <a:ln>
+              <a:solidFill>
+                <a:schemeClr val="bg1"/>
+              </a:solidFill>
+            </a:ln>
+          </p:spPr>
+          <p:style>
+            <a:lnRef idx="2">
+              <a:schemeClr val="accent1">
+                <a:shade val="50000"/>
+              </a:schemeClr>
+            </a:lnRef>
+            <a:fillRef idx="1">
+              <a:schemeClr val="accent1"/>
+            </a:fillRef>
+            <a:effectRef idx="0">
+              <a:schemeClr val="accent1"/>
+            </a:effectRef>
+            <a:fontRef idx="minor">
+              <a:schemeClr val="lt1"/>
+            </a:fontRef>
+          </p:style>
+          <p:txBody>
+            <a:bodyPr rtlCol="0" anchor="ctr"/>
+            <a:lstStyle/>
+            <a:p>
+              <a:pPr algn="ctr"/>
+              <a:r>
+                <a:rPr lang="en-US" dirty="0"/>
+                <a:t>0</a:t>
+              </a:r>
+            </a:p>
+          </p:txBody>
+        </p:sp>
+        <p:sp>
+          <p:nvSpPr>
+            <p:cNvPr id="31" name="직사각형 30">
+              <a:extLst>
+                <a:ext uri="{FF2B5EF4-FFF2-40B4-BE49-F238E27FC236}">
+                  <a16:creationId xmlns:a16="http://schemas.microsoft.com/office/drawing/2014/main" id="{1BEADB5C-F390-40AC-9B4F-D34D20B61D78}"/>
+                </a:ext>
+              </a:extLst>
+            </p:cNvPr>
+            <p:cNvSpPr/>
+            <p:nvPr/>
+          </p:nvSpPr>
+          <p:spPr>
+            <a:xfrm>
+              <a:off x="3018408" y="1322771"/>
+              <a:ext cx="790113" cy="523783"/>
+            </a:xfrm>
+            <a:prstGeom prst="rect">
+              <a:avLst/>
+            </a:prstGeom>
+            <a:solidFill>
+              <a:schemeClr val="tx2">
+                <a:lumMod val="40000"/>
+                <a:lumOff val="60000"/>
+              </a:schemeClr>
+            </a:solidFill>
+            <a:ln>
+              <a:solidFill>
+                <a:schemeClr val="bg1"/>
+              </a:solidFill>
+            </a:ln>
+          </p:spPr>
+          <p:style>
+            <a:lnRef idx="2">
+              <a:schemeClr val="accent1">
+                <a:shade val="50000"/>
+              </a:schemeClr>
+            </a:lnRef>
+            <a:fillRef idx="1">
+              <a:schemeClr val="accent1"/>
+            </a:fillRef>
+            <a:effectRef idx="0">
+              <a:schemeClr val="accent1"/>
+            </a:effectRef>
+            <a:fontRef idx="minor">
+              <a:schemeClr val="lt1"/>
+            </a:fontRef>
+          </p:style>
+          <p:txBody>
+            <a:bodyPr rtlCol="0" anchor="ctr"/>
+            <a:lstStyle/>
+            <a:p>
+              <a:pPr algn="ctr"/>
+              <a:r>
+                <a:rPr lang="en-US" dirty="0"/>
+                <a:t>4</a:t>
+              </a:r>
+            </a:p>
+          </p:txBody>
+        </p:sp>
+        <p:sp>
+          <p:nvSpPr>
+            <p:cNvPr id="32" name="직사각형 31">
+              <a:extLst>
+                <a:ext uri="{FF2B5EF4-FFF2-40B4-BE49-F238E27FC236}">
+                  <a16:creationId xmlns:a16="http://schemas.microsoft.com/office/drawing/2014/main" id="{D1F37C35-62B1-4993-87D7-E667554CFE73}"/>
+                </a:ext>
+              </a:extLst>
+            </p:cNvPr>
+            <p:cNvSpPr/>
+            <p:nvPr/>
+          </p:nvSpPr>
+          <p:spPr>
+            <a:xfrm>
+              <a:off x="3808521" y="1322770"/>
+              <a:ext cx="790113" cy="523783"/>
+            </a:xfrm>
+            <a:prstGeom prst="rect">
+              <a:avLst/>
+            </a:prstGeom>
+            <a:solidFill>
+              <a:schemeClr val="tx2">
+                <a:lumMod val="40000"/>
+                <a:lumOff val="60000"/>
+              </a:schemeClr>
+            </a:solidFill>
+            <a:ln>
+              <a:solidFill>
+                <a:schemeClr val="bg1"/>
+              </a:solidFill>
+            </a:ln>
+          </p:spPr>
+          <p:style>
+            <a:lnRef idx="2">
+              <a:schemeClr val="accent1">
+                <a:shade val="50000"/>
+              </a:schemeClr>
+            </a:lnRef>
+            <a:fillRef idx="1">
+              <a:schemeClr val="accent1"/>
+            </a:fillRef>
+            <a:effectRef idx="0">
+              <a:schemeClr val="accent1"/>
+            </a:effectRef>
+            <a:fontRef idx="minor">
+              <a:schemeClr val="lt1"/>
+            </a:fontRef>
+          </p:style>
+          <p:txBody>
+            <a:bodyPr rtlCol="0" anchor="ctr"/>
+            <a:lstStyle/>
+            <a:p>
+              <a:pPr algn="ctr"/>
+              <a:r>
+                <a:rPr lang="en-US" dirty="0"/>
+                <a:t>6</a:t>
+              </a:r>
+            </a:p>
+          </p:txBody>
+        </p:sp>
+        <p:sp>
+          <p:nvSpPr>
+            <p:cNvPr id="33" name="직사각형 32">
+              <a:extLst>
+                <a:ext uri="{FF2B5EF4-FFF2-40B4-BE49-F238E27FC236}">
+                  <a16:creationId xmlns:a16="http://schemas.microsoft.com/office/drawing/2014/main" id="{FA7E24A9-F1A3-4BD9-BF9B-AB7074CE9F10}"/>
+                </a:ext>
+              </a:extLst>
+            </p:cNvPr>
+            <p:cNvSpPr/>
+            <p:nvPr/>
+          </p:nvSpPr>
+          <p:spPr>
+            <a:xfrm>
+              <a:off x="4598634" y="1322769"/>
+              <a:ext cx="790113" cy="523783"/>
+            </a:xfrm>
+            <a:prstGeom prst="rect">
+              <a:avLst/>
+            </a:prstGeom>
+            <a:solidFill>
+              <a:schemeClr val="tx2">
+                <a:lumMod val="40000"/>
+                <a:lumOff val="60000"/>
+              </a:schemeClr>
+            </a:solidFill>
+            <a:ln>
+              <a:solidFill>
+                <a:schemeClr val="bg1"/>
+              </a:solidFill>
+            </a:ln>
+          </p:spPr>
+          <p:style>
+            <a:lnRef idx="2">
+              <a:schemeClr val="accent1">
+                <a:shade val="50000"/>
+              </a:schemeClr>
+            </a:lnRef>
+            <a:fillRef idx="1">
+              <a:schemeClr val="accent1"/>
+            </a:fillRef>
+            <a:effectRef idx="0">
+              <a:schemeClr val="accent1"/>
+            </a:effectRef>
+            <a:fontRef idx="minor">
+              <a:schemeClr val="lt1"/>
+            </a:fontRef>
+          </p:style>
+          <p:txBody>
+            <a:bodyPr rtlCol="0" anchor="ctr"/>
+            <a:lstStyle/>
+            <a:p>
+              <a:pPr algn="ctr"/>
+              <a:r>
+                <a:rPr lang="en-US" dirty="0"/>
+                <a:t>8</a:t>
+              </a:r>
+            </a:p>
+          </p:txBody>
+        </p:sp>
+        <p:sp>
+          <p:nvSpPr>
+            <p:cNvPr id="34" name="직사각형 33">
+              <a:extLst>
+                <a:ext uri="{FF2B5EF4-FFF2-40B4-BE49-F238E27FC236}">
+                  <a16:creationId xmlns:a16="http://schemas.microsoft.com/office/drawing/2014/main" id="{2195B2FA-6C3C-4DF7-BE80-95E2E7FE0ABB}"/>
+                </a:ext>
+              </a:extLst>
+            </p:cNvPr>
+            <p:cNvSpPr/>
+            <p:nvPr/>
+          </p:nvSpPr>
+          <p:spPr>
+            <a:xfrm>
+              <a:off x="5388747" y="1322768"/>
+              <a:ext cx="790113" cy="523783"/>
+            </a:xfrm>
+            <a:prstGeom prst="rect">
+              <a:avLst/>
+            </a:prstGeom>
+            <a:solidFill>
+              <a:schemeClr val="tx2">
+                <a:lumMod val="40000"/>
+                <a:lumOff val="60000"/>
+              </a:schemeClr>
+            </a:solidFill>
+            <a:ln>
+              <a:solidFill>
+                <a:schemeClr val="bg1"/>
+              </a:solidFill>
+            </a:ln>
+          </p:spPr>
+          <p:style>
+            <a:lnRef idx="2">
+              <a:schemeClr val="accent1">
+                <a:shade val="50000"/>
+              </a:schemeClr>
+            </a:lnRef>
+            <a:fillRef idx="1">
+              <a:schemeClr val="accent1"/>
+            </a:fillRef>
+            <a:effectRef idx="0">
+              <a:schemeClr val="accent1"/>
+            </a:effectRef>
+            <a:fontRef idx="minor">
+              <a:schemeClr val="lt1"/>
+            </a:fontRef>
+          </p:style>
+          <p:txBody>
+            <a:bodyPr rtlCol="0" anchor="ctr"/>
+            <a:lstStyle/>
+            <a:p>
+              <a:pPr algn="ctr"/>
+              <a:r>
+                <a:rPr lang="en-US" dirty="0"/>
+                <a:t>9</a:t>
+              </a:r>
+            </a:p>
+          </p:txBody>
+        </p:sp>
+        <p:sp>
+          <p:nvSpPr>
+            <p:cNvPr id="35" name="직사각형 34">
+              <a:extLst>
+                <a:ext uri="{FF2B5EF4-FFF2-40B4-BE49-F238E27FC236}">
+                  <a16:creationId xmlns:a16="http://schemas.microsoft.com/office/drawing/2014/main" id="{749CD695-DD48-48FA-A1CD-E453BD5A0F21}"/>
+                </a:ext>
+              </a:extLst>
+            </p:cNvPr>
+            <p:cNvSpPr/>
+            <p:nvPr/>
+          </p:nvSpPr>
+          <p:spPr>
+            <a:xfrm>
+              <a:off x="6178860" y="1322767"/>
+              <a:ext cx="790113" cy="523783"/>
+            </a:xfrm>
+            <a:prstGeom prst="rect">
+              <a:avLst/>
+            </a:prstGeom>
+            <a:solidFill>
+              <a:schemeClr val="tx2">
+                <a:lumMod val="40000"/>
+                <a:lumOff val="60000"/>
+              </a:schemeClr>
+            </a:solidFill>
+            <a:ln>
+              <a:solidFill>
+                <a:schemeClr val="bg1"/>
+              </a:solidFill>
+            </a:ln>
+          </p:spPr>
+          <p:style>
+            <a:lnRef idx="2">
+              <a:schemeClr val="accent1">
+                <a:shade val="50000"/>
+              </a:schemeClr>
+            </a:lnRef>
+            <a:fillRef idx="1">
+              <a:schemeClr val="accent1"/>
+            </a:fillRef>
+            <a:effectRef idx="0">
+              <a:schemeClr val="accent1"/>
+            </a:effectRef>
+            <a:fontRef idx="minor">
+              <a:schemeClr val="lt1"/>
+            </a:fontRef>
+          </p:style>
+          <p:txBody>
+            <a:bodyPr rtlCol="0" anchor="ctr"/>
+            <a:lstStyle/>
+            <a:p>
+              <a:pPr algn="ctr"/>
+              <a:r>
+                <a:rPr lang="en-US" dirty="0"/>
+                <a:t>13</a:t>
+              </a:r>
+            </a:p>
+          </p:txBody>
+        </p:sp>
+        <p:sp>
+          <p:nvSpPr>
+            <p:cNvPr id="36" name="직사각형 35">
+              <a:extLst>
+                <a:ext uri="{FF2B5EF4-FFF2-40B4-BE49-F238E27FC236}">
+                  <a16:creationId xmlns:a16="http://schemas.microsoft.com/office/drawing/2014/main" id="{E462FEDF-1CA5-4EED-B0D6-98B39B40D57E}"/>
+                </a:ext>
+              </a:extLst>
+            </p:cNvPr>
+            <p:cNvSpPr/>
+            <p:nvPr/>
+          </p:nvSpPr>
+          <p:spPr>
+            <a:xfrm>
+              <a:off x="6968973" y="1322766"/>
+              <a:ext cx="790113" cy="523783"/>
+            </a:xfrm>
+            <a:prstGeom prst="rect">
+              <a:avLst/>
+            </a:prstGeom>
+            <a:solidFill>
+              <a:schemeClr val="tx2">
+                <a:lumMod val="40000"/>
+                <a:lumOff val="60000"/>
+              </a:schemeClr>
+            </a:solidFill>
+            <a:ln>
+              <a:solidFill>
+                <a:schemeClr val="bg1"/>
+              </a:solidFill>
+            </a:ln>
+          </p:spPr>
+          <p:style>
+            <a:lnRef idx="2">
+              <a:schemeClr val="accent1">
+                <a:shade val="50000"/>
+              </a:schemeClr>
+            </a:lnRef>
+            <a:fillRef idx="1">
+              <a:schemeClr val="accent1"/>
+            </a:fillRef>
+            <a:effectRef idx="0">
+              <a:schemeClr val="accent1"/>
+            </a:effectRef>
+            <a:fontRef idx="minor">
+              <a:schemeClr val="lt1"/>
+            </a:fontRef>
+          </p:style>
+          <p:txBody>
+            <a:bodyPr rtlCol="0" anchor="ctr"/>
+            <a:lstStyle/>
+            <a:p>
+              <a:pPr algn="ctr"/>
+              <a:r>
+                <a:rPr lang="en-US" dirty="0"/>
+                <a:t>14</a:t>
+              </a:r>
+            </a:p>
+          </p:txBody>
+        </p:sp>
+        <p:sp>
+          <p:nvSpPr>
+            <p:cNvPr id="37" name="직사각형 36">
+              <a:extLst>
+                <a:ext uri="{FF2B5EF4-FFF2-40B4-BE49-F238E27FC236}">
+                  <a16:creationId xmlns:a16="http://schemas.microsoft.com/office/drawing/2014/main" id="{45DAE9E1-A62F-4035-AC69-58FFF138ECDB}"/>
+                </a:ext>
+              </a:extLst>
+            </p:cNvPr>
+            <p:cNvSpPr/>
+            <p:nvPr/>
+          </p:nvSpPr>
+          <p:spPr>
+            <a:xfrm>
+              <a:off x="7759086" y="1322765"/>
+              <a:ext cx="790113" cy="523783"/>
+            </a:xfrm>
+            <a:prstGeom prst="rect">
+              <a:avLst/>
+            </a:prstGeom>
+            <a:solidFill>
+              <a:schemeClr val="tx2">
+                <a:lumMod val="40000"/>
+                <a:lumOff val="60000"/>
+              </a:schemeClr>
+            </a:solidFill>
+            <a:ln>
+              <a:solidFill>
+                <a:schemeClr val="bg1"/>
+              </a:solidFill>
+            </a:ln>
+          </p:spPr>
+          <p:style>
+            <a:lnRef idx="2">
+              <a:schemeClr val="accent1">
+                <a:shade val="50000"/>
+              </a:schemeClr>
+            </a:lnRef>
+            <a:fillRef idx="1">
+              <a:schemeClr val="accent1"/>
+            </a:fillRef>
+            <a:effectRef idx="0">
+              <a:schemeClr val="accent1"/>
+            </a:effectRef>
+            <a:fontRef idx="minor">
+              <a:schemeClr val="lt1"/>
+            </a:fontRef>
+          </p:style>
+          <p:txBody>
+            <a:bodyPr rtlCol="0" anchor="ctr"/>
+            <a:lstStyle/>
+            <a:p>
+              <a:pPr algn="ctr"/>
+              <a:r>
+                <a:rPr lang="en-US" dirty="0"/>
+                <a:t>18</a:t>
+              </a:r>
+            </a:p>
+          </p:txBody>
+        </p:sp>
+        <p:sp>
+          <p:nvSpPr>
+            <p:cNvPr id="38" name="직사각형 37">
+              <a:extLst>
+                <a:ext uri="{FF2B5EF4-FFF2-40B4-BE49-F238E27FC236}">
+                  <a16:creationId xmlns:a16="http://schemas.microsoft.com/office/drawing/2014/main" id="{3D259218-800B-4228-A28A-1B15C845A266}"/>
+                </a:ext>
+              </a:extLst>
+            </p:cNvPr>
+            <p:cNvSpPr/>
+            <p:nvPr/>
+          </p:nvSpPr>
+          <p:spPr>
+            <a:xfrm>
+              <a:off x="2228295" y="1331651"/>
+              <a:ext cx="6320904" cy="523776"/>
+            </a:xfrm>
+            <a:prstGeom prst="rect">
+              <a:avLst/>
+            </a:prstGeom>
+            <a:noFill/>
+            <a:ln w="38100"/>
+          </p:spPr>
+          <p:style>
+            <a:lnRef idx="2">
+              <a:schemeClr val="accent1">
+                <a:shade val="50000"/>
+              </a:schemeClr>
+            </a:lnRef>
+            <a:fillRef idx="1">
+              <a:schemeClr val="accent1"/>
+            </a:fillRef>
+            <a:effectRef idx="0">
+              <a:schemeClr val="accent1"/>
+            </a:effectRef>
+            <a:fontRef idx="minor">
+              <a:schemeClr val="lt1"/>
+            </a:fontRef>
+          </p:style>
+          <p:txBody>
+            <a:bodyPr rtlCol="0" anchor="ctr"/>
+            <a:lstStyle/>
+            <a:p>
+              <a:pPr algn="ctr"/>
+              <a:endParaRPr lang="en-US"/>
+            </a:p>
+          </p:txBody>
+        </p:sp>
+        <p:sp>
+          <p:nvSpPr>
+            <p:cNvPr id="39" name="TextBox 38">
+              <a:extLst>
+                <a:ext uri="{FF2B5EF4-FFF2-40B4-BE49-F238E27FC236}">
+                  <a16:creationId xmlns:a16="http://schemas.microsoft.com/office/drawing/2014/main" id="{AC956FD1-7FCE-4EC5-BC3C-269CC02E91CA}"/>
+                </a:ext>
+              </a:extLst>
+            </p:cNvPr>
+            <p:cNvSpPr txBox="1"/>
+            <p:nvPr/>
+          </p:nvSpPr>
+          <p:spPr>
+            <a:xfrm>
+              <a:off x="4993690" y="807868"/>
+              <a:ext cx="790113" cy="369332"/>
+            </a:xfrm>
+            <a:prstGeom prst="rect">
+              <a:avLst/>
+            </a:prstGeom>
+            <a:noFill/>
+          </p:spPr>
+          <p:txBody>
+            <a:bodyPr wrap="square" rtlCol="0">
+              <a:spAutoFit/>
+            </a:bodyPr>
+            <a:lstStyle/>
+            <a:p>
+              <a:pPr algn="ctr"/>
+              <a:r>
+                <a:rPr lang="en-US" dirty="0"/>
+                <a:t>X = 7</a:t>
+              </a:r>
+            </a:p>
+          </p:txBody>
+        </p:sp>
+        <p:grpSp>
+          <p:nvGrpSpPr>
+            <p:cNvPr id="40" name="그룹 39">
+              <a:extLst>
+                <a:ext uri="{FF2B5EF4-FFF2-40B4-BE49-F238E27FC236}">
+                  <a16:creationId xmlns:a16="http://schemas.microsoft.com/office/drawing/2014/main" id="{C395DC39-B7CB-4640-958F-718F3DD2822B}"/>
+                </a:ext>
+              </a:extLst>
+            </p:cNvPr>
+            <p:cNvGrpSpPr/>
+            <p:nvPr/>
+          </p:nvGrpSpPr>
+          <p:grpSpPr>
+            <a:xfrm>
+              <a:off x="2228294" y="1979720"/>
+              <a:ext cx="790113" cy="688922"/>
+              <a:chOff x="2228294" y="1979720"/>
+              <a:chExt cx="790113" cy="688922"/>
+            </a:xfrm>
+          </p:grpSpPr>
+          <p:cxnSp>
+            <p:nvCxnSpPr>
+              <p:cNvPr id="41" name="직선 화살표 연결선 40">
+                <a:extLst>
+                  <a:ext uri="{FF2B5EF4-FFF2-40B4-BE49-F238E27FC236}">
+                    <a16:creationId xmlns:a16="http://schemas.microsoft.com/office/drawing/2014/main" id="{F0E62DA2-3429-482B-8F8A-7523755F6C81}"/>
+                  </a:ext>
+                </a:extLst>
+              </p:cNvPr>
+              <p:cNvCxnSpPr>
+                <a:cxnSpLocks/>
+              </p:cNvCxnSpPr>
+              <p:nvPr/>
+            </p:nvCxnSpPr>
+            <p:spPr>
+              <a:xfrm flipV="1">
+                <a:off x="2623351" y="1979720"/>
+                <a:ext cx="1" cy="319590"/>
+              </a:xfrm>
+              <a:prstGeom prst="straightConnector1">
+                <a:avLst/>
+              </a:prstGeom>
+              <a:ln>
+                <a:solidFill>
+                  <a:schemeClr val="tx1"/>
+                </a:solidFill>
+                <a:tailEnd type="triangle"/>
+              </a:ln>
+            </p:spPr>
+            <p:style>
+              <a:lnRef idx="1">
+                <a:schemeClr val="accent1"/>
+              </a:lnRef>
+              <a:fillRef idx="0">
+                <a:schemeClr val="accent1"/>
+              </a:fillRef>
+              <a:effectRef idx="0">
+                <a:schemeClr val="accent1"/>
+              </a:effectRef>
+              <a:fontRef idx="minor">
+                <a:schemeClr val="tx1"/>
+              </a:fontRef>
+            </p:style>
+          </p:cxnSp>
+          <p:sp>
+            <p:nvSpPr>
+              <p:cNvPr id="42" name="TextBox 41">
+                <a:extLst>
+                  <a:ext uri="{FF2B5EF4-FFF2-40B4-BE49-F238E27FC236}">
+                    <a16:creationId xmlns:a16="http://schemas.microsoft.com/office/drawing/2014/main" id="{4FFF0519-89BE-458E-8B55-3A93BD0A75C4}"/>
+                  </a:ext>
+                </a:extLst>
+              </p:cNvPr>
+              <p:cNvSpPr txBox="1"/>
+              <p:nvPr/>
+            </p:nvSpPr>
+            <p:spPr>
+              <a:xfrm>
+                <a:off x="2228294" y="2299310"/>
+                <a:ext cx="790113" cy="369332"/>
+              </a:xfrm>
+              <a:prstGeom prst="rect">
+                <a:avLst/>
+              </a:prstGeom>
+              <a:noFill/>
+            </p:spPr>
+            <p:txBody>
+              <a:bodyPr wrap="square" rtlCol="0">
+                <a:spAutoFit/>
+              </a:bodyPr>
+              <a:lstStyle/>
+              <a:p>
+                <a:pPr algn="ctr"/>
+                <a:r>
+                  <a:rPr lang="en-US" dirty="0"/>
+                  <a:t>L[l]</a:t>
+                </a:r>
+              </a:p>
+            </p:txBody>
+          </p:sp>
+        </p:grpSp>
+        <p:grpSp>
+          <p:nvGrpSpPr>
+            <p:cNvPr id="43" name="그룹 42">
+              <a:extLst>
+                <a:ext uri="{FF2B5EF4-FFF2-40B4-BE49-F238E27FC236}">
+                  <a16:creationId xmlns:a16="http://schemas.microsoft.com/office/drawing/2014/main" id="{876F6A3A-A744-41A1-BB40-D1885A586E7D}"/>
+                </a:ext>
+              </a:extLst>
+            </p:cNvPr>
+            <p:cNvGrpSpPr/>
+            <p:nvPr/>
+          </p:nvGrpSpPr>
+          <p:grpSpPr>
+            <a:xfrm>
+              <a:off x="7759086" y="1979720"/>
+              <a:ext cx="790113" cy="688922"/>
+              <a:chOff x="2228294" y="1979720"/>
+              <a:chExt cx="790113" cy="688922"/>
+            </a:xfrm>
+          </p:grpSpPr>
+          <p:cxnSp>
+            <p:nvCxnSpPr>
+              <p:cNvPr id="44" name="직선 화살표 연결선 43">
+                <a:extLst>
+                  <a:ext uri="{FF2B5EF4-FFF2-40B4-BE49-F238E27FC236}">
+                    <a16:creationId xmlns:a16="http://schemas.microsoft.com/office/drawing/2014/main" id="{AA832A68-23F8-44D5-8B3A-9DE5E89EB4FE}"/>
+                  </a:ext>
+                </a:extLst>
+              </p:cNvPr>
+              <p:cNvCxnSpPr>
+                <a:cxnSpLocks/>
+              </p:cNvCxnSpPr>
+              <p:nvPr/>
+            </p:nvCxnSpPr>
+            <p:spPr>
+              <a:xfrm flipV="1">
+                <a:off x="2623351" y="1979720"/>
+                <a:ext cx="1" cy="319590"/>
+              </a:xfrm>
+              <a:prstGeom prst="straightConnector1">
+                <a:avLst/>
+              </a:prstGeom>
+              <a:ln>
+                <a:solidFill>
+                  <a:schemeClr val="tx1"/>
+                </a:solidFill>
+                <a:tailEnd type="triangle"/>
+              </a:ln>
+            </p:spPr>
+            <p:style>
+              <a:lnRef idx="1">
+                <a:schemeClr val="accent1"/>
+              </a:lnRef>
+              <a:fillRef idx="0">
+                <a:schemeClr val="accent1"/>
+              </a:fillRef>
+              <a:effectRef idx="0">
+                <a:schemeClr val="accent1"/>
+              </a:effectRef>
+              <a:fontRef idx="minor">
+                <a:schemeClr val="tx1"/>
+              </a:fontRef>
+            </p:style>
+          </p:cxnSp>
+          <p:sp>
+            <p:nvSpPr>
+              <p:cNvPr id="45" name="TextBox 44">
+                <a:extLst>
+                  <a:ext uri="{FF2B5EF4-FFF2-40B4-BE49-F238E27FC236}">
+                    <a16:creationId xmlns:a16="http://schemas.microsoft.com/office/drawing/2014/main" id="{A53E3761-2BB1-44CA-851A-57FC09CA93D5}"/>
+                  </a:ext>
+                </a:extLst>
+              </p:cNvPr>
+              <p:cNvSpPr txBox="1"/>
+              <p:nvPr/>
+            </p:nvSpPr>
+            <p:spPr>
+              <a:xfrm>
+                <a:off x="2228294" y="2299310"/>
+                <a:ext cx="790113" cy="369332"/>
+              </a:xfrm>
+              <a:prstGeom prst="rect">
+                <a:avLst/>
+              </a:prstGeom>
+              <a:noFill/>
+            </p:spPr>
+            <p:txBody>
+              <a:bodyPr wrap="square" rtlCol="0">
+                <a:spAutoFit/>
+              </a:bodyPr>
+              <a:lstStyle/>
+              <a:p>
+                <a:pPr algn="ctr"/>
+                <a:r>
+                  <a:rPr lang="en-US" dirty="0"/>
+                  <a:t>L[u]</a:t>
+                </a:r>
+              </a:p>
+            </p:txBody>
+          </p:sp>
+        </p:grpSp>
+        <p:grpSp>
+          <p:nvGrpSpPr>
+            <p:cNvPr id="46" name="그룹 45">
+              <a:extLst>
+                <a:ext uri="{FF2B5EF4-FFF2-40B4-BE49-F238E27FC236}">
+                  <a16:creationId xmlns:a16="http://schemas.microsoft.com/office/drawing/2014/main" id="{E1B5EF6D-98CF-4534-B55C-36112797BB7C}"/>
+                </a:ext>
+              </a:extLst>
+            </p:cNvPr>
+            <p:cNvGrpSpPr/>
+            <p:nvPr/>
+          </p:nvGrpSpPr>
+          <p:grpSpPr>
+            <a:xfrm>
+              <a:off x="4596413" y="1979720"/>
+              <a:ext cx="790113" cy="688922"/>
+              <a:chOff x="2228294" y="1979720"/>
+              <a:chExt cx="790113" cy="688922"/>
+            </a:xfrm>
+          </p:grpSpPr>
+          <p:cxnSp>
+            <p:nvCxnSpPr>
+              <p:cNvPr id="47" name="직선 화살표 연결선 46">
+                <a:extLst>
+                  <a:ext uri="{FF2B5EF4-FFF2-40B4-BE49-F238E27FC236}">
+                    <a16:creationId xmlns:a16="http://schemas.microsoft.com/office/drawing/2014/main" id="{F71A69A4-F8DE-4F83-B4B0-743798815221}"/>
+                  </a:ext>
+                </a:extLst>
+              </p:cNvPr>
+              <p:cNvCxnSpPr>
+                <a:cxnSpLocks/>
+              </p:cNvCxnSpPr>
+              <p:nvPr/>
+            </p:nvCxnSpPr>
+            <p:spPr>
+              <a:xfrm flipV="1">
+                <a:off x="2623351" y="1979720"/>
+                <a:ext cx="1" cy="319590"/>
+              </a:xfrm>
+              <a:prstGeom prst="straightConnector1">
+                <a:avLst/>
+              </a:prstGeom>
+              <a:ln>
+                <a:solidFill>
+                  <a:schemeClr val="tx1"/>
+                </a:solidFill>
+                <a:tailEnd type="triangle"/>
+              </a:ln>
+            </p:spPr>
+            <p:style>
+              <a:lnRef idx="1">
+                <a:schemeClr val="accent1"/>
+              </a:lnRef>
+              <a:fillRef idx="0">
+                <a:schemeClr val="accent1"/>
+              </a:fillRef>
+              <a:effectRef idx="0">
+                <a:schemeClr val="accent1"/>
+              </a:effectRef>
+              <a:fontRef idx="minor">
+                <a:schemeClr val="tx1"/>
+              </a:fontRef>
+            </p:style>
+          </p:cxnSp>
+          <p:sp>
+            <p:nvSpPr>
+              <p:cNvPr id="48" name="TextBox 47">
+                <a:extLst>
+                  <a:ext uri="{FF2B5EF4-FFF2-40B4-BE49-F238E27FC236}">
+                    <a16:creationId xmlns:a16="http://schemas.microsoft.com/office/drawing/2014/main" id="{D4782BDD-AE56-4B35-8898-8A1C5B13432B}"/>
+                  </a:ext>
+                </a:extLst>
+              </p:cNvPr>
+              <p:cNvSpPr txBox="1"/>
+              <p:nvPr/>
+            </p:nvSpPr>
+            <p:spPr>
+              <a:xfrm>
+                <a:off x="2228294" y="2299310"/>
+                <a:ext cx="790113" cy="369332"/>
+              </a:xfrm>
+              <a:prstGeom prst="rect">
+                <a:avLst/>
+              </a:prstGeom>
+              <a:noFill/>
+            </p:spPr>
+            <p:txBody>
+              <a:bodyPr wrap="square" rtlCol="0">
+                <a:spAutoFit/>
+              </a:bodyPr>
+              <a:lstStyle/>
+              <a:p>
+                <a:pPr algn="ctr"/>
+                <a:r>
+                  <a:rPr lang="en-US" dirty="0"/>
+                  <a:t>mid</a:t>
+                </a:r>
+              </a:p>
+            </p:txBody>
+          </p:sp>
+        </p:grpSp>
+      </p:grpSp>
+      <p:sp>
+        <p:nvSpPr>
+          <p:cNvPr id="14" name="화살표: 오른쪽 13">
+            <a:extLst>
+              <a:ext uri="{FF2B5EF4-FFF2-40B4-BE49-F238E27FC236}">
+                <a16:creationId xmlns:a16="http://schemas.microsoft.com/office/drawing/2014/main" id="{13FFEA52-2714-4135-977A-B1613BF1D8B7}"/>
+              </a:ext>
+            </a:extLst>
+          </p:cNvPr>
+          <p:cNvSpPr/>
+          <p:nvPr/>
+        </p:nvSpPr>
+        <p:spPr>
+          <a:xfrm rot="5400000">
+            <a:off x="4955956" y="2919384"/>
+            <a:ext cx="679143" cy="369332"/>
+          </a:xfrm>
+          <a:prstGeom prst="rightArrow">
+            <a:avLst/>
+          </a:prstGeom>
+          <a:solidFill>
+            <a:srgbClr val="FF0000"/>
+          </a:solidFill>
+          <a:ln>
+            <a:noFill/>
+          </a:ln>
+        </p:spPr>
+        <p:style>
+          <a:lnRef idx="2">
+            <a:schemeClr val="accent1">
+              <a:shade val="50000"/>
+            </a:schemeClr>
+          </a:lnRef>
+          <a:fillRef idx="1">
+            <a:schemeClr val="accent1"/>
+          </a:fillRef>
+          <a:effectRef idx="0">
+            <a:schemeClr val="accent1"/>
+          </a:effectRef>
+          <a:fontRef idx="minor">
+            <a:schemeClr val="lt1"/>
+          </a:fontRef>
+        </p:style>
+        <p:txBody>
+          <a:bodyPr rtlCol="0" anchor="ctr"/>
+          <a:lstStyle/>
+          <a:p>
+            <a:pPr algn="ctr"/>
+            <a:endParaRPr lang="en-US"/>
+          </a:p>
+        </p:txBody>
+      </p:sp>
+    </p:spTree>
+    <p:extLst>
+      <p:ext uri="{BB962C8B-B14F-4D97-AF65-F5344CB8AC3E}">
+        <p14:creationId xmlns:p14="http://schemas.microsoft.com/office/powerpoint/2010/main" val="3386904562"/>
+      </p:ext>
+    </p:extLst>
+  </p:cSld>
+  <p:clrMapOvr>
+    <a:masterClrMapping/>
+  </p:clrMapOvr>
+</p:sld>
+</file>
+
+<file path=ppt/slides/slide4.xml><?xml version="1.0" encoding="utf-8"?>
+<p:sld xmlns:a="http://schemas.openxmlformats.org/drawingml/2006/main" xmlns:r="http://schemas.openxmlformats.org/officeDocument/2006/relationships" xmlns:p="http://schemas.openxmlformats.org/presentationml/2006/main">
+  <p:cSld>
+    <p:spTree>
+      <p:nvGrpSpPr>
+        <p:cNvPr id="1" name=""/>
+        <p:cNvGrpSpPr/>
+        <p:nvPr/>
+      </p:nvGrpSpPr>
+      <p:grpSpPr>
+        <a:xfrm>
+          <a:off x="0" y="0"/>
+          <a:ext cx="0" cy="0"/>
+          <a:chOff x="0" y="0"/>
+          <a:chExt cx="0" cy="0"/>
+        </a:xfrm>
+      </p:grpSpPr>
+      <p:grpSp>
+        <p:nvGrpSpPr>
+          <p:cNvPr id="16" name="그룹 15">
+            <a:extLst>
+              <a:ext uri="{FF2B5EF4-FFF2-40B4-BE49-F238E27FC236}">
+                <a16:creationId xmlns:a16="http://schemas.microsoft.com/office/drawing/2014/main" id="{D3A33706-B9C6-4DFA-B08A-060BB053698B}"/>
+              </a:ext>
+            </a:extLst>
+          </p:cNvPr>
+          <p:cNvGrpSpPr/>
+          <p:nvPr/>
+        </p:nvGrpSpPr>
+        <p:grpSpPr>
+          <a:xfrm>
+            <a:off x="2137297" y="3654465"/>
+            <a:ext cx="6320904" cy="2051339"/>
+            <a:chOff x="2137297" y="3654465"/>
+            <a:chExt cx="6320904" cy="2051339"/>
+          </a:xfrm>
+        </p:grpSpPr>
+        <p:sp>
+          <p:nvSpPr>
+            <p:cNvPr id="5" name="직사각형 4">
+              <a:extLst>
+                <a:ext uri="{FF2B5EF4-FFF2-40B4-BE49-F238E27FC236}">
+                  <a16:creationId xmlns:a16="http://schemas.microsoft.com/office/drawing/2014/main" id="{EDAC4D07-5F1F-4278-92B3-C750A85BB775}"/>
+                </a:ext>
+              </a:extLst>
+            </p:cNvPr>
+            <p:cNvSpPr/>
+            <p:nvPr/>
+          </p:nvSpPr>
+          <p:spPr>
+            <a:xfrm>
+              <a:off x="2137297" y="4169369"/>
+              <a:ext cx="790113" cy="523783"/>
+            </a:xfrm>
+            <a:prstGeom prst="rect">
+              <a:avLst/>
+            </a:prstGeom>
+            <a:solidFill>
+              <a:schemeClr val="bg1">
+                <a:lumMod val="85000"/>
+              </a:schemeClr>
+            </a:solidFill>
+            <a:ln>
+              <a:solidFill>
+                <a:schemeClr val="bg1"/>
+              </a:solidFill>
+            </a:ln>
+          </p:spPr>
+          <p:style>
+            <a:lnRef idx="2">
+              <a:schemeClr val="accent1">
+                <a:shade val="50000"/>
+              </a:schemeClr>
+            </a:lnRef>
+            <a:fillRef idx="1">
+              <a:schemeClr val="accent1"/>
+            </a:fillRef>
+            <a:effectRef idx="0">
+              <a:schemeClr val="accent1"/>
+            </a:effectRef>
+            <a:fontRef idx="minor">
+              <a:schemeClr val="lt1"/>
+            </a:fontRef>
+          </p:style>
+          <p:txBody>
+            <a:bodyPr rtlCol="0" anchor="ctr"/>
+            <a:lstStyle/>
+            <a:p>
+              <a:pPr algn="ctr"/>
+              <a:r>
+                <a:rPr lang="en-US" dirty="0"/>
+                <a:t>0</a:t>
+              </a:r>
+            </a:p>
+          </p:txBody>
+        </p:sp>
+        <p:sp>
+          <p:nvSpPr>
+            <p:cNvPr id="6" name="직사각형 5">
+              <a:extLst>
+                <a:ext uri="{FF2B5EF4-FFF2-40B4-BE49-F238E27FC236}">
+                  <a16:creationId xmlns:a16="http://schemas.microsoft.com/office/drawing/2014/main" id="{240E8662-9BEC-486B-92DB-F0D97368998F}"/>
+                </a:ext>
+              </a:extLst>
+            </p:cNvPr>
+            <p:cNvSpPr/>
+            <p:nvPr/>
+          </p:nvSpPr>
+          <p:spPr>
+            <a:xfrm>
+              <a:off x="2927410" y="4169368"/>
+              <a:ext cx="790113" cy="523783"/>
+            </a:xfrm>
+            <a:prstGeom prst="rect">
+              <a:avLst/>
+            </a:prstGeom>
+            <a:solidFill>
+              <a:schemeClr val="bg1">
+                <a:lumMod val="85000"/>
+              </a:schemeClr>
+            </a:solidFill>
+            <a:ln>
+              <a:solidFill>
+                <a:schemeClr val="bg1"/>
+              </a:solidFill>
+            </a:ln>
+          </p:spPr>
+          <p:style>
+            <a:lnRef idx="2">
+              <a:schemeClr val="accent1">
+                <a:shade val="50000"/>
+              </a:schemeClr>
+            </a:lnRef>
+            <a:fillRef idx="1">
+              <a:schemeClr val="accent1"/>
+            </a:fillRef>
+            <a:effectRef idx="0">
+              <a:schemeClr val="accent1"/>
+            </a:effectRef>
+            <a:fontRef idx="minor">
+              <a:schemeClr val="lt1"/>
+            </a:fontRef>
+          </p:style>
+          <p:txBody>
+            <a:bodyPr rtlCol="0" anchor="ctr"/>
+            <a:lstStyle/>
+            <a:p>
+              <a:pPr algn="ctr"/>
+              <a:r>
+                <a:rPr lang="en-US" dirty="0"/>
+                <a:t>4</a:t>
+              </a:r>
+            </a:p>
+          </p:txBody>
+        </p:sp>
+        <p:sp>
+          <p:nvSpPr>
+            <p:cNvPr id="7" name="직사각형 6">
+              <a:extLst>
+                <a:ext uri="{FF2B5EF4-FFF2-40B4-BE49-F238E27FC236}">
+                  <a16:creationId xmlns:a16="http://schemas.microsoft.com/office/drawing/2014/main" id="{D3E702D3-0D31-4F35-9C4A-FB8535A9AC2A}"/>
+                </a:ext>
+              </a:extLst>
+            </p:cNvPr>
+            <p:cNvSpPr/>
+            <p:nvPr/>
+          </p:nvSpPr>
+          <p:spPr>
+            <a:xfrm>
+              <a:off x="3717523" y="4169367"/>
+              <a:ext cx="790113" cy="523783"/>
+            </a:xfrm>
+            <a:prstGeom prst="rect">
+              <a:avLst/>
+            </a:prstGeom>
+            <a:solidFill>
+              <a:schemeClr val="bg1">
+                <a:lumMod val="85000"/>
+              </a:schemeClr>
+            </a:solidFill>
+            <a:ln>
+              <a:solidFill>
+                <a:schemeClr val="bg1"/>
+              </a:solidFill>
+            </a:ln>
+          </p:spPr>
+          <p:style>
+            <a:lnRef idx="2">
+              <a:schemeClr val="accent1">
+                <a:shade val="50000"/>
+              </a:schemeClr>
+            </a:lnRef>
+            <a:fillRef idx="1">
+              <a:schemeClr val="accent1"/>
+            </a:fillRef>
+            <a:effectRef idx="0">
+              <a:schemeClr val="accent1"/>
+            </a:effectRef>
+            <a:fontRef idx="minor">
+              <a:schemeClr val="lt1"/>
+            </a:fontRef>
+          </p:style>
+          <p:txBody>
+            <a:bodyPr rtlCol="0" anchor="ctr"/>
+            <a:lstStyle/>
+            <a:p>
+              <a:pPr algn="ctr"/>
+              <a:r>
+                <a:rPr lang="en-US" dirty="0"/>
+                <a:t>6</a:t>
+              </a:r>
+            </a:p>
+          </p:txBody>
+        </p:sp>
+        <p:sp>
+          <p:nvSpPr>
+            <p:cNvPr id="8" name="직사각형 7">
+              <a:extLst>
+                <a:ext uri="{FF2B5EF4-FFF2-40B4-BE49-F238E27FC236}">
+                  <a16:creationId xmlns:a16="http://schemas.microsoft.com/office/drawing/2014/main" id="{89705D53-4B56-4AC1-B721-6BBE57ED95FE}"/>
+                </a:ext>
+              </a:extLst>
+            </p:cNvPr>
+            <p:cNvSpPr/>
+            <p:nvPr/>
+          </p:nvSpPr>
+          <p:spPr>
+            <a:xfrm>
+              <a:off x="4507636" y="4169366"/>
+              <a:ext cx="790113" cy="523783"/>
+            </a:xfrm>
+            <a:prstGeom prst="rect">
+              <a:avLst/>
+            </a:prstGeom>
+            <a:solidFill>
+              <a:schemeClr val="bg1">
+                <a:lumMod val="85000"/>
+              </a:schemeClr>
+            </a:solidFill>
+            <a:ln>
+              <a:solidFill>
+                <a:schemeClr val="bg1"/>
+              </a:solidFill>
+            </a:ln>
+          </p:spPr>
+          <p:style>
+            <a:lnRef idx="2">
+              <a:schemeClr val="accent1">
+                <a:shade val="50000"/>
+              </a:schemeClr>
+            </a:lnRef>
+            <a:fillRef idx="1">
+              <a:schemeClr val="accent1"/>
+            </a:fillRef>
+            <a:effectRef idx="0">
+              <a:schemeClr val="accent1"/>
+            </a:effectRef>
+            <a:fontRef idx="minor">
+              <a:schemeClr val="lt1"/>
+            </a:fontRef>
+          </p:style>
+          <p:txBody>
+            <a:bodyPr rtlCol="0" anchor="ctr"/>
+            <a:lstStyle/>
+            <a:p>
+              <a:pPr algn="ctr"/>
+              <a:r>
+                <a:rPr lang="en-US"/>
+                <a:t>8</a:t>
+              </a:r>
+              <a:endParaRPr lang="en-US" dirty="0"/>
+            </a:p>
+          </p:txBody>
+        </p:sp>
+        <p:sp>
+          <p:nvSpPr>
+            <p:cNvPr id="9" name="직사각형 8">
+              <a:extLst>
+                <a:ext uri="{FF2B5EF4-FFF2-40B4-BE49-F238E27FC236}">
+                  <a16:creationId xmlns:a16="http://schemas.microsoft.com/office/drawing/2014/main" id="{92207171-1C6F-4CB0-82C7-CD7DD4BA9189}"/>
+                </a:ext>
+              </a:extLst>
+            </p:cNvPr>
+            <p:cNvSpPr/>
+            <p:nvPr/>
+          </p:nvSpPr>
+          <p:spPr>
+            <a:xfrm>
+              <a:off x="5297749" y="4169365"/>
+              <a:ext cx="790113" cy="523783"/>
+            </a:xfrm>
+            <a:prstGeom prst="rect">
+              <a:avLst/>
+            </a:prstGeom>
+            <a:solidFill>
+              <a:schemeClr val="tx2">
+                <a:lumMod val="40000"/>
+                <a:lumOff val="60000"/>
+              </a:schemeClr>
+            </a:solidFill>
+            <a:ln>
+              <a:solidFill>
+                <a:schemeClr val="bg1"/>
+              </a:solidFill>
+            </a:ln>
+          </p:spPr>
+          <p:style>
+            <a:lnRef idx="2">
+              <a:schemeClr val="accent1">
+                <a:shade val="50000"/>
+              </a:schemeClr>
+            </a:lnRef>
+            <a:fillRef idx="1">
+              <a:schemeClr val="accent1"/>
+            </a:fillRef>
+            <a:effectRef idx="0">
+              <a:schemeClr val="accent1"/>
+            </a:effectRef>
+            <a:fontRef idx="minor">
+              <a:schemeClr val="lt1"/>
+            </a:fontRef>
+          </p:style>
+          <p:txBody>
+            <a:bodyPr rtlCol="0" anchor="ctr"/>
+            <a:lstStyle/>
+            <a:p>
+              <a:pPr algn="ctr"/>
+              <a:r>
+                <a:rPr lang="en-US" dirty="0"/>
+                <a:t>9</a:t>
+              </a:r>
+            </a:p>
+          </p:txBody>
+        </p:sp>
+        <p:sp>
+          <p:nvSpPr>
+            <p:cNvPr id="10" name="직사각형 9">
+              <a:extLst>
+                <a:ext uri="{FF2B5EF4-FFF2-40B4-BE49-F238E27FC236}">
+                  <a16:creationId xmlns:a16="http://schemas.microsoft.com/office/drawing/2014/main" id="{B6543943-F4E6-4FB9-991A-1A1A713B5595}"/>
+                </a:ext>
+              </a:extLst>
+            </p:cNvPr>
+            <p:cNvSpPr/>
+            <p:nvPr/>
+          </p:nvSpPr>
+          <p:spPr>
+            <a:xfrm>
+              <a:off x="6087862" y="4169364"/>
+              <a:ext cx="790113" cy="523783"/>
+            </a:xfrm>
+            <a:prstGeom prst="rect">
+              <a:avLst/>
+            </a:prstGeom>
+            <a:solidFill>
+              <a:schemeClr val="tx2">
+                <a:lumMod val="40000"/>
+                <a:lumOff val="60000"/>
+              </a:schemeClr>
+            </a:solidFill>
+            <a:ln>
+              <a:solidFill>
+                <a:schemeClr val="bg1"/>
+              </a:solidFill>
+            </a:ln>
+          </p:spPr>
+          <p:style>
+            <a:lnRef idx="2">
+              <a:schemeClr val="accent1">
+                <a:shade val="50000"/>
+              </a:schemeClr>
+            </a:lnRef>
+            <a:fillRef idx="1">
+              <a:schemeClr val="accent1"/>
+            </a:fillRef>
+            <a:effectRef idx="0">
+              <a:schemeClr val="accent1"/>
+            </a:effectRef>
+            <a:fontRef idx="minor">
+              <a:schemeClr val="lt1"/>
+            </a:fontRef>
+          </p:style>
+          <p:txBody>
+            <a:bodyPr rtlCol="0" anchor="ctr"/>
+            <a:lstStyle/>
+            <a:p>
+              <a:pPr algn="ctr"/>
+              <a:r>
+                <a:rPr lang="en-US" dirty="0"/>
+                <a:t>13</a:t>
+              </a:r>
+            </a:p>
+          </p:txBody>
+        </p:sp>
+        <p:sp>
+          <p:nvSpPr>
+            <p:cNvPr id="11" name="직사각형 10">
+              <a:extLst>
+                <a:ext uri="{FF2B5EF4-FFF2-40B4-BE49-F238E27FC236}">
+                  <a16:creationId xmlns:a16="http://schemas.microsoft.com/office/drawing/2014/main" id="{F4F4E6EC-6E6F-4EA2-BEB4-2313E2EE2FA6}"/>
+                </a:ext>
+              </a:extLst>
+            </p:cNvPr>
+            <p:cNvSpPr/>
+            <p:nvPr/>
+          </p:nvSpPr>
+          <p:spPr>
+            <a:xfrm>
+              <a:off x="6877975" y="4169363"/>
+              <a:ext cx="790113" cy="523783"/>
+            </a:xfrm>
+            <a:prstGeom prst="rect">
+              <a:avLst/>
+            </a:prstGeom>
+            <a:solidFill>
+              <a:schemeClr val="tx2">
+                <a:lumMod val="40000"/>
+                <a:lumOff val="60000"/>
+              </a:schemeClr>
+            </a:solidFill>
+            <a:ln>
+              <a:solidFill>
+                <a:schemeClr val="bg1"/>
+              </a:solidFill>
+            </a:ln>
+          </p:spPr>
+          <p:style>
+            <a:lnRef idx="2">
+              <a:schemeClr val="accent1">
+                <a:shade val="50000"/>
+              </a:schemeClr>
+            </a:lnRef>
+            <a:fillRef idx="1">
+              <a:schemeClr val="accent1"/>
+            </a:fillRef>
+            <a:effectRef idx="0">
+              <a:schemeClr val="accent1"/>
+            </a:effectRef>
+            <a:fontRef idx="minor">
+              <a:schemeClr val="lt1"/>
+            </a:fontRef>
+          </p:style>
+          <p:txBody>
+            <a:bodyPr rtlCol="0" anchor="ctr"/>
+            <a:lstStyle/>
+            <a:p>
+              <a:pPr algn="ctr"/>
+              <a:r>
+                <a:rPr lang="en-US" dirty="0"/>
+                <a:t>14</a:t>
+              </a:r>
+            </a:p>
+          </p:txBody>
+        </p:sp>
+        <p:sp>
+          <p:nvSpPr>
+            <p:cNvPr id="12" name="직사각형 11">
+              <a:extLst>
+                <a:ext uri="{FF2B5EF4-FFF2-40B4-BE49-F238E27FC236}">
+                  <a16:creationId xmlns:a16="http://schemas.microsoft.com/office/drawing/2014/main" id="{12B63662-91C2-4EBD-830E-CDFA4EB5A01C}"/>
+                </a:ext>
+              </a:extLst>
+            </p:cNvPr>
+            <p:cNvSpPr/>
+            <p:nvPr/>
+          </p:nvSpPr>
+          <p:spPr>
+            <a:xfrm>
+              <a:off x="7668088" y="4169362"/>
+              <a:ext cx="790113" cy="523783"/>
+            </a:xfrm>
+            <a:prstGeom prst="rect">
+              <a:avLst/>
+            </a:prstGeom>
+            <a:solidFill>
+              <a:schemeClr val="tx2">
+                <a:lumMod val="40000"/>
+                <a:lumOff val="60000"/>
+              </a:schemeClr>
+            </a:solidFill>
+            <a:ln>
+              <a:solidFill>
+                <a:schemeClr val="bg1"/>
+              </a:solidFill>
+            </a:ln>
+          </p:spPr>
+          <p:style>
+            <a:lnRef idx="2">
+              <a:schemeClr val="accent1">
+                <a:shade val="50000"/>
+              </a:schemeClr>
+            </a:lnRef>
+            <a:fillRef idx="1">
+              <a:schemeClr val="accent1"/>
+            </a:fillRef>
+            <a:effectRef idx="0">
+              <a:schemeClr val="accent1"/>
+            </a:effectRef>
+            <a:fontRef idx="minor">
+              <a:schemeClr val="lt1"/>
+            </a:fontRef>
+          </p:style>
+          <p:txBody>
+            <a:bodyPr rtlCol="0" anchor="ctr"/>
+            <a:lstStyle/>
+            <a:p>
+              <a:pPr algn="ctr"/>
+              <a:r>
+                <a:rPr lang="en-US" dirty="0"/>
+                <a:t>18</a:t>
+              </a:r>
+            </a:p>
+          </p:txBody>
+        </p:sp>
+        <p:sp>
+          <p:nvSpPr>
+            <p:cNvPr id="4" name="직사각형 3">
+              <a:extLst>
+                <a:ext uri="{FF2B5EF4-FFF2-40B4-BE49-F238E27FC236}">
+                  <a16:creationId xmlns:a16="http://schemas.microsoft.com/office/drawing/2014/main" id="{9C5623DE-8B28-447D-A280-25C72462F2DA}"/>
+                </a:ext>
+              </a:extLst>
+            </p:cNvPr>
+            <p:cNvSpPr/>
+            <p:nvPr/>
+          </p:nvSpPr>
+          <p:spPr>
+            <a:xfrm>
+              <a:off x="2137297" y="4178248"/>
+              <a:ext cx="6320904" cy="523776"/>
+            </a:xfrm>
+            <a:prstGeom prst="rect">
+              <a:avLst/>
+            </a:prstGeom>
+            <a:noFill/>
+            <a:ln w="38100"/>
+          </p:spPr>
+          <p:style>
+            <a:lnRef idx="2">
+              <a:schemeClr val="accent1">
+                <a:shade val="50000"/>
+              </a:schemeClr>
+            </a:lnRef>
+            <a:fillRef idx="1">
+              <a:schemeClr val="accent1"/>
+            </a:fillRef>
+            <a:effectRef idx="0">
+              <a:schemeClr val="accent1"/>
+            </a:effectRef>
+            <a:fontRef idx="minor">
+              <a:schemeClr val="lt1"/>
+            </a:fontRef>
+          </p:style>
+          <p:txBody>
+            <a:bodyPr rtlCol="0" anchor="ctr"/>
+            <a:lstStyle/>
+            <a:p>
+              <a:pPr algn="ctr"/>
+              <a:endParaRPr lang="en-US"/>
+            </a:p>
+          </p:txBody>
+        </p:sp>
+        <p:sp>
+          <p:nvSpPr>
+            <p:cNvPr id="13" name="TextBox 12">
+              <a:extLst>
+                <a:ext uri="{FF2B5EF4-FFF2-40B4-BE49-F238E27FC236}">
+                  <a16:creationId xmlns:a16="http://schemas.microsoft.com/office/drawing/2014/main" id="{DFC9F377-A342-40C6-9832-6517FE626A99}"/>
+                </a:ext>
+              </a:extLst>
+            </p:cNvPr>
+            <p:cNvSpPr txBox="1"/>
+            <p:nvPr/>
+          </p:nvSpPr>
+          <p:spPr>
+            <a:xfrm>
+              <a:off x="4902692" y="3654465"/>
+              <a:ext cx="790113" cy="369332"/>
+            </a:xfrm>
+            <a:prstGeom prst="rect">
+              <a:avLst/>
+            </a:prstGeom>
+            <a:noFill/>
+          </p:spPr>
+          <p:txBody>
+            <a:bodyPr wrap="square" rtlCol="0">
+              <a:spAutoFit/>
+            </a:bodyPr>
+            <a:lstStyle/>
+            <a:p>
+              <a:pPr algn="ctr"/>
+              <a:r>
+                <a:rPr lang="en-US" dirty="0"/>
+                <a:t>X = 10</a:t>
+              </a:r>
+            </a:p>
+          </p:txBody>
+        </p:sp>
+        <p:grpSp>
+          <p:nvGrpSpPr>
+            <p:cNvPr id="19" name="그룹 18">
+              <a:extLst>
+                <a:ext uri="{FF2B5EF4-FFF2-40B4-BE49-F238E27FC236}">
+                  <a16:creationId xmlns:a16="http://schemas.microsoft.com/office/drawing/2014/main" id="{BAFDED2A-3B90-4494-9508-F148474271DE}"/>
+                </a:ext>
+              </a:extLst>
+            </p:cNvPr>
+            <p:cNvGrpSpPr/>
+            <p:nvPr/>
+          </p:nvGrpSpPr>
+          <p:grpSpPr>
+            <a:xfrm>
+              <a:off x="7662910" y="4801446"/>
+              <a:ext cx="790113" cy="688922"/>
+              <a:chOff x="2228294" y="1979720"/>
+              <a:chExt cx="790113" cy="688922"/>
+            </a:xfrm>
+          </p:grpSpPr>
+          <p:cxnSp>
+            <p:nvCxnSpPr>
+              <p:cNvPr id="15" name="직선 화살표 연결선 14">
+                <a:extLst>
+                  <a:ext uri="{FF2B5EF4-FFF2-40B4-BE49-F238E27FC236}">
+                    <a16:creationId xmlns:a16="http://schemas.microsoft.com/office/drawing/2014/main" id="{B63C18C0-386E-49FB-B3CE-849547B658CF}"/>
+                  </a:ext>
+                </a:extLst>
+              </p:cNvPr>
+              <p:cNvCxnSpPr>
+                <a:cxnSpLocks/>
+              </p:cNvCxnSpPr>
+              <p:nvPr/>
+            </p:nvCxnSpPr>
+            <p:spPr>
+              <a:xfrm flipV="1">
+                <a:off x="2623351" y="1979720"/>
+                <a:ext cx="1" cy="319590"/>
+              </a:xfrm>
+              <a:prstGeom prst="straightConnector1">
+                <a:avLst/>
+              </a:prstGeom>
+              <a:ln>
+                <a:solidFill>
+                  <a:schemeClr val="tx1"/>
+                </a:solidFill>
+                <a:tailEnd type="triangle"/>
+              </a:ln>
+            </p:spPr>
+            <p:style>
+              <a:lnRef idx="1">
+                <a:schemeClr val="accent1"/>
+              </a:lnRef>
+              <a:fillRef idx="0">
+                <a:schemeClr val="accent1"/>
+              </a:fillRef>
+              <a:effectRef idx="0">
+                <a:schemeClr val="accent1"/>
+              </a:effectRef>
+              <a:fontRef idx="minor">
+                <a:schemeClr val="tx1"/>
+              </a:fontRef>
+            </p:style>
+          </p:cxnSp>
+          <p:sp>
+            <p:nvSpPr>
+              <p:cNvPr id="17" name="TextBox 16">
+                <a:extLst>
+                  <a:ext uri="{FF2B5EF4-FFF2-40B4-BE49-F238E27FC236}">
+                    <a16:creationId xmlns:a16="http://schemas.microsoft.com/office/drawing/2014/main" id="{BC3581E1-7394-430B-8817-9437EA1F61DA}"/>
+                  </a:ext>
+                </a:extLst>
+              </p:cNvPr>
+              <p:cNvSpPr txBox="1"/>
+              <p:nvPr/>
+            </p:nvSpPr>
+            <p:spPr>
+              <a:xfrm>
+                <a:off x="2228294" y="2299310"/>
+                <a:ext cx="790113" cy="369332"/>
+              </a:xfrm>
+              <a:prstGeom prst="rect">
+                <a:avLst/>
+              </a:prstGeom>
+              <a:noFill/>
+            </p:spPr>
+            <p:txBody>
+              <a:bodyPr wrap="square" rtlCol="0">
+                <a:spAutoFit/>
+              </a:bodyPr>
+              <a:lstStyle/>
+              <a:p>
+                <a:pPr algn="ctr"/>
+                <a:r>
+                  <a:rPr lang="en-US" dirty="0"/>
+                  <a:t>L[u]</a:t>
+                </a:r>
+              </a:p>
+            </p:txBody>
+          </p:sp>
+        </p:grpSp>
+        <p:grpSp>
+          <p:nvGrpSpPr>
+            <p:cNvPr id="23" name="그룹 22">
+              <a:extLst>
+                <a:ext uri="{FF2B5EF4-FFF2-40B4-BE49-F238E27FC236}">
+                  <a16:creationId xmlns:a16="http://schemas.microsoft.com/office/drawing/2014/main" id="{4AE839BB-1E86-46D0-BC12-531689BEC4C0}"/>
+                </a:ext>
+              </a:extLst>
+            </p:cNvPr>
+            <p:cNvGrpSpPr/>
+            <p:nvPr/>
+          </p:nvGrpSpPr>
+          <p:grpSpPr>
+            <a:xfrm>
+              <a:off x="5233389" y="4801446"/>
+              <a:ext cx="914392" cy="904358"/>
+              <a:chOff x="2165043" y="1979720"/>
+              <a:chExt cx="914392" cy="904358"/>
+            </a:xfrm>
+          </p:grpSpPr>
+          <p:cxnSp>
+            <p:nvCxnSpPr>
+              <p:cNvPr id="24" name="직선 화살표 연결선 23">
+                <a:extLst>
+                  <a:ext uri="{FF2B5EF4-FFF2-40B4-BE49-F238E27FC236}">
+                    <a16:creationId xmlns:a16="http://schemas.microsoft.com/office/drawing/2014/main" id="{4C9EA1DA-2822-40BB-AA82-841E68BCEC8A}"/>
+                  </a:ext>
+                </a:extLst>
+              </p:cNvPr>
+              <p:cNvCxnSpPr>
+                <a:cxnSpLocks/>
+              </p:cNvCxnSpPr>
+              <p:nvPr/>
+            </p:nvCxnSpPr>
+            <p:spPr>
+              <a:xfrm flipV="1">
+                <a:off x="2623351" y="1979720"/>
+                <a:ext cx="1" cy="319590"/>
+              </a:xfrm>
+              <a:prstGeom prst="straightConnector1">
+                <a:avLst/>
+              </a:prstGeom>
+              <a:ln>
+                <a:solidFill>
+                  <a:schemeClr val="tx1"/>
+                </a:solidFill>
+                <a:tailEnd type="triangle"/>
+              </a:ln>
+            </p:spPr>
+            <p:style>
+              <a:lnRef idx="1">
+                <a:schemeClr val="accent1"/>
+              </a:lnRef>
+              <a:fillRef idx="0">
+                <a:schemeClr val="accent1"/>
+              </a:fillRef>
+              <a:effectRef idx="0">
+                <a:schemeClr val="accent1"/>
+              </a:effectRef>
+              <a:fontRef idx="minor">
+                <a:schemeClr val="tx1"/>
+              </a:fontRef>
+            </p:style>
+          </p:cxnSp>
+          <p:sp>
+            <p:nvSpPr>
+              <p:cNvPr id="25" name="TextBox 24">
+                <a:extLst>
+                  <a:ext uri="{FF2B5EF4-FFF2-40B4-BE49-F238E27FC236}">
+                    <a16:creationId xmlns:a16="http://schemas.microsoft.com/office/drawing/2014/main" id="{234D4711-5385-445E-BF03-0ADA7BFAE3C9}"/>
+                  </a:ext>
+                </a:extLst>
+              </p:cNvPr>
+              <p:cNvSpPr txBox="1"/>
+              <p:nvPr/>
+            </p:nvSpPr>
+            <p:spPr>
+              <a:xfrm>
+                <a:off x="2165043" y="2299303"/>
+                <a:ext cx="914392" cy="584775"/>
+              </a:xfrm>
+              <a:prstGeom prst="rect">
+                <a:avLst/>
+              </a:prstGeom>
+              <a:noFill/>
+            </p:spPr>
+            <p:txBody>
+              <a:bodyPr wrap="square" rtlCol="0">
+                <a:spAutoFit/>
+              </a:bodyPr>
+              <a:lstStyle/>
+              <a:p>
+                <a:pPr algn="ctr"/>
+                <a:r>
+                  <a:rPr lang="en-US" sz="1600" dirty="0">
+                    <a:solidFill>
+                      <a:srgbClr val="FF0000"/>
+                    </a:solidFill>
+                  </a:rPr>
+                  <a:t>L[l]</a:t>
+                </a:r>
+              </a:p>
+              <a:p>
+                <a:pPr algn="ctr"/>
+                <a:r>
+                  <a:rPr lang="en-US" sz="1600" dirty="0">
+                    <a:solidFill>
+                      <a:srgbClr val="FF0000"/>
+                    </a:solidFill>
+                  </a:rPr>
+                  <a:t>= mid+1</a:t>
+                </a:r>
+              </a:p>
+            </p:txBody>
+          </p:sp>
+        </p:grpSp>
+        <p:grpSp>
+          <p:nvGrpSpPr>
+            <p:cNvPr id="26" name="그룹 25">
+              <a:extLst>
+                <a:ext uri="{FF2B5EF4-FFF2-40B4-BE49-F238E27FC236}">
+                  <a16:creationId xmlns:a16="http://schemas.microsoft.com/office/drawing/2014/main" id="{C266EE92-00A5-44B0-9D2C-4CB80FCD0750}"/>
+                </a:ext>
+              </a:extLst>
+            </p:cNvPr>
+            <p:cNvGrpSpPr/>
+            <p:nvPr/>
+          </p:nvGrpSpPr>
+          <p:grpSpPr>
+            <a:xfrm>
+              <a:off x="6141123" y="4801446"/>
+              <a:ext cx="790113" cy="688922"/>
+              <a:chOff x="2228294" y="1979720"/>
+              <a:chExt cx="790113" cy="688922"/>
+            </a:xfrm>
+          </p:grpSpPr>
+          <p:cxnSp>
+            <p:nvCxnSpPr>
+              <p:cNvPr id="27" name="직선 화살표 연결선 26">
+                <a:extLst>
+                  <a:ext uri="{FF2B5EF4-FFF2-40B4-BE49-F238E27FC236}">
+                    <a16:creationId xmlns:a16="http://schemas.microsoft.com/office/drawing/2014/main" id="{444FFBAD-2695-4391-91D6-773A30C559E5}"/>
+                  </a:ext>
+                </a:extLst>
+              </p:cNvPr>
+              <p:cNvCxnSpPr>
+                <a:cxnSpLocks/>
+              </p:cNvCxnSpPr>
+              <p:nvPr/>
+            </p:nvCxnSpPr>
+            <p:spPr>
+              <a:xfrm flipV="1">
+                <a:off x="2623351" y="1979720"/>
+                <a:ext cx="1" cy="319590"/>
+              </a:xfrm>
+              <a:prstGeom prst="straightConnector1">
+                <a:avLst/>
+              </a:prstGeom>
+              <a:ln>
+                <a:solidFill>
+                  <a:schemeClr val="tx1"/>
+                </a:solidFill>
+                <a:tailEnd type="triangle"/>
+              </a:ln>
+            </p:spPr>
+            <p:style>
+              <a:lnRef idx="1">
+                <a:schemeClr val="accent1"/>
+              </a:lnRef>
+              <a:fillRef idx="0">
+                <a:schemeClr val="accent1"/>
+              </a:fillRef>
+              <a:effectRef idx="0">
+                <a:schemeClr val="accent1"/>
+              </a:effectRef>
+              <a:fontRef idx="minor">
+                <a:schemeClr val="tx1"/>
+              </a:fontRef>
+            </p:style>
+          </p:cxnSp>
+          <p:sp>
+            <p:nvSpPr>
+              <p:cNvPr id="28" name="TextBox 27">
+                <a:extLst>
+                  <a:ext uri="{FF2B5EF4-FFF2-40B4-BE49-F238E27FC236}">
+                    <a16:creationId xmlns:a16="http://schemas.microsoft.com/office/drawing/2014/main" id="{926D02DA-15B5-44E0-A280-3C2DFF37BC14}"/>
+                  </a:ext>
+                </a:extLst>
+              </p:cNvPr>
+              <p:cNvSpPr txBox="1"/>
+              <p:nvPr/>
+            </p:nvSpPr>
+            <p:spPr>
+              <a:xfrm>
+                <a:off x="2228294" y="2299310"/>
+                <a:ext cx="790113" cy="369332"/>
+              </a:xfrm>
+              <a:prstGeom prst="rect">
+                <a:avLst/>
+              </a:prstGeom>
+              <a:noFill/>
+            </p:spPr>
+            <p:txBody>
+              <a:bodyPr wrap="square" rtlCol="0">
+                <a:spAutoFit/>
+              </a:bodyPr>
+              <a:lstStyle/>
+              <a:p>
+                <a:pPr algn="ctr"/>
+                <a:r>
+                  <a:rPr lang="en-US" dirty="0"/>
+                  <a:t>mid</a:t>
+                </a:r>
+              </a:p>
+            </p:txBody>
+          </p:sp>
+        </p:grpSp>
+        <p:grpSp>
+          <p:nvGrpSpPr>
+            <p:cNvPr id="21" name="그룹 20">
+              <a:extLst>
+                <a:ext uri="{FF2B5EF4-FFF2-40B4-BE49-F238E27FC236}">
+                  <a16:creationId xmlns:a16="http://schemas.microsoft.com/office/drawing/2014/main" id="{435D2125-3014-4128-8C3F-CEDC6816951B}"/>
+                </a:ext>
+              </a:extLst>
+            </p:cNvPr>
+            <p:cNvGrpSpPr/>
+            <p:nvPr/>
+          </p:nvGrpSpPr>
+          <p:grpSpPr>
+            <a:xfrm>
+              <a:off x="4505415" y="4826317"/>
+              <a:ext cx="790113" cy="688922"/>
+              <a:chOff x="2228294" y="1979720"/>
+              <a:chExt cx="790113" cy="688922"/>
+            </a:xfrm>
+          </p:grpSpPr>
+          <p:cxnSp>
+            <p:nvCxnSpPr>
+              <p:cNvPr id="22" name="직선 화살표 연결선 21">
+                <a:extLst>
+                  <a:ext uri="{FF2B5EF4-FFF2-40B4-BE49-F238E27FC236}">
+                    <a16:creationId xmlns:a16="http://schemas.microsoft.com/office/drawing/2014/main" id="{64AD8FD7-1781-46DC-BE5B-F9A21EEAFF49}"/>
+                  </a:ext>
+                </a:extLst>
+              </p:cNvPr>
+              <p:cNvCxnSpPr>
+                <a:cxnSpLocks/>
+              </p:cNvCxnSpPr>
+              <p:nvPr/>
+            </p:nvCxnSpPr>
+            <p:spPr>
+              <a:xfrm flipV="1">
+                <a:off x="2623351" y="1979720"/>
+                <a:ext cx="1" cy="319590"/>
+              </a:xfrm>
+              <a:prstGeom prst="straightConnector1">
+                <a:avLst/>
+              </a:prstGeom>
+              <a:ln>
+                <a:solidFill>
+                  <a:schemeClr val="bg1">
+                    <a:lumMod val="65000"/>
+                  </a:schemeClr>
+                </a:solidFill>
+                <a:tailEnd type="triangle"/>
+              </a:ln>
+            </p:spPr>
+            <p:style>
+              <a:lnRef idx="1">
+                <a:schemeClr val="accent1"/>
+              </a:lnRef>
+              <a:fillRef idx="0">
+                <a:schemeClr val="accent1"/>
+              </a:fillRef>
+              <a:effectRef idx="0">
+                <a:schemeClr val="accent1"/>
+              </a:effectRef>
+              <a:fontRef idx="minor">
+                <a:schemeClr val="tx1"/>
+              </a:fontRef>
+            </p:style>
+          </p:cxnSp>
+          <p:sp>
+            <p:nvSpPr>
+              <p:cNvPr id="29" name="TextBox 28">
+                <a:extLst>
+                  <a:ext uri="{FF2B5EF4-FFF2-40B4-BE49-F238E27FC236}">
+                    <a16:creationId xmlns:a16="http://schemas.microsoft.com/office/drawing/2014/main" id="{F5D430BD-56CF-4814-A1F7-C7CCBA7804B2}"/>
+                  </a:ext>
+                </a:extLst>
+              </p:cNvPr>
+              <p:cNvSpPr txBox="1"/>
+              <p:nvPr/>
+            </p:nvSpPr>
+            <p:spPr>
+              <a:xfrm>
+                <a:off x="2228294" y="2299310"/>
+                <a:ext cx="790113" cy="369332"/>
+              </a:xfrm>
+              <a:prstGeom prst="rect">
+                <a:avLst/>
+              </a:prstGeom>
+              <a:noFill/>
+            </p:spPr>
+            <p:txBody>
+              <a:bodyPr wrap="square" rtlCol="0">
+                <a:spAutoFit/>
+              </a:bodyPr>
+              <a:lstStyle/>
+              <a:p>
+                <a:pPr algn="ctr"/>
+                <a:r>
+                  <a:rPr lang="en-US" dirty="0">
+                    <a:solidFill>
+                      <a:schemeClr val="bg1">
+                        <a:lumMod val="50000"/>
+                      </a:schemeClr>
+                    </a:solidFill>
+                  </a:rPr>
+                  <a:t>mid</a:t>
+                </a:r>
+              </a:p>
+            </p:txBody>
+          </p:sp>
+        </p:grpSp>
+      </p:grpSp>
+      <p:grpSp>
+        <p:nvGrpSpPr>
+          <p:cNvPr id="3" name="그룹 2">
+            <a:extLst>
+              <a:ext uri="{FF2B5EF4-FFF2-40B4-BE49-F238E27FC236}">
+                <a16:creationId xmlns:a16="http://schemas.microsoft.com/office/drawing/2014/main" id="{00BC0387-808F-4873-A2A9-C6B6E0B3E839}"/>
+              </a:ext>
+            </a:extLst>
+          </p:cNvPr>
+          <p:cNvGrpSpPr/>
+          <p:nvPr/>
+        </p:nvGrpSpPr>
+        <p:grpSpPr>
+          <a:xfrm>
+            <a:off x="2137296" y="790983"/>
+            <a:ext cx="6320905" cy="1860774"/>
+            <a:chOff x="2228294" y="807868"/>
+            <a:chExt cx="6320905" cy="1860774"/>
+          </a:xfrm>
+        </p:grpSpPr>
+        <p:sp>
+          <p:nvSpPr>
+            <p:cNvPr id="30" name="직사각형 29">
+              <a:extLst>
+                <a:ext uri="{FF2B5EF4-FFF2-40B4-BE49-F238E27FC236}">
+                  <a16:creationId xmlns:a16="http://schemas.microsoft.com/office/drawing/2014/main" id="{B2412DEB-0FAF-4C3F-88A5-D46CB7AED095}"/>
+                </a:ext>
+              </a:extLst>
+            </p:cNvPr>
+            <p:cNvSpPr/>
+            <p:nvPr/>
+          </p:nvSpPr>
+          <p:spPr>
+            <a:xfrm>
+              <a:off x="2228295" y="1322772"/>
+              <a:ext cx="790113" cy="523783"/>
+            </a:xfrm>
+            <a:prstGeom prst="rect">
+              <a:avLst/>
+            </a:prstGeom>
+            <a:solidFill>
+              <a:schemeClr val="tx2">
+                <a:lumMod val="40000"/>
+                <a:lumOff val="60000"/>
+              </a:schemeClr>
+            </a:solidFill>
+            <a:ln>
+              <a:solidFill>
+                <a:schemeClr val="bg1"/>
+              </a:solidFill>
+            </a:ln>
+          </p:spPr>
+          <p:style>
+            <a:lnRef idx="2">
+              <a:schemeClr val="accent1">
+                <a:shade val="50000"/>
+              </a:schemeClr>
+            </a:lnRef>
+            <a:fillRef idx="1">
+              <a:schemeClr val="accent1"/>
+            </a:fillRef>
+            <a:effectRef idx="0">
+              <a:schemeClr val="accent1"/>
+            </a:effectRef>
+            <a:fontRef idx="minor">
+              <a:schemeClr val="lt1"/>
+            </a:fontRef>
+          </p:style>
+          <p:txBody>
+            <a:bodyPr rtlCol="0" anchor="ctr"/>
+            <a:lstStyle/>
+            <a:p>
+              <a:pPr algn="ctr"/>
+              <a:r>
+                <a:rPr lang="en-US" dirty="0"/>
+                <a:t>0</a:t>
+              </a:r>
+            </a:p>
+          </p:txBody>
+        </p:sp>
+        <p:sp>
+          <p:nvSpPr>
+            <p:cNvPr id="31" name="직사각형 30">
+              <a:extLst>
+                <a:ext uri="{FF2B5EF4-FFF2-40B4-BE49-F238E27FC236}">
+                  <a16:creationId xmlns:a16="http://schemas.microsoft.com/office/drawing/2014/main" id="{1BEADB5C-F390-40AC-9B4F-D34D20B61D78}"/>
+                </a:ext>
+              </a:extLst>
+            </p:cNvPr>
+            <p:cNvSpPr/>
+            <p:nvPr/>
+          </p:nvSpPr>
+          <p:spPr>
+            <a:xfrm>
+              <a:off x="3018408" y="1322771"/>
+              <a:ext cx="790113" cy="523783"/>
+            </a:xfrm>
+            <a:prstGeom prst="rect">
+              <a:avLst/>
+            </a:prstGeom>
+            <a:solidFill>
+              <a:schemeClr val="tx2">
+                <a:lumMod val="40000"/>
+                <a:lumOff val="60000"/>
+              </a:schemeClr>
+            </a:solidFill>
+            <a:ln>
+              <a:solidFill>
+                <a:schemeClr val="bg1"/>
+              </a:solidFill>
+            </a:ln>
+          </p:spPr>
+          <p:style>
+            <a:lnRef idx="2">
+              <a:schemeClr val="accent1">
+                <a:shade val="50000"/>
+              </a:schemeClr>
+            </a:lnRef>
+            <a:fillRef idx="1">
+              <a:schemeClr val="accent1"/>
+            </a:fillRef>
+            <a:effectRef idx="0">
+              <a:schemeClr val="accent1"/>
+            </a:effectRef>
+            <a:fontRef idx="minor">
+              <a:schemeClr val="lt1"/>
+            </a:fontRef>
+          </p:style>
+          <p:txBody>
+            <a:bodyPr rtlCol="0" anchor="ctr"/>
+            <a:lstStyle/>
+            <a:p>
+              <a:pPr algn="ctr"/>
+              <a:r>
+                <a:rPr lang="en-US" dirty="0"/>
+                <a:t>4</a:t>
+              </a:r>
+            </a:p>
+          </p:txBody>
+        </p:sp>
+        <p:sp>
+          <p:nvSpPr>
+            <p:cNvPr id="32" name="직사각형 31">
+              <a:extLst>
+                <a:ext uri="{FF2B5EF4-FFF2-40B4-BE49-F238E27FC236}">
+                  <a16:creationId xmlns:a16="http://schemas.microsoft.com/office/drawing/2014/main" id="{D1F37C35-62B1-4993-87D7-E667554CFE73}"/>
+                </a:ext>
+              </a:extLst>
+            </p:cNvPr>
+            <p:cNvSpPr/>
+            <p:nvPr/>
+          </p:nvSpPr>
+          <p:spPr>
+            <a:xfrm>
+              <a:off x="3808521" y="1322770"/>
+              <a:ext cx="790113" cy="523783"/>
+            </a:xfrm>
+            <a:prstGeom prst="rect">
+              <a:avLst/>
+            </a:prstGeom>
+            <a:solidFill>
+              <a:schemeClr val="tx2">
+                <a:lumMod val="40000"/>
+                <a:lumOff val="60000"/>
+              </a:schemeClr>
+            </a:solidFill>
+            <a:ln>
+              <a:solidFill>
+                <a:schemeClr val="bg1"/>
+              </a:solidFill>
+            </a:ln>
+          </p:spPr>
+          <p:style>
+            <a:lnRef idx="2">
+              <a:schemeClr val="accent1">
+                <a:shade val="50000"/>
+              </a:schemeClr>
+            </a:lnRef>
+            <a:fillRef idx="1">
+              <a:schemeClr val="accent1"/>
+            </a:fillRef>
+            <a:effectRef idx="0">
+              <a:schemeClr val="accent1"/>
+            </a:effectRef>
+            <a:fontRef idx="minor">
+              <a:schemeClr val="lt1"/>
+            </a:fontRef>
+          </p:style>
+          <p:txBody>
+            <a:bodyPr rtlCol="0" anchor="ctr"/>
+            <a:lstStyle/>
+            <a:p>
+              <a:pPr algn="ctr"/>
+              <a:r>
+                <a:rPr lang="en-US" dirty="0"/>
+                <a:t>6</a:t>
+              </a:r>
+            </a:p>
+          </p:txBody>
+        </p:sp>
+        <p:sp>
+          <p:nvSpPr>
+            <p:cNvPr id="33" name="직사각형 32">
+              <a:extLst>
+                <a:ext uri="{FF2B5EF4-FFF2-40B4-BE49-F238E27FC236}">
+                  <a16:creationId xmlns:a16="http://schemas.microsoft.com/office/drawing/2014/main" id="{FA7E24A9-F1A3-4BD9-BF9B-AB7074CE9F10}"/>
+                </a:ext>
+              </a:extLst>
+            </p:cNvPr>
+            <p:cNvSpPr/>
+            <p:nvPr/>
+          </p:nvSpPr>
+          <p:spPr>
+            <a:xfrm>
+              <a:off x="4598634" y="1322769"/>
+              <a:ext cx="790113" cy="523783"/>
+            </a:xfrm>
+            <a:prstGeom prst="rect">
+              <a:avLst/>
+            </a:prstGeom>
+            <a:solidFill>
+              <a:schemeClr val="tx2">
+                <a:lumMod val="40000"/>
+                <a:lumOff val="60000"/>
+              </a:schemeClr>
+            </a:solidFill>
+            <a:ln>
+              <a:solidFill>
+                <a:schemeClr val="bg1"/>
+              </a:solidFill>
+            </a:ln>
+          </p:spPr>
+          <p:style>
+            <a:lnRef idx="2">
+              <a:schemeClr val="accent1">
+                <a:shade val="50000"/>
+              </a:schemeClr>
+            </a:lnRef>
+            <a:fillRef idx="1">
+              <a:schemeClr val="accent1"/>
+            </a:fillRef>
+            <a:effectRef idx="0">
+              <a:schemeClr val="accent1"/>
+            </a:effectRef>
+            <a:fontRef idx="minor">
+              <a:schemeClr val="lt1"/>
+            </a:fontRef>
+          </p:style>
+          <p:txBody>
+            <a:bodyPr rtlCol="0" anchor="ctr"/>
+            <a:lstStyle/>
+            <a:p>
+              <a:pPr algn="ctr"/>
+              <a:r>
+                <a:rPr lang="en-US" dirty="0"/>
+                <a:t>8</a:t>
+              </a:r>
+            </a:p>
+          </p:txBody>
+        </p:sp>
+        <p:sp>
+          <p:nvSpPr>
+            <p:cNvPr id="34" name="직사각형 33">
+              <a:extLst>
+                <a:ext uri="{FF2B5EF4-FFF2-40B4-BE49-F238E27FC236}">
+                  <a16:creationId xmlns:a16="http://schemas.microsoft.com/office/drawing/2014/main" id="{2195B2FA-6C3C-4DF7-BE80-95E2E7FE0ABB}"/>
+                </a:ext>
+              </a:extLst>
+            </p:cNvPr>
+            <p:cNvSpPr/>
+            <p:nvPr/>
+          </p:nvSpPr>
+          <p:spPr>
+            <a:xfrm>
+              <a:off x="5388747" y="1322768"/>
+              <a:ext cx="790113" cy="523783"/>
+            </a:xfrm>
+            <a:prstGeom prst="rect">
+              <a:avLst/>
+            </a:prstGeom>
+            <a:solidFill>
+              <a:schemeClr val="tx2">
+                <a:lumMod val="40000"/>
+                <a:lumOff val="60000"/>
+              </a:schemeClr>
+            </a:solidFill>
+            <a:ln>
+              <a:solidFill>
+                <a:schemeClr val="bg1"/>
+              </a:solidFill>
+            </a:ln>
+          </p:spPr>
+          <p:style>
+            <a:lnRef idx="2">
+              <a:schemeClr val="accent1">
+                <a:shade val="50000"/>
+              </a:schemeClr>
+            </a:lnRef>
+            <a:fillRef idx="1">
+              <a:schemeClr val="accent1"/>
+            </a:fillRef>
+            <a:effectRef idx="0">
+              <a:schemeClr val="accent1"/>
+            </a:effectRef>
+            <a:fontRef idx="minor">
+              <a:schemeClr val="lt1"/>
+            </a:fontRef>
+          </p:style>
+          <p:txBody>
+            <a:bodyPr rtlCol="0" anchor="ctr"/>
+            <a:lstStyle/>
+            <a:p>
+              <a:pPr algn="ctr"/>
+              <a:r>
+                <a:rPr lang="en-US" dirty="0"/>
+                <a:t>9</a:t>
+              </a:r>
+            </a:p>
+          </p:txBody>
+        </p:sp>
+        <p:sp>
+          <p:nvSpPr>
+            <p:cNvPr id="35" name="직사각형 34">
+              <a:extLst>
+                <a:ext uri="{FF2B5EF4-FFF2-40B4-BE49-F238E27FC236}">
+                  <a16:creationId xmlns:a16="http://schemas.microsoft.com/office/drawing/2014/main" id="{749CD695-DD48-48FA-A1CD-E453BD5A0F21}"/>
+                </a:ext>
+              </a:extLst>
+            </p:cNvPr>
+            <p:cNvSpPr/>
+            <p:nvPr/>
+          </p:nvSpPr>
+          <p:spPr>
+            <a:xfrm>
+              <a:off x="6178860" y="1322767"/>
+              <a:ext cx="790113" cy="523783"/>
+            </a:xfrm>
+            <a:prstGeom prst="rect">
+              <a:avLst/>
+            </a:prstGeom>
+            <a:solidFill>
+              <a:schemeClr val="tx2">
+                <a:lumMod val="40000"/>
+                <a:lumOff val="60000"/>
+              </a:schemeClr>
+            </a:solidFill>
+            <a:ln>
+              <a:solidFill>
+                <a:schemeClr val="bg1"/>
+              </a:solidFill>
+            </a:ln>
+          </p:spPr>
+          <p:style>
+            <a:lnRef idx="2">
+              <a:schemeClr val="accent1">
+                <a:shade val="50000"/>
+              </a:schemeClr>
+            </a:lnRef>
+            <a:fillRef idx="1">
+              <a:schemeClr val="accent1"/>
+            </a:fillRef>
+            <a:effectRef idx="0">
+              <a:schemeClr val="accent1"/>
+            </a:effectRef>
+            <a:fontRef idx="minor">
+              <a:schemeClr val="lt1"/>
+            </a:fontRef>
+          </p:style>
+          <p:txBody>
+            <a:bodyPr rtlCol="0" anchor="ctr"/>
+            <a:lstStyle/>
+            <a:p>
+              <a:pPr algn="ctr"/>
+              <a:r>
+                <a:rPr lang="en-US" dirty="0"/>
+                <a:t>13</a:t>
+              </a:r>
+            </a:p>
+          </p:txBody>
+        </p:sp>
+        <p:sp>
+          <p:nvSpPr>
+            <p:cNvPr id="36" name="직사각형 35">
+              <a:extLst>
+                <a:ext uri="{FF2B5EF4-FFF2-40B4-BE49-F238E27FC236}">
+                  <a16:creationId xmlns:a16="http://schemas.microsoft.com/office/drawing/2014/main" id="{E462FEDF-1CA5-4EED-B0D6-98B39B40D57E}"/>
+                </a:ext>
+              </a:extLst>
+            </p:cNvPr>
+            <p:cNvSpPr/>
+            <p:nvPr/>
+          </p:nvSpPr>
+          <p:spPr>
+            <a:xfrm>
+              <a:off x="6968973" y="1322766"/>
+              <a:ext cx="790113" cy="523783"/>
+            </a:xfrm>
+            <a:prstGeom prst="rect">
+              <a:avLst/>
+            </a:prstGeom>
+            <a:solidFill>
+              <a:schemeClr val="tx2">
+                <a:lumMod val="40000"/>
+                <a:lumOff val="60000"/>
+              </a:schemeClr>
+            </a:solidFill>
+            <a:ln>
+              <a:solidFill>
+                <a:schemeClr val="bg1"/>
+              </a:solidFill>
+            </a:ln>
+          </p:spPr>
+          <p:style>
+            <a:lnRef idx="2">
+              <a:schemeClr val="accent1">
+                <a:shade val="50000"/>
+              </a:schemeClr>
+            </a:lnRef>
+            <a:fillRef idx="1">
+              <a:schemeClr val="accent1"/>
+            </a:fillRef>
+            <a:effectRef idx="0">
+              <a:schemeClr val="accent1"/>
+            </a:effectRef>
+            <a:fontRef idx="minor">
+              <a:schemeClr val="lt1"/>
+            </a:fontRef>
+          </p:style>
+          <p:txBody>
+            <a:bodyPr rtlCol="0" anchor="ctr"/>
+            <a:lstStyle/>
+            <a:p>
+              <a:pPr algn="ctr"/>
+              <a:r>
+                <a:rPr lang="en-US" dirty="0"/>
+                <a:t>14</a:t>
+              </a:r>
+            </a:p>
+          </p:txBody>
+        </p:sp>
+        <p:sp>
+          <p:nvSpPr>
+            <p:cNvPr id="37" name="직사각형 36">
+              <a:extLst>
+                <a:ext uri="{FF2B5EF4-FFF2-40B4-BE49-F238E27FC236}">
+                  <a16:creationId xmlns:a16="http://schemas.microsoft.com/office/drawing/2014/main" id="{45DAE9E1-A62F-4035-AC69-58FFF138ECDB}"/>
+                </a:ext>
+              </a:extLst>
+            </p:cNvPr>
+            <p:cNvSpPr/>
+            <p:nvPr/>
+          </p:nvSpPr>
+          <p:spPr>
+            <a:xfrm>
+              <a:off x="7759086" y="1322765"/>
+              <a:ext cx="790113" cy="523783"/>
+            </a:xfrm>
+            <a:prstGeom prst="rect">
+              <a:avLst/>
+            </a:prstGeom>
+            <a:solidFill>
+              <a:schemeClr val="tx2">
+                <a:lumMod val="40000"/>
+                <a:lumOff val="60000"/>
+              </a:schemeClr>
+            </a:solidFill>
+            <a:ln>
+              <a:solidFill>
+                <a:schemeClr val="bg1"/>
+              </a:solidFill>
+            </a:ln>
+          </p:spPr>
+          <p:style>
+            <a:lnRef idx="2">
+              <a:schemeClr val="accent1">
+                <a:shade val="50000"/>
+              </a:schemeClr>
+            </a:lnRef>
+            <a:fillRef idx="1">
+              <a:schemeClr val="accent1"/>
+            </a:fillRef>
+            <a:effectRef idx="0">
+              <a:schemeClr val="accent1"/>
+            </a:effectRef>
+            <a:fontRef idx="minor">
+              <a:schemeClr val="lt1"/>
+            </a:fontRef>
+          </p:style>
+          <p:txBody>
+            <a:bodyPr rtlCol="0" anchor="ctr"/>
+            <a:lstStyle/>
+            <a:p>
+              <a:pPr algn="ctr"/>
+              <a:r>
+                <a:rPr lang="en-US" dirty="0"/>
+                <a:t>18</a:t>
+              </a:r>
+            </a:p>
+          </p:txBody>
+        </p:sp>
+        <p:sp>
+          <p:nvSpPr>
+            <p:cNvPr id="38" name="직사각형 37">
+              <a:extLst>
+                <a:ext uri="{FF2B5EF4-FFF2-40B4-BE49-F238E27FC236}">
+                  <a16:creationId xmlns:a16="http://schemas.microsoft.com/office/drawing/2014/main" id="{3D259218-800B-4228-A28A-1B15C845A266}"/>
+                </a:ext>
+              </a:extLst>
+            </p:cNvPr>
+            <p:cNvSpPr/>
+            <p:nvPr/>
+          </p:nvSpPr>
+          <p:spPr>
+            <a:xfrm>
+              <a:off x="2228295" y="1331651"/>
+              <a:ext cx="6320904" cy="523776"/>
+            </a:xfrm>
+            <a:prstGeom prst="rect">
+              <a:avLst/>
+            </a:prstGeom>
+            <a:noFill/>
+            <a:ln w="38100"/>
+          </p:spPr>
+          <p:style>
+            <a:lnRef idx="2">
+              <a:schemeClr val="accent1">
+                <a:shade val="50000"/>
+              </a:schemeClr>
+            </a:lnRef>
+            <a:fillRef idx="1">
+              <a:schemeClr val="accent1"/>
+            </a:fillRef>
+            <a:effectRef idx="0">
+              <a:schemeClr val="accent1"/>
+            </a:effectRef>
+            <a:fontRef idx="minor">
+              <a:schemeClr val="lt1"/>
+            </a:fontRef>
+          </p:style>
+          <p:txBody>
+            <a:bodyPr rtlCol="0" anchor="ctr"/>
+            <a:lstStyle/>
+            <a:p>
+              <a:pPr algn="ctr"/>
+              <a:endParaRPr lang="en-US"/>
+            </a:p>
+          </p:txBody>
+        </p:sp>
+        <p:sp>
+          <p:nvSpPr>
+            <p:cNvPr id="39" name="TextBox 38">
+              <a:extLst>
+                <a:ext uri="{FF2B5EF4-FFF2-40B4-BE49-F238E27FC236}">
+                  <a16:creationId xmlns:a16="http://schemas.microsoft.com/office/drawing/2014/main" id="{AC956FD1-7FCE-4EC5-BC3C-269CC02E91CA}"/>
+                </a:ext>
+              </a:extLst>
+            </p:cNvPr>
+            <p:cNvSpPr txBox="1"/>
+            <p:nvPr/>
+          </p:nvSpPr>
+          <p:spPr>
+            <a:xfrm>
+              <a:off x="4993690" y="807868"/>
+              <a:ext cx="790113" cy="369332"/>
+            </a:xfrm>
+            <a:prstGeom prst="rect">
+              <a:avLst/>
+            </a:prstGeom>
+            <a:noFill/>
+          </p:spPr>
+          <p:txBody>
+            <a:bodyPr wrap="square" rtlCol="0">
+              <a:spAutoFit/>
+            </a:bodyPr>
+            <a:lstStyle/>
+            <a:p>
+              <a:pPr algn="ctr"/>
+              <a:r>
+                <a:rPr lang="en-US" dirty="0"/>
+                <a:t>X = 10</a:t>
+              </a:r>
+            </a:p>
+          </p:txBody>
+        </p:sp>
+        <p:grpSp>
+          <p:nvGrpSpPr>
+            <p:cNvPr id="40" name="그룹 39">
+              <a:extLst>
+                <a:ext uri="{FF2B5EF4-FFF2-40B4-BE49-F238E27FC236}">
+                  <a16:creationId xmlns:a16="http://schemas.microsoft.com/office/drawing/2014/main" id="{C395DC39-B7CB-4640-958F-718F3DD2822B}"/>
+                </a:ext>
+              </a:extLst>
+            </p:cNvPr>
+            <p:cNvGrpSpPr/>
+            <p:nvPr/>
+          </p:nvGrpSpPr>
+          <p:grpSpPr>
+            <a:xfrm>
+              <a:off x="2228294" y="1979720"/>
+              <a:ext cx="790113" cy="688922"/>
+              <a:chOff x="2228294" y="1979720"/>
+              <a:chExt cx="790113" cy="688922"/>
+            </a:xfrm>
+          </p:grpSpPr>
+          <p:cxnSp>
+            <p:nvCxnSpPr>
+              <p:cNvPr id="41" name="직선 화살표 연결선 40">
+                <a:extLst>
+                  <a:ext uri="{FF2B5EF4-FFF2-40B4-BE49-F238E27FC236}">
+                    <a16:creationId xmlns:a16="http://schemas.microsoft.com/office/drawing/2014/main" id="{F0E62DA2-3429-482B-8F8A-7523755F6C81}"/>
+                  </a:ext>
+                </a:extLst>
+              </p:cNvPr>
+              <p:cNvCxnSpPr>
+                <a:cxnSpLocks/>
+              </p:cNvCxnSpPr>
+              <p:nvPr/>
+            </p:nvCxnSpPr>
+            <p:spPr>
+              <a:xfrm flipV="1">
+                <a:off x="2623351" y="1979720"/>
+                <a:ext cx="1" cy="319590"/>
+              </a:xfrm>
+              <a:prstGeom prst="straightConnector1">
+                <a:avLst/>
+              </a:prstGeom>
+              <a:ln>
+                <a:solidFill>
+                  <a:schemeClr val="tx1"/>
+                </a:solidFill>
+                <a:tailEnd type="triangle"/>
+              </a:ln>
+            </p:spPr>
+            <p:style>
+              <a:lnRef idx="1">
+                <a:schemeClr val="accent1"/>
+              </a:lnRef>
+              <a:fillRef idx="0">
+                <a:schemeClr val="accent1"/>
+              </a:fillRef>
+              <a:effectRef idx="0">
+                <a:schemeClr val="accent1"/>
+              </a:effectRef>
+              <a:fontRef idx="minor">
+                <a:schemeClr val="tx1"/>
+              </a:fontRef>
+            </p:style>
+          </p:cxnSp>
+          <p:sp>
+            <p:nvSpPr>
+              <p:cNvPr id="42" name="TextBox 41">
+                <a:extLst>
+                  <a:ext uri="{FF2B5EF4-FFF2-40B4-BE49-F238E27FC236}">
+                    <a16:creationId xmlns:a16="http://schemas.microsoft.com/office/drawing/2014/main" id="{4FFF0519-89BE-458E-8B55-3A93BD0A75C4}"/>
+                  </a:ext>
+                </a:extLst>
+              </p:cNvPr>
+              <p:cNvSpPr txBox="1"/>
+              <p:nvPr/>
+            </p:nvSpPr>
+            <p:spPr>
+              <a:xfrm>
+                <a:off x="2228294" y="2299310"/>
+                <a:ext cx="790113" cy="369332"/>
+              </a:xfrm>
+              <a:prstGeom prst="rect">
+                <a:avLst/>
+              </a:prstGeom>
+              <a:noFill/>
+            </p:spPr>
+            <p:txBody>
+              <a:bodyPr wrap="square" rtlCol="0">
+                <a:spAutoFit/>
+              </a:bodyPr>
+              <a:lstStyle/>
+              <a:p>
+                <a:pPr algn="ctr"/>
+                <a:r>
+                  <a:rPr lang="en-US" dirty="0"/>
+                  <a:t>L[l]</a:t>
+                </a:r>
+              </a:p>
+            </p:txBody>
+          </p:sp>
+        </p:grpSp>
+        <p:grpSp>
+          <p:nvGrpSpPr>
+            <p:cNvPr id="43" name="그룹 42">
+              <a:extLst>
+                <a:ext uri="{FF2B5EF4-FFF2-40B4-BE49-F238E27FC236}">
+                  <a16:creationId xmlns:a16="http://schemas.microsoft.com/office/drawing/2014/main" id="{876F6A3A-A744-41A1-BB40-D1885A586E7D}"/>
+                </a:ext>
+              </a:extLst>
+            </p:cNvPr>
+            <p:cNvGrpSpPr/>
+            <p:nvPr/>
+          </p:nvGrpSpPr>
+          <p:grpSpPr>
+            <a:xfrm>
+              <a:off x="7759086" y="1979720"/>
+              <a:ext cx="790113" cy="688922"/>
+              <a:chOff x="2228294" y="1979720"/>
+              <a:chExt cx="790113" cy="688922"/>
+            </a:xfrm>
+          </p:grpSpPr>
+          <p:cxnSp>
+            <p:nvCxnSpPr>
+              <p:cNvPr id="44" name="직선 화살표 연결선 43">
+                <a:extLst>
+                  <a:ext uri="{FF2B5EF4-FFF2-40B4-BE49-F238E27FC236}">
+                    <a16:creationId xmlns:a16="http://schemas.microsoft.com/office/drawing/2014/main" id="{AA832A68-23F8-44D5-8B3A-9DE5E89EB4FE}"/>
+                  </a:ext>
+                </a:extLst>
+              </p:cNvPr>
+              <p:cNvCxnSpPr>
+                <a:cxnSpLocks/>
+              </p:cNvCxnSpPr>
+              <p:nvPr/>
+            </p:nvCxnSpPr>
+            <p:spPr>
+              <a:xfrm flipV="1">
+                <a:off x="2623351" y="1979720"/>
+                <a:ext cx="1" cy="319590"/>
+              </a:xfrm>
+              <a:prstGeom prst="straightConnector1">
+                <a:avLst/>
+              </a:prstGeom>
+              <a:ln>
+                <a:solidFill>
+                  <a:schemeClr val="tx1"/>
+                </a:solidFill>
+                <a:tailEnd type="triangle"/>
+              </a:ln>
+            </p:spPr>
+            <p:style>
+              <a:lnRef idx="1">
+                <a:schemeClr val="accent1"/>
+              </a:lnRef>
+              <a:fillRef idx="0">
+                <a:schemeClr val="accent1"/>
+              </a:fillRef>
+              <a:effectRef idx="0">
+                <a:schemeClr val="accent1"/>
+              </a:effectRef>
+              <a:fontRef idx="minor">
+                <a:schemeClr val="tx1"/>
+              </a:fontRef>
+            </p:style>
+          </p:cxnSp>
+          <p:sp>
+            <p:nvSpPr>
+              <p:cNvPr id="45" name="TextBox 44">
+                <a:extLst>
+                  <a:ext uri="{FF2B5EF4-FFF2-40B4-BE49-F238E27FC236}">
+                    <a16:creationId xmlns:a16="http://schemas.microsoft.com/office/drawing/2014/main" id="{A53E3761-2BB1-44CA-851A-57FC09CA93D5}"/>
+                  </a:ext>
+                </a:extLst>
+              </p:cNvPr>
+              <p:cNvSpPr txBox="1"/>
+              <p:nvPr/>
+            </p:nvSpPr>
+            <p:spPr>
+              <a:xfrm>
+                <a:off x="2228294" y="2299310"/>
+                <a:ext cx="790113" cy="369332"/>
+              </a:xfrm>
+              <a:prstGeom prst="rect">
+                <a:avLst/>
+              </a:prstGeom>
+              <a:noFill/>
+            </p:spPr>
+            <p:txBody>
+              <a:bodyPr wrap="square" rtlCol="0">
+                <a:spAutoFit/>
+              </a:bodyPr>
+              <a:lstStyle/>
+              <a:p>
+                <a:pPr algn="ctr"/>
+                <a:r>
+                  <a:rPr lang="en-US" dirty="0"/>
+                  <a:t>L[u]</a:t>
+                </a:r>
+              </a:p>
+            </p:txBody>
+          </p:sp>
+        </p:grpSp>
+        <p:grpSp>
+          <p:nvGrpSpPr>
+            <p:cNvPr id="46" name="그룹 45">
+              <a:extLst>
+                <a:ext uri="{FF2B5EF4-FFF2-40B4-BE49-F238E27FC236}">
+                  <a16:creationId xmlns:a16="http://schemas.microsoft.com/office/drawing/2014/main" id="{E1B5EF6D-98CF-4534-B55C-36112797BB7C}"/>
+                </a:ext>
+              </a:extLst>
+            </p:cNvPr>
+            <p:cNvGrpSpPr/>
+            <p:nvPr/>
+          </p:nvGrpSpPr>
+          <p:grpSpPr>
+            <a:xfrm>
+              <a:off x="4596413" y="1979720"/>
+              <a:ext cx="790113" cy="688922"/>
+              <a:chOff x="2228294" y="1979720"/>
+              <a:chExt cx="790113" cy="688922"/>
+            </a:xfrm>
+          </p:grpSpPr>
+          <p:cxnSp>
+            <p:nvCxnSpPr>
+              <p:cNvPr id="47" name="직선 화살표 연결선 46">
+                <a:extLst>
+                  <a:ext uri="{FF2B5EF4-FFF2-40B4-BE49-F238E27FC236}">
+                    <a16:creationId xmlns:a16="http://schemas.microsoft.com/office/drawing/2014/main" id="{F71A69A4-F8DE-4F83-B4B0-743798815221}"/>
+                  </a:ext>
+                </a:extLst>
+              </p:cNvPr>
+              <p:cNvCxnSpPr>
+                <a:cxnSpLocks/>
+              </p:cNvCxnSpPr>
+              <p:nvPr/>
+            </p:nvCxnSpPr>
+            <p:spPr>
+              <a:xfrm flipV="1">
+                <a:off x="2623351" y="1979720"/>
+                <a:ext cx="1" cy="319590"/>
+              </a:xfrm>
+              <a:prstGeom prst="straightConnector1">
+                <a:avLst/>
+              </a:prstGeom>
+              <a:ln>
+                <a:solidFill>
+                  <a:schemeClr val="tx1"/>
+                </a:solidFill>
+                <a:tailEnd type="triangle"/>
+              </a:ln>
+            </p:spPr>
+            <p:style>
+              <a:lnRef idx="1">
+                <a:schemeClr val="accent1"/>
+              </a:lnRef>
+              <a:fillRef idx="0">
+                <a:schemeClr val="accent1"/>
+              </a:fillRef>
+              <a:effectRef idx="0">
+                <a:schemeClr val="accent1"/>
+              </a:effectRef>
+              <a:fontRef idx="minor">
+                <a:schemeClr val="tx1"/>
+              </a:fontRef>
+            </p:style>
+          </p:cxnSp>
+          <p:sp>
+            <p:nvSpPr>
+              <p:cNvPr id="48" name="TextBox 47">
+                <a:extLst>
+                  <a:ext uri="{FF2B5EF4-FFF2-40B4-BE49-F238E27FC236}">
+                    <a16:creationId xmlns:a16="http://schemas.microsoft.com/office/drawing/2014/main" id="{D4782BDD-AE56-4B35-8898-8A1C5B13432B}"/>
+                  </a:ext>
+                </a:extLst>
+              </p:cNvPr>
+              <p:cNvSpPr txBox="1"/>
+              <p:nvPr/>
+            </p:nvSpPr>
+            <p:spPr>
+              <a:xfrm>
+                <a:off x="2228294" y="2299310"/>
+                <a:ext cx="790113" cy="369332"/>
+              </a:xfrm>
+              <a:prstGeom prst="rect">
+                <a:avLst/>
+              </a:prstGeom>
+              <a:noFill/>
+            </p:spPr>
+            <p:txBody>
+              <a:bodyPr wrap="square" rtlCol="0">
+                <a:spAutoFit/>
+              </a:bodyPr>
+              <a:lstStyle/>
+              <a:p>
+                <a:pPr algn="ctr"/>
+                <a:r>
+                  <a:rPr lang="en-US" dirty="0"/>
+                  <a:t>mid</a:t>
+                </a:r>
+              </a:p>
+            </p:txBody>
+          </p:sp>
+        </p:grpSp>
+      </p:grpSp>
+      <p:sp>
+        <p:nvSpPr>
+          <p:cNvPr id="14" name="화살표: 오른쪽 13">
+            <a:extLst>
+              <a:ext uri="{FF2B5EF4-FFF2-40B4-BE49-F238E27FC236}">
+                <a16:creationId xmlns:a16="http://schemas.microsoft.com/office/drawing/2014/main" id="{13FFEA52-2714-4135-977A-B1613BF1D8B7}"/>
+              </a:ext>
+            </a:extLst>
+          </p:cNvPr>
+          <p:cNvSpPr/>
+          <p:nvPr/>
+        </p:nvSpPr>
+        <p:spPr>
+          <a:xfrm rot="5400000">
+            <a:off x="4955956" y="2919384"/>
+            <a:ext cx="679143" cy="369332"/>
+          </a:xfrm>
+          <a:prstGeom prst="rightArrow">
+            <a:avLst/>
+          </a:prstGeom>
+          <a:solidFill>
+            <a:srgbClr val="FF0000"/>
+          </a:solidFill>
+          <a:ln>
+            <a:noFill/>
+          </a:ln>
+        </p:spPr>
+        <p:style>
+          <a:lnRef idx="2">
+            <a:schemeClr val="accent1">
+              <a:shade val="50000"/>
+            </a:schemeClr>
+          </a:lnRef>
+          <a:fillRef idx="1">
+            <a:schemeClr val="accent1"/>
+          </a:fillRef>
+          <a:effectRef idx="0">
+            <a:schemeClr val="accent1"/>
+          </a:effectRef>
+          <a:fontRef idx="minor">
+            <a:schemeClr val="lt1"/>
+          </a:fontRef>
+        </p:style>
+        <p:txBody>
+          <a:bodyPr rtlCol="0" anchor="ctr"/>
+          <a:lstStyle/>
+          <a:p>
+            <a:pPr algn="ctr"/>
+            <a:endParaRPr lang="en-US"/>
+          </a:p>
+        </p:txBody>
+      </p:sp>
+    </p:spTree>
+    <p:extLst>
+      <p:ext uri="{BB962C8B-B14F-4D97-AF65-F5344CB8AC3E}">
+        <p14:creationId xmlns:p14="http://schemas.microsoft.com/office/powerpoint/2010/main" val="3138722614"/>
+      </p:ext>
+    </p:extLst>
+  </p:cSld>
+  <p:clrMapOvr>
+    <a:masterClrMapping/>
+  </p:clrMapOvr>
+</p:sld>
+</file>
+
+<file path=ppt/slides/slide5.xml><?xml version="1.0" encoding="utf-8"?>
+<p:sld xmlns:a="http://schemas.openxmlformats.org/drawingml/2006/main" xmlns:r="http://schemas.openxmlformats.org/officeDocument/2006/relationships" xmlns:p="http://schemas.openxmlformats.org/presentationml/2006/main">
+  <p:cSld>
+    <p:spTree>
+      <p:nvGrpSpPr>
+        <p:cNvPr id="1" name=""/>
+        <p:cNvGrpSpPr/>
+        <p:nvPr/>
+      </p:nvGrpSpPr>
+      <p:grpSpPr>
+        <a:xfrm>
+          <a:off x="0" y="0"/>
+          <a:ext cx="0" cy="0"/>
+          <a:chOff x="0" y="0"/>
+          <a:chExt cx="0" cy="0"/>
+        </a:xfrm>
+      </p:grpSpPr>
+      <p:grpSp>
+        <p:nvGrpSpPr>
+          <p:cNvPr id="12" name="그룹 11">
+            <a:extLst>
+              <a:ext uri="{FF2B5EF4-FFF2-40B4-BE49-F238E27FC236}">
+                <a16:creationId xmlns:a16="http://schemas.microsoft.com/office/drawing/2014/main" id="{F406F4A2-A082-4AD2-9226-74F3A345A9C6}"/>
+              </a:ext>
+            </a:extLst>
+          </p:cNvPr>
+          <p:cNvGrpSpPr/>
+          <p:nvPr/>
+        </p:nvGrpSpPr>
+        <p:grpSpPr>
+          <a:xfrm>
+            <a:off x="2867488" y="2257294"/>
+            <a:ext cx="4083728" cy="1171706"/>
+            <a:chOff x="2867488" y="2257294"/>
+            <a:chExt cx="4083728" cy="1171706"/>
+          </a:xfrm>
+        </p:grpSpPr>
+        <p:sp>
+          <p:nvSpPr>
+            <p:cNvPr id="4" name="TextBox 3">
+              <a:extLst>
+                <a:ext uri="{FF2B5EF4-FFF2-40B4-BE49-F238E27FC236}">
+                  <a16:creationId xmlns:a16="http://schemas.microsoft.com/office/drawing/2014/main" id="{1377E270-AD30-4A6A-A53A-ED8E31A7D656}"/>
+                </a:ext>
+              </a:extLst>
+            </p:cNvPr>
+            <p:cNvSpPr txBox="1"/>
+            <p:nvPr/>
+          </p:nvSpPr>
+          <p:spPr>
+            <a:xfrm>
+              <a:off x="2867488" y="2272683"/>
+              <a:ext cx="1251751" cy="1015663"/>
+            </a:xfrm>
+            <a:prstGeom prst="rect">
+              <a:avLst/>
+            </a:prstGeom>
+            <a:noFill/>
+          </p:spPr>
+          <p:txBody>
+            <a:bodyPr wrap="square" rtlCol="0">
+              <a:spAutoFit/>
+            </a:bodyPr>
+            <a:lstStyle/>
+            <a:p>
+              <a:pPr algn="ctr"/>
+              <a:r>
+                <a:rPr lang="en-US" sz="3600" b="1" dirty="0" err="1"/>
+                <a:t>n</a:t>
+              </a:r>
+              <a:r>
+                <a:rPr lang="en-US" sz="6000" b="1" dirty="0" err="1">
+                  <a:solidFill>
+                    <a:srgbClr val="0070C0"/>
+                  </a:solidFill>
+                </a:rPr>
+                <a:t>C</a:t>
+              </a:r>
+              <a:r>
+                <a:rPr lang="en-US" sz="3600" b="1" dirty="0" err="1"/>
+                <a:t>r</a:t>
+              </a:r>
+              <a:endParaRPr lang="en-US" sz="3600" b="1" dirty="0"/>
+            </a:p>
+          </p:txBody>
+        </p:sp>
+        <p:sp>
+          <p:nvSpPr>
+            <p:cNvPr id="5" name="TextBox 4">
+              <a:extLst>
+                <a:ext uri="{FF2B5EF4-FFF2-40B4-BE49-F238E27FC236}">
+                  <a16:creationId xmlns:a16="http://schemas.microsoft.com/office/drawing/2014/main" id="{1B002C9D-8673-4D29-AC26-E9265122FB5E}"/>
+                </a:ext>
+              </a:extLst>
+            </p:cNvPr>
+            <p:cNvSpPr txBox="1"/>
+            <p:nvPr/>
+          </p:nvSpPr>
+          <p:spPr>
+            <a:xfrm>
+              <a:off x="4119239" y="2318849"/>
+              <a:ext cx="1038688" cy="923330"/>
+            </a:xfrm>
+            <a:prstGeom prst="rect">
+              <a:avLst/>
+            </a:prstGeom>
+            <a:noFill/>
+          </p:spPr>
+          <p:txBody>
+            <a:bodyPr wrap="square" rtlCol="0">
+              <a:spAutoFit/>
+            </a:bodyPr>
+            <a:lstStyle/>
+            <a:p>
+              <a:pPr algn="ctr"/>
+              <a:r>
+                <a:rPr lang="en-US" sz="5400" dirty="0"/>
+                <a:t>= </a:t>
+              </a:r>
+            </a:p>
+          </p:txBody>
+        </p:sp>
+        <p:grpSp>
+          <p:nvGrpSpPr>
+            <p:cNvPr id="10" name="그룹 9">
+              <a:extLst>
+                <a:ext uri="{FF2B5EF4-FFF2-40B4-BE49-F238E27FC236}">
+                  <a16:creationId xmlns:a16="http://schemas.microsoft.com/office/drawing/2014/main" id="{4FBF57E1-94C4-4F0F-A662-9C1737E1F3A5}"/>
+                </a:ext>
+              </a:extLst>
+            </p:cNvPr>
+            <p:cNvGrpSpPr/>
+            <p:nvPr/>
+          </p:nvGrpSpPr>
+          <p:grpSpPr>
+            <a:xfrm>
+              <a:off x="5370990" y="2257294"/>
+              <a:ext cx="1580226" cy="1171706"/>
+              <a:chOff x="5584054" y="2257294"/>
+              <a:chExt cx="1580226" cy="1171706"/>
+            </a:xfrm>
+          </p:grpSpPr>
+          <p:cxnSp>
+            <p:nvCxnSpPr>
+              <p:cNvPr id="7" name="직선 연결선 6">
+                <a:extLst>
+                  <a:ext uri="{FF2B5EF4-FFF2-40B4-BE49-F238E27FC236}">
+                    <a16:creationId xmlns:a16="http://schemas.microsoft.com/office/drawing/2014/main" id="{B06FEB07-EB7F-480D-AEAC-5056039388EC}"/>
+                  </a:ext>
+                </a:extLst>
+              </p:cNvPr>
+              <p:cNvCxnSpPr/>
+              <p:nvPr/>
+            </p:nvCxnSpPr>
+            <p:spPr>
+              <a:xfrm>
+                <a:off x="5584054" y="2780514"/>
+                <a:ext cx="1580226" cy="0"/>
+              </a:xfrm>
+              <a:prstGeom prst="line">
+                <a:avLst/>
+              </a:prstGeom>
+              <a:ln w="28575">
+                <a:solidFill>
+                  <a:schemeClr val="tx1"/>
+                </a:solidFill>
+              </a:ln>
+            </p:spPr>
+            <p:style>
+              <a:lnRef idx="1">
+                <a:schemeClr val="accent1"/>
+              </a:lnRef>
+              <a:fillRef idx="0">
+                <a:schemeClr val="accent1"/>
+              </a:fillRef>
+              <a:effectRef idx="0">
+                <a:schemeClr val="accent1"/>
+              </a:effectRef>
+              <a:fontRef idx="minor">
+                <a:schemeClr val="tx1"/>
+              </a:fontRef>
+            </p:style>
+          </p:cxnSp>
+          <p:sp>
+            <p:nvSpPr>
+              <p:cNvPr id="8" name="TextBox 7">
+                <a:extLst>
+                  <a:ext uri="{FF2B5EF4-FFF2-40B4-BE49-F238E27FC236}">
+                    <a16:creationId xmlns:a16="http://schemas.microsoft.com/office/drawing/2014/main" id="{BD46F35A-9D6C-443C-85B0-F8A8E2AB55D3}"/>
+                  </a:ext>
+                </a:extLst>
+              </p:cNvPr>
+              <p:cNvSpPr txBox="1"/>
+              <p:nvPr/>
+            </p:nvSpPr>
+            <p:spPr>
+              <a:xfrm>
+                <a:off x="5820792" y="2257294"/>
+                <a:ext cx="1106750" cy="523220"/>
+              </a:xfrm>
+              <a:prstGeom prst="rect">
+                <a:avLst/>
+              </a:prstGeom>
+              <a:noFill/>
+            </p:spPr>
+            <p:txBody>
+              <a:bodyPr wrap="square" rtlCol="0">
+                <a:spAutoFit/>
+              </a:bodyPr>
+              <a:lstStyle/>
+              <a:p>
+                <a:pPr algn="ctr"/>
+                <a:r>
+                  <a:rPr lang="en-US" sz="2800" b="1" dirty="0"/>
+                  <a:t>n!</a:t>
+                </a:r>
+              </a:p>
+            </p:txBody>
+          </p:sp>
+          <p:sp>
+            <p:nvSpPr>
+              <p:cNvPr id="9" name="TextBox 8">
+                <a:extLst>
+                  <a:ext uri="{FF2B5EF4-FFF2-40B4-BE49-F238E27FC236}">
+                    <a16:creationId xmlns:a16="http://schemas.microsoft.com/office/drawing/2014/main" id="{F98E719D-8347-48BA-8942-06AB1E0B35B2}"/>
+                  </a:ext>
+                </a:extLst>
+              </p:cNvPr>
+              <p:cNvSpPr txBox="1"/>
+              <p:nvPr/>
+            </p:nvSpPr>
+            <p:spPr>
+              <a:xfrm>
+                <a:off x="5748291" y="2905780"/>
+                <a:ext cx="1251751" cy="523220"/>
+              </a:xfrm>
+              <a:prstGeom prst="rect">
+                <a:avLst/>
+              </a:prstGeom>
+              <a:noFill/>
+            </p:spPr>
+            <p:txBody>
+              <a:bodyPr wrap="square" rtlCol="0">
+                <a:spAutoFit/>
+              </a:bodyPr>
+              <a:lstStyle/>
+              <a:p>
+                <a:pPr algn="ctr"/>
+                <a:r>
+                  <a:rPr lang="en-US" sz="2800" b="1" dirty="0"/>
+                  <a:t>(n-r)!r!</a:t>
+                </a:r>
+              </a:p>
+            </p:txBody>
+          </p:sp>
+        </p:grpSp>
+      </p:grpSp>
+      <p:sp>
+        <p:nvSpPr>
+          <p:cNvPr id="11" name="TextBox 10">
+            <a:extLst>
+              <a:ext uri="{FF2B5EF4-FFF2-40B4-BE49-F238E27FC236}">
+                <a16:creationId xmlns:a16="http://schemas.microsoft.com/office/drawing/2014/main" id="{A85E44D5-A323-4875-93F9-C7AE222EEACD}"/>
+              </a:ext>
+            </a:extLst>
+          </p:cNvPr>
+          <p:cNvSpPr txBox="1"/>
+          <p:nvPr/>
+        </p:nvSpPr>
+        <p:spPr>
+          <a:xfrm>
+            <a:off x="3738978" y="3627745"/>
+            <a:ext cx="2348144" cy="646331"/>
+          </a:xfrm>
+          <a:prstGeom prst="rect">
+            <a:avLst/>
+          </a:prstGeom>
+          <a:noFill/>
+        </p:spPr>
+        <p:txBody>
+          <a:bodyPr wrap="square" rtlCol="0">
+            <a:spAutoFit/>
+          </a:bodyPr>
+          <a:lstStyle/>
+          <a:p>
+            <a:pPr algn="ctr"/>
+            <a:r>
+              <a:rPr lang="ko-KR" altLang="en-US" b="1" dirty="0">
+                <a:latin typeface="AppleSDGothicNeoM00" panose="02000503000000000000" pitchFamily="2" charset="-127"/>
+                <a:ea typeface="AppleSDGothicNeoM00" panose="02000503000000000000" pitchFamily="2" charset="-127"/>
+              </a:rPr>
+              <a:t>조합</a:t>
+            </a:r>
+            <a:r>
+              <a:rPr lang="en-US" altLang="ko-KR" b="1" dirty="0">
+                <a:latin typeface="AppleSDGothicNeoM00" panose="02000503000000000000" pitchFamily="2" charset="-127"/>
+                <a:ea typeface="AppleSDGothicNeoM00" panose="02000503000000000000" pitchFamily="2" charset="-127"/>
+              </a:rPr>
+              <a:t>(Combination)</a:t>
+            </a:r>
+          </a:p>
+          <a:p>
+            <a:pPr algn="ctr"/>
+            <a:r>
+              <a:rPr lang="en-US" altLang="ko-KR" dirty="0">
+                <a:latin typeface="AppleSDGothicNeoL00" panose="02000503000000000000" pitchFamily="2" charset="-127"/>
+                <a:ea typeface="AppleSDGothicNeoL00" panose="02000503000000000000" pitchFamily="2" charset="-127"/>
+              </a:rPr>
+              <a:t>n</a:t>
+            </a:r>
+            <a:r>
+              <a:rPr lang="ko-KR" altLang="en-US" dirty="0">
+                <a:latin typeface="AppleSDGothicNeoL00" panose="02000503000000000000" pitchFamily="2" charset="-127"/>
+                <a:ea typeface="AppleSDGothicNeoL00" panose="02000503000000000000" pitchFamily="2" charset="-127"/>
+              </a:rPr>
+              <a:t>개 중에서 </a:t>
+            </a:r>
+            <a:r>
+              <a:rPr lang="en-US" altLang="ko-KR" dirty="0">
+                <a:latin typeface="AppleSDGothicNeoL00" panose="02000503000000000000" pitchFamily="2" charset="-127"/>
+                <a:ea typeface="AppleSDGothicNeoL00" panose="02000503000000000000" pitchFamily="2" charset="-127"/>
+              </a:rPr>
+              <a:t>r</a:t>
+            </a:r>
+            <a:r>
+              <a:rPr lang="ko-KR" altLang="en-US" dirty="0">
+                <a:latin typeface="AppleSDGothicNeoL00" panose="02000503000000000000" pitchFamily="2" charset="-127"/>
+                <a:ea typeface="AppleSDGothicNeoL00" panose="02000503000000000000" pitchFamily="2" charset="-127"/>
+              </a:rPr>
+              <a:t>개를 선택</a:t>
+            </a:r>
+            <a:endParaRPr lang="en-US" dirty="0">
+              <a:latin typeface="AppleSDGothicNeoL00" panose="02000503000000000000" pitchFamily="2" charset="-127"/>
+              <a:ea typeface="AppleSDGothicNeoL00" panose="02000503000000000000" pitchFamily="2" charset="-127"/>
+            </a:endParaRPr>
+          </a:p>
+        </p:txBody>
+      </p:sp>
+    </p:spTree>
+    <p:extLst>
+      <p:ext uri="{BB962C8B-B14F-4D97-AF65-F5344CB8AC3E}">
+        <p14:creationId xmlns:p14="http://schemas.microsoft.com/office/powerpoint/2010/main" val="1826188341"/>
+      </p:ext>
+    </p:extLst>
+  </p:cSld>
+  <p:clrMapOvr>
+    <a:masterClrMapping/>
+  </p:clrMapOvr>
+</p:sld>
+</file>
+
+<file path=ppt/slides/slide6.xml><?xml version="1.0" encoding="utf-8"?>
+<p:sld xmlns:a="http://schemas.openxmlformats.org/drawingml/2006/main" xmlns:r="http://schemas.openxmlformats.org/officeDocument/2006/relationships" xmlns:p="http://schemas.openxmlformats.org/presentationml/2006/main">
+  <p:cSld>
+    <p:spTree>
+      <p:nvGrpSpPr>
+        <p:cNvPr id="1" name=""/>
+        <p:cNvGrpSpPr/>
+        <p:nvPr/>
+      </p:nvGrpSpPr>
+      <p:grpSpPr>
+        <a:xfrm>
+          <a:off x="0" y="0"/>
+          <a:ext cx="0" cy="0"/>
+          <a:chOff x="0" y="0"/>
+          <a:chExt cx="0" cy="0"/>
+        </a:xfrm>
+      </p:grpSpPr>
+      <p:sp>
+        <p:nvSpPr>
+          <p:cNvPr id="2" name="TextBox 1">
+            <a:extLst>
+              <a:ext uri="{FF2B5EF4-FFF2-40B4-BE49-F238E27FC236}">
+                <a16:creationId xmlns:a16="http://schemas.microsoft.com/office/drawing/2014/main" id="{38E601E4-E257-44F2-8766-35C753E6EF75}"/>
+              </a:ext>
+            </a:extLst>
+          </p:cNvPr>
+          <p:cNvSpPr txBox="1"/>
+          <p:nvPr/>
+        </p:nvSpPr>
+        <p:spPr>
+          <a:xfrm>
+            <a:off x="2654423" y="1660124"/>
+            <a:ext cx="1367162" cy="523220"/>
+          </a:xfrm>
+          <a:prstGeom prst="rect">
+            <a:avLst/>
+          </a:prstGeom>
+          <a:noFill/>
+        </p:spPr>
+        <p:txBody>
+          <a:bodyPr wrap="square" rtlCol="0">
+            <a:spAutoFit/>
+          </a:bodyPr>
+          <a:lstStyle/>
+          <a:p>
+            <a:pPr algn="ctr"/>
+            <a:r>
+              <a:rPr lang="en-US" sz="2800" b="1" dirty="0"/>
+              <a:t>[1, 2, 3]</a:t>
+            </a:r>
+          </a:p>
+        </p:txBody>
+      </p:sp>
+      <p:sp>
+        <p:nvSpPr>
+          <p:cNvPr id="3" name="TextBox 2">
+            <a:extLst>
+              <a:ext uri="{FF2B5EF4-FFF2-40B4-BE49-F238E27FC236}">
+                <a16:creationId xmlns:a16="http://schemas.microsoft.com/office/drawing/2014/main" id="{94D0759A-AED7-4254-BE6A-87C57113067A}"/>
+              </a:ext>
+            </a:extLst>
+          </p:cNvPr>
+          <p:cNvSpPr txBox="1"/>
+          <p:nvPr/>
+        </p:nvSpPr>
+        <p:spPr>
+          <a:xfrm>
+            <a:off x="4483222" y="1460069"/>
+            <a:ext cx="1047565" cy="923330"/>
+          </a:xfrm>
+          <a:prstGeom prst="rect">
+            <a:avLst/>
+          </a:prstGeom>
+          <a:noFill/>
+        </p:spPr>
+        <p:txBody>
+          <a:bodyPr wrap="square" rtlCol="0">
+            <a:spAutoFit/>
+          </a:bodyPr>
+          <a:lstStyle/>
+          <a:p>
+            <a:pPr algn="ctr"/>
+            <a:r>
+              <a:rPr lang="en-US" dirty="0">
+                <a:solidFill>
+                  <a:srgbClr val="00B050"/>
+                </a:solidFill>
+              </a:rPr>
+              <a:t>(1, 2)</a:t>
+            </a:r>
+          </a:p>
+          <a:p>
+            <a:pPr algn="ctr"/>
+            <a:r>
+              <a:rPr lang="en-US" dirty="0">
+                <a:solidFill>
+                  <a:srgbClr val="00B050"/>
+                </a:solidFill>
+              </a:rPr>
+              <a:t>(1, 3)</a:t>
+            </a:r>
+          </a:p>
+          <a:p>
+            <a:pPr algn="ctr"/>
+            <a:r>
+              <a:rPr lang="en-US" dirty="0">
+                <a:solidFill>
+                  <a:srgbClr val="FFC000"/>
+                </a:solidFill>
+              </a:rPr>
+              <a:t>(2, 3)</a:t>
+            </a:r>
+          </a:p>
+        </p:txBody>
+      </p:sp>
+      <p:sp>
+        <p:nvSpPr>
+          <p:cNvPr id="5" name="왼쪽 중괄호 4">
+            <a:extLst>
+              <a:ext uri="{FF2B5EF4-FFF2-40B4-BE49-F238E27FC236}">
+                <a16:creationId xmlns:a16="http://schemas.microsoft.com/office/drawing/2014/main" id="{079B96D3-B617-4A0F-A213-0B7564ACB305}"/>
+              </a:ext>
+            </a:extLst>
+          </p:cNvPr>
+          <p:cNvSpPr/>
+          <p:nvPr/>
+        </p:nvSpPr>
+        <p:spPr>
+          <a:xfrm>
+            <a:off x="4323424" y="1660125"/>
+            <a:ext cx="159798" cy="523220"/>
+          </a:xfrm>
+          <a:prstGeom prst="leftBrace">
+            <a:avLst/>
+          </a:prstGeom>
+          <a:ln w="38100"/>
+        </p:spPr>
+        <p:style>
+          <a:lnRef idx="1">
+            <a:schemeClr val="accent1"/>
+          </a:lnRef>
+          <a:fillRef idx="0">
+            <a:schemeClr val="accent1"/>
+          </a:fillRef>
+          <a:effectRef idx="0">
+            <a:schemeClr val="accent1"/>
+          </a:effectRef>
+          <a:fontRef idx="minor">
+            <a:schemeClr val="tx1"/>
+          </a:fontRef>
+        </p:style>
+        <p:txBody>
+          <a:bodyPr rtlCol="0" anchor="ctr"/>
+          <a:lstStyle/>
+          <a:p>
+            <a:pPr algn="ctr"/>
+            <a:endParaRPr lang="en-US"/>
+          </a:p>
+        </p:txBody>
+      </p:sp>
+      <p:sp>
+        <p:nvSpPr>
+          <p:cNvPr id="6" name="TextBox 5">
+            <a:extLst>
+              <a:ext uri="{FF2B5EF4-FFF2-40B4-BE49-F238E27FC236}">
+                <a16:creationId xmlns:a16="http://schemas.microsoft.com/office/drawing/2014/main" id="{8E91AF8C-A3D3-4BF3-9031-A51DC56955A5}"/>
+              </a:ext>
+            </a:extLst>
+          </p:cNvPr>
+          <p:cNvSpPr txBox="1"/>
+          <p:nvPr/>
+        </p:nvSpPr>
+        <p:spPr>
+          <a:xfrm>
+            <a:off x="5379867" y="1552402"/>
+            <a:ext cx="905523" cy="369332"/>
+          </a:xfrm>
+          <a:prstGeom prst="rect">
+            <a:avLst/>
+          </a:prstGeom>
+          <a:noFill/>
+        </p:spPr>
+        <p:txBody>
+          <a:bodyPr wrap="square" rtlCol="0">
+            <a:spAutoFit/>
+          </a:bodyPr>
+          <a:lstStyle/>
+          <a:p>
+            <a:pPr algn="ctr"/>
+            <a:r>
+              <a:rPr lang="en-US" dirty="0">
+                <a:solidFill>
+                  <a:srgbClr val="00B050"/>
+                </a:solidFill>
+              </a:rPr>
+              <a:t>(1, x)</a:t>
+            </a:r>
+          </a:p>
+        </p:txBody>
+      </p:sp>
+      <p:sp>
+        <p:nvSpPr>
+          <p:cNvPr id="7" name="TextBox 6">
+            <a:extLst>
+              <a:ext uri="{FF2B5EF4-FFF2-40B4-BE49-F238E27FC236}">
+                <a16:creationId xmlns:a16="http://schemas.microsoft.com/office/drawing/2014/main" id="{49301CA9-A8D5-4457-BDF7-A1336EC4BA83}"/>
+              </a:ext>
+            </a:extLst>
+          </p:cNvPr>
+          <p:cNvSpPr txBox="1"/>
+          <p:nvPr/>
+        </p:nvSpPr>
+        <p:spPr>
+          <a:xfrm>
+            <a:off x="5379867" y="2014067"/>
+            <a:ext cx="905523" cy="369332"/>
+          </a:xfrm>
+          <a:prstGeom prst="rect">
+            <a:avLst/>
+          </a:prstGeom>
+          <a:noFill/>
+        </p:spPr>
+        <p:txBody>
+          <a:bodyPr wrap="square" rtlCol="0">
+            <a:spAutoFit/>
+          </a:bodyPr>
+          <a:lstStyle/>
+          <a:p>
+            <a:pPr algn="ctr"/>
+            <a:r>
+              <a:rPr lang="en-US" dirty="0">
+                <a:solidFill>
+                  <a:srgbClr val="FFC000"/>
+                </a:solidFill>
+              </a:rPr>
+              <a:t>(x, x)</a:t>
+            </a:r>
+          </a:p>
+        </p:txBody>
+      </p:sp>
+    </p:spTree>
+    <p:extLst>
+      <p:ext uri="{BB962C8B-B14F-4D97-AF65-F5344CB8AC3E}">
+        <p14:creationId xmlns:p14="http://schemas.microsoft.com/office/powerpoint/2010/main" val="3818648356"/>
+      </p:ext>
+    </p:extLst>
+  </p:cSld>
+  <p:clrMapOvr>
+    <a:masterClrMapping/>
+  </p:clrMapOvr>
+</p:sld>
+</file>
+
+<file path=ppt/slides/slide7.xml><?xml version="1.0" encoding="utf-8"?>
+<p:sld xmlns:a="http://schemas.openxmlformats.org/drawingml/2006/main" xmlns:r="http://schemas.openxmlformats.org/officeDocument/2006/relationships" xmlns:p="http://schemas.openxmlformats.org/presentationml/2006/main">
+  <p:cSld>
+    <p:spTree>
+      <p:nvGrpSpPr>
+        <p:cNvPr id="1" name=""/>
+        <p:cNvGrpSpPr/>
+        <p:nvPr/>
+      </p:nvGrpSpPr>
+      <p:grpSpPr>
+        <a:xfrm>
+          <a:off x="0" y="0"/>
+          <a:ext cx="0" cy="0"/>
+          <a:chOff x="0" y="0"/>
+          <a:chExt cx="0" cy="0"/>
+        </a:xfrm>
+      </p:grpSpPr>
+      <p:sp>
+        <p:nvSpPr>
+          <p:cNvPr id="2" name="TextBox 1">
+            <a:extLst>
+              <a:ext uri="{FF2B5EF4-FFF2-40B4-BE49-F238E27FC236}">
+                <a16:creationId xmlns:a16="http://schemas.microsoft.com/office/drawing/2014/main" id="{38E601E4-E257-44F2-8766-35C753E6EF75}"/>
+              </a:ext>
+            </a:extLst>
+          </p:cNvPr>
+          <p:cNvSpPr txBox="1"/>
+          <p:nvPr/>
+        </p:nvSpPr>
+        <p:spPr>
+          <a:xfrm>
+            <a:off x="2654423" y="1660124"/>
+            <a:ext cx="1367162" cy="523220"/>
+          </a:xfrm>
+          <a:prstGeom prst="rect">
+            <a:avLst/>
+          </a:prstGeom>
+          <a:noFill/>
+        </p:spPr>
+        <p:txBody>
+          <a:bodyPr wrap="square" rtlCol="0">
+            <a:spAutoFit/>
+          </a:bodyPr>
+          <a:lstStyle/>
+          <a:p>
+            <a:pPr algn="ctr"/>
+            <a:r>
+              <a:rPr lang="en-US" sz="2800" b="1" dirty="0"/>
+              <a:t>[1, 2, 3]</a:t>
+            </a:r>
+          </a:p>
+        </p:txBody>
+      </p:sp>
+      <p:sp>
+        <p:nvSpPr>
+          <p:cNvPr id="3" name="TextBox 2">
+            <a:extLst>
+              <a:ext uri="{FF2B5EF4-FFF2-40B4-BE49-F238E27FC236}">
+                <a16:creationId xmlns:a16="http://schemas.microsoft.com/office/drawing/2014/main" id="{94D0759A-AED7-4254-BE6A-87C57113067A}"/>
+              </a:ext>
+            </a:extLst>
+          </p:cNvPr>
+          <p:cNvSpPr txBox="1"/>
+          <p:nvPr/>
+        </p:nvSpPr>
+        <p:spPr>
+          <a:xfrm>
+            <a:off x="4483222" y="1460069"/>
+            <a:ext cx="1047565" cy="923330"/>
+          </a:xfrm>
+          <a:prstGeom prst="rect">
+            <a:avLst/>
+          </a:prstGeom>
+          <a:noFill/>
+        </p:spPr>
+        <p:txBody>
+          <a:bodyPr wrap="square" rtlCol="0">
+            <a:spAutoFit/>
+          </a:bodyPr>
+          <a:lstStyle/>
+          <a:p>
+            <a:pPr algn="ctr"/>
+            <a:r>
+              <a:rPr lang="en-US" dirty="0">
+                <a:solidFill>
+                  <a:srgbClr val="00B050"/>
+                </a:solidFill>
+              </a:rPr>
+              <a:t>(1, 2)</a:t>
+            </a:r>
+          </a:p>
+          <a:p>
+            <a:pPr algn="ctr"/>
+            <a:r>
+              <a:rPr lang="en-US" dirty="0">
+                <a:solidFill>
+                  <a:srgbClr val="00B050"/>
+                </a:solidFill>
+              </a:rPr>
+              <a:t>(1, 3)</a:t>
+            </a:r>
+          </a:p>
+          <a:p>
+            <a:pPr algn="ctr"/>
+            <a:r>
+              <a:rPr lang="en-US" dirty="0">
+                <a:solidFill>
+                  <a:srgbClr val="FFC000"/>
+                </a:solidFill>
+              </a:rPr>
+              <a:t>(2, 3)</a:t>
+            </a:r>
+          </a:p>
+        </p:txBody>
+      </p:sp>
+      <p:sp>
+        <p:nvSpPr>
+          <p:cNvPr id="5" name="왼쪽 중괄호 4">
+            <a:extLst>
+              <a:ext uri="{FF2B5EF4-FFF2-40B4-BE49-F238E27FC236}">
+                <a16:creationId xmlns:a16="http://schemas.microsoft.com/office/drawing/2014/main" id="{079B96D3-B617-4A0F-A213-0B7564ACB305}"/>
+              </a:ext>
+            </a:extLst>
+          </p:cNvPr>
+          <p:cNvSpPr/>
+          <p:nvPr/>
+        </p:nvSpPr>
+        <p:spPr>
+          <a:xfrm>
+            <a:off x="4323424" y="1660125"/>
+            <a:ext cx="159798" cy="523220"/>
+          </a:xfrm>
+          <a:prstGeom prst="leftBrace">
+            <a:avLst/>
+          </a:prstGeom>
+          <a:ln w="38100"/>
+        </p:spPr>
+        <p:style>
+          <a:lnRef idx="1">
+            <a:schemeClr val="accent1"/>
+          </a:lnRef>
+          <a:fillRef idx="0">
+            <a:schemeClr val="accent1"/>
+          </a:fillRef>
+          <a:effectRef idx="0">
+            <a:schemeClr val="accent1"/>
+          </a:effectRef>
+          <a:fontRef idx="minor">
+            <a:schemeClr val="tx1"/>
+          </a:fontRef>
+        </p:style>
+        <p:txBody>
+          <a:bodyPr rtlCol="0" anchor="ctr"/>
+          <a:lstStyle/>
+          <a:p>
+            <a:pPr algn="ctr"/>
+            <a:endParaRPr lang="en-US"/>
+          </a:p>
+        </p:txBody>
+      </p:sp>
+      <p:sp>
+        <p:nvSpPr>
+          <p:cNvPr id="6" name="TextBox 5">
+            <a:extLst>
+              <a:ext uri="{FF2B5EF4-FFF2-40B4-BE49-F238E27FC236}">
+                <a16:creationId xmlns:a16="http://schemas.microsoft.com/office/drawing/2014/main" id="{8E91AF8C-A3D3-4BF3-9031-A51DC56955A5}"/>
+              </a:ext>
+            </a:extLst>
+          </p:cNvPr>
+          <p:cNvSpPr txBox="1"/>
+          <p:nvPr/>
+        </p:nvSpPr>
+        <p:spPr>
+          <a:xfrm>
+            <a:off x="5379867" y="1552402"/>
+            <a:ext cx="905523" cy="369332"/>
+          </a:xfrm>
+          <a:prstGeom prst="rect">
+            <a:avLst/>
+          </a:prstGeom>
+          <a:noFill/>
+        </p:spPr>
+        <p:txBody>
+          <a:bodyPr wrap="square" rtlCol="0">
+            <a:spAutoFit/>
+          </a:bodyPr>
+          <a:lstStyle/>
+          <a:p>
+            <a:pPr algn="ctr"/>
+            <a:r>
+              <a:rPr lang="en-US" dirty="0">
+                <a:solidFill>
+                  <a:srgbClr val="00B050"/>
+                </a:solidFill>
+              </a:rPr>
+              <a:t>(1, x)</a:t>
+            </a:r>
+          </a:p>
+        </p:txBody>
+      </p:sp>
+      <p:sp>
+        <p:nvSpPr>
+          <p:cNvPr id="7" name="TextBox 6">
+            <a:extLst>
+              <a:ext uri="{FF2B5EF4-FFF2-40B4-BE49-F238E27FC236}">
+                <a16:creationId xmlns:a16="http://schemas.microsoft.com/office/drawing/2014/main" id="{49301CA9-A8D5-4457-BDF7-A1336EC4BA83}"/>
+              </a:ext>
+            </a:extLst>
+          </p:cNvPr>
+          <p:cNvSpPr txBox="1"/>
+          <p:nvPr/>
+        </p:nvSpPr>
+        <p:spPr>
+          <a:xfrm>
+            <a:off x="5379867" y="2014067"/>
+            <a:ext cx="905523" cy="369332"/>
+          </a:xfrm>
+          <a:prstGeom prst="rect">
+            <a:avLst/>
+          </a:prstGeom>
+          <a:noFill/>
+        </p:spPr>
+        <p:txBody>
+          <a:bodyPr wrap="square" rtlCol="0">
+            <a:spAutoFit/>
+          </a:bodyPr>
+          <a:lstStyle/>
+          <a:p>
+            <a:pPr algn="ctr"/>
+            <a:r>
+              <a:rPr lang="en-US" dirty="0">
+                <a:solidFill>
+                  <a:srgbClr val="FFC000"/>
+                </a:solidFill>
+              </a:rPr>
+              <a:t>(x, x)</a:t>
+            </a:r>
+          </a:p>
+        </p:txBody>
+      </p:sp>
+      <p:grpSp>
+        <p:nvGrpSpPr>
+          <p:cNvPr id="13" name="그룹 12">
+            <a:extLst>
+              <a:ext uri="{FF2B5EF4-FFF2-40B4-BE49-F238E27FC236}">
+                <a16:creationId xmlns:a16="http://schemas.microsoft.com/office/drawing/2014/main" id="{971DA703-16E2-40EA-BA18-45BF9C22AC88}"/>
+              </a:ext>
+            </a:extLst>
+          </p:cNvPr>
+          <p:cNvGrpSpPr/>
+          <p:nvPr/>
+        </p:nvGrpSpPr>
+        <p:grpSpPr>
+          <a:xfrm>
+            <a:off x="2053695" y="2472137"/>
+            <a:ext cx="4859053" cy="777004"/>
+            <a:chOff x="2163184" y="2463331"/>
+            <a:chExt cx="4859053" cy="777004"/>
+          </a:xfrm>
+        </p:grpSpPr>
+        <p:sp>
+          <p:nvSpPr>
+            <p:cNvPr id="9" name="TextBox 8">
+              <a:extLst>
+                <a:ext uri="{FF2B5EF4-FFF2-40B4-BE49-F238E27FC236}">
+                  <a16:creationId xmlns:a16="http://schemas.microsoft.com/office/drawing/2014/main" id="{297069FE-F77D-4DEE-BDCE-283CC41120BD}"/>
+                </a:ext>
+              </a:extLst>
+            </p:cNvPr>
+            <p:cNvSpPr txBox="1"/>
+            <p:nvPr/>
+          </p:nvSpPr>
+          <p:spPr>
+            <a:xfrm>
+              <a:off x="2163184" y="2470894"/>
+              <a:ext cx="1251751" cy="769441"/>
+            </a:xfrm>
+            <a:prstGeom prst="rect">
+              <a:avLst/>
+            </a:prstGeom>
+            <a:noFill/>
+          </p:spPr>
+          <p:txBody>
+            <a:bodyPr wrap="square" rtlCol="0">
+              <a:spAutoFit/>
+            </a:bodyPr>
+            <a:lstStyle/>
+            <a:p>
+              <a:pPr algn="ctr"/>
+              <a:r>
+                <a:rPr lang="en-US" sz="2400" b="1" dirty="0"/>
+                <a:t>3</a:t>
+              </a:r>
+              <a:r>
+                <a:rPr lang="en-US" sz="4400" b="1" dirty="0">
+                  <a:solidFill>
+                    <a:srgbClr val="0070C0"/>
+                  </a:solidFill>
+                </a:rPr>
+                <a:t>C</a:t>
+              </a:r>
+              <a:r>
+                <a:rPr lang="en-US" sz="2400" b="1" dirty="0"/>
+                <a:t>2</a:t>
+              </a:r>
+            </a:p>
+          </p:txBody>
+        </p:sp>
+        <p:sp>
+          <p:nvSpPr>
+            <p:cNvPr id="8" name="TextBox 7">
+              <a:extLst>
+                <a:ext uri="{FF2B5EF4-FFF2-40B4-BE49-F238E27FC236}">
+                  <a16:creationId xmlns:a16="http://schemas.microsoft.com/office/drawing/2014/main" id="{D3994FB9-48F0-47F0-8D8C-A6DD7B3B64FB}"/>
+                </a:ext>
+              </a:extLst>
+            </p:cNvPr>
+            <p:cNvSpPr txBox="1"/>
+            <p:nvPr/>
+          </p:nvSpPr>
+          <p:spPr>
+            <a:xfrm>
+              <a:off x="3249213" y="2501568"/>
+              <a:ext cx="1038688" cy="707886"/>
+            </a:xfrm>
+            <a:prstGeom prst="rect">
+              <a:avLst/>
+            </a:prstGeom>
+            <a:noFill/>
+          </p:spPr>
+          <p:txBody>
+            <a:bodyPr wrap="square" rtlCol="0">
+              <a:spAutoFit/>
+            </a:bodyPr>
+            <a:lstStyle/>
+            <a:p>
+              <a:pPr algn="ctr"/>
+              <a:r>
+                <a:rPr lang="en-US" sz="4000" dirty="0"/>
+                <a:t>= </a:t>
+              </a:r>
+            </a:p>
+          </p:txBody>
+        </p:sp>
+        <p:sp>
+          <p:nvSpPr>
+            <p:cNvPr id="10" name="TextBox 9">
+              <a:extLst>
+                <a:ext uri="{FF2B5EF4-FFF2-40B4-BE49-F238E27FC236}">
+                  <a16:creationId xmlns:a16="http://schemas.microsoft.com/office/drawing/2014/main" id="{36E7DA4C-E33E-41BE-8E5C-703329DF4314}"/>
+                </a:ext>
+              </a:extLst>
+            </p:cNvPr>
+            <p:cNvSpPr txBox="1"/>
+            <p:nvPr/>
+          </p:nvSpPr>
+          <p:spPr>
+            <a:xfrm>
+              <a:off x="4082245" y="2466925"/>
+              <a:ext cx="1251751" cy="769441"/>
+            </a:xfrm>
+            <a:prstGeom prst="rect">
+              <a:avLst/>
+            </a:prstGeom>
+            <a:noFill/>
+          </p:spPr>
+          <p:txBody>
+            <a:bodyPr wrap="square" rtlCol="0">
+              <a:spAutoFit/>
+            </a:bodyPr>
+            <a:lstStyle/>
+            <a:p>
+              <a:pPr algn="ctr"/>
+              <a:r>
+                <a:rPr lang="en-US" sz="2400" b="1" dirty="0"/>
+                <a:t>2</a:t>
+              </a:r>
+              <a:r>
+                <a:rPr lang="en-US" sz="4400" b="1" dirty="0">
+                  <a:solidFill>
+                    <a:srgbClr val="00B050"/>
+                  </a:solidFill>
+                </a:rPr>
+                <a:t>C</a:t>
+              </a:r>
+              <a:r>
+                <a:rPr lang="en-US" sz="2400" b="1" dirty="0"/>
+                <a:t>1</a:t>
+              </a:r>
+            </a:p>
+          </p:txBody>
+        </p:sp>
+        <p:sp>
+          <p:nvSpPr>
+            <p:cNvPr id="11" name="TextBox 10">
+              <a:extLst>
+                <a:ext uri="{FF2B5EF4-FFF2-40B4-BE49-F238E27FC236}">
+                  <a16:creationId xmlns:a16="http://schemas.microsoft.com/office/drawing/2014/main" id="{3C21000F-8C62-4568-AA54-BBCB2771E234}"/>
+                </a:ext>
+              </a:extLst>
+            </p:cNvPr>
+            <p:cNvSpPr txBox="1"/>
+            <p:nvPr/>
+          </p:nvSpPr>
+          <p:spPr>
+            <a:xfrm>
+              <a:off x="4995170" y="2494109"/>
+              <a:ext cx="1038688" cy="707886"/>
+            </a:xfrm>
+            <a:prstGeom prst="rect">
+              <a:avLst/>
+            </a:prstGeom>
+            <a:noFill/>
+          </p:spPr>
+          <p:txBody>
+            <a:bodyPr wrap="square" rtlCol="0">
+              <a:spAutoFit/>
+            </a:bodyPr>
+            <a:lstStyle/>
+            <a:p>
+              <a:pPr algn="ctr"/>
+              <a:r>
+                <a:rPr lang="en-US" sz="4000" dirty="0"/>
+                <a:t>+ </a:t>
+              </a:r>
+            </a:p>
+          </p:txBody>
+        </p:sp>
+        <p:sp>
+          <p:nvSpPr>
+            <p:cNvPr id="12" name="TextBox 11">
+              <a:extLst>
+                <a:ext uri="{FF2B5EF4-FFF2-40B4-BE49-F238E27FC236}">
+                  <a16:creationId xmlns:a16="http://schemas.microsoft.com/office/drawing/2014/main" id="{565D4070-A270-46FF-8533-17831026BD52}"/>
+                </a:ext>
+              </a:extLst>
+            </p:cNvPr>
+            <p:cNvSpPr txBox="1"/>
+            <p:nvPr/>
+          </p:nvSpPr>
+          <p:spPr>
+            <a:xfrm>
+              <a:off x="5770486" y="2463331"/>
+              <a:ext cx="1251751" cy="769441"/>
+            </a:xfrm>
+            <a:prstGeom prst="rect">
+              <a:avLst/>
+            </a:prstGeom>
+            <a:noFill/>
+          </p:spPr>
+          <p:txBody>
+            <a:bodyPr wrap="square" rtlCol="0">
+              <a:spAutoFit/>
+            </a:bodyPr>
+            <a:lstStyle/>
+            <a:p>
+              <a:pPr algn="ctr"/>
+              <a:r>
+                <a:rPr lang="en-US" sz="2400" b="1" dirty="0"/>
+                <a:t>2</a:t>
+              </a:r>
+              <a:r>
+                <a:rPr lang="en-US" sz="4400" b="1" dirty="0">
+                  <a:solidFill>
+                    <a:srgbClr val="FFC000"/>
+                  </a:solidFill>
+                </a:rPr>
+                <a:t>C</a:t>
+              </a:r>
+              <a:r>
+                <a:rPr lang="en-US" sz="2400" b="1" dirty="0"/>
+                <a:t>2</a:t>
+              </a:r>
+            </a:p>
+          </p:txBody>
+        </p:sp>
+      </p:grpSp>
+      <p:sp>
+        <p:nvSpPr>
+          <p:cNvPr id="4" name="직사각형 3">
+            <a:extLst>
+              <a:ext uri="{FF2B5EF4-FFF2-40B4-BE49-F238E27FC236}">
+                <a16:creationId xmlns:a16="http://schemas.microsoft.com/office/drawing/2014/main" id="{7E7BB9AF-D3A2-4EAB-AE39-F0CB16D0B4FF}"/>
+              </a:ext>
+            </a:extLst>
+          </p:cNvPr>
+          <p:cNvSpPr/>
+          <p:nvPr/>
+        </p:nvSpPr>
+        <p:spPr>
+          <a:xfrm>
+            <a:off x="2485748" y="1504438"/>
+            <a:ext cx="4536489" cy="923330"/>
+          </a:xfrm>
+          <a:prstGeom prst="rect">
+            <a:avLst/>
+          </a:prstGeom>
+          <a:solidFill>
+            <a:schemeClr val="bg1">
+              <a:alpha val="62000"/>
+            </a:schemeClr>
+          </a:solidFill>
+          <a:ln>
+            <a:noFill/>
+          </a:ln>
+        </p:spPr>
+        <p:style>
+          <a:lnRef idx="2">
+            <a:schemeClr val="accent1">
+              <a:shade val="50000"/>
+            </a:schemeClr>
+          </a:lnRef>
+          <a:fillRef idx="1">
+            <a:schemeClr val="accent1"/>
+          </a:fillRef>
+          <a:effectRef idx="0">
+            <a:schemeClr val="accent1"/>
+          </a:effectRef>
+          <a:fontRef idx="minor">
+            <a:schemeClr val="lt1"/>
+          </a:fontRef>
+        </p:style>
+        <p:txBody>
+          <a:bodyPr rtlCol="0" anchor="ctr"/>
+          <a:lstStyle/>
+          <a:p>
+            <a:pPr algn="ctr"/>
+            <a:endParaRPr lang="en-US"/>
+          </a:p>
+        </p:txBody>
+      </p:sp>
+    </p:spTree>
+    <p:extLst>
+      <p:ext uri="{BB962C8B-B14F-4D97-AF65-F5344CB8AC3E}">
+        <p14:creationId xmlns:p14="http://schemas.microsoft.com/office/powerpoint/2010/main" val="4154277425"/>
+      </p:ext>
+    </p:extLst>
+  </p:cSld>
+  <p:clrMapOvr>
+    <a:masterClrMapping/>
+  </p:clrMapOvr>
+</p:sld>
+</file>
+
+<file path=ppt/slides/slide8.xml><?xml version="1.0" encoding="utf-8"?>
+<p:sld xmlns:a="http://schemas.openxmlformats.org/drawingml/2006/main" xmlns:r="http://schemas.openxmlformats.org/officeDocument/2006/relationships" xmlns:p="http://schemas.openxmlformats.org/presentationml/2006/main">
+  <p:cSld>
+    <p:spTree>
+      <p:nvGrpSpPr>
+        <p:cNvPr id="1" name=""/>
+        <p:cNvGrpSpPr/>
+        <p:nvPr/>
+      </p:nvGrpSpPr>
+      <p:grpSpPr>
+        <a:xfrm>
+          <a:off x="0" y="0"/>
+          <a:ext cx="0" cy="0"/>
+          <a:chOff x="0" y="0"/>
+          <a:chExt cx="0" cy="0"/>
+        </a:xfrm>
+      </p:grpSpPr>
+      <p:sp>
+        <p:nvSpPr>
+          <p:cNvPr id="2" name="TextBox 1">
+            <a:extLst>
+              <a:ext uri="{FF2B5EF4-FFF2-40B4-BE49-F238E27FC236}">
+                <a16:creationId xmlns:a16="http://schemas.microsoft.com/office/drawing/2014/main" id="{38E601E4-E257-44F2-8766-35C753E6EF75}"/>
+              </a:ext>
+            </a:extLst>
+          </p:cNvPr>
+          <p:cNvSpPr txBox="1"/>
+          <p:nvPr/>
+        </p:nvSpPr>
+        <p:spPr>
+          <a:xfrm>
+            <a:off x="2654423" y="1660124"/>
+            <a:ext cx="1367162" cy="523220"/>
+          </a:xfrm>
+          <a:prstGeom prst="rect">
+            <a:avLst/>
+          </a:prstGeom>
+          <a:noFill/>
+        </p:spPr>
+        <p:txBody>
+          <a:bodyPr wrap="square" rtlCol="0">
+            <a:spAutoFit/>
+          </a:bodyPr>
+          <a:lstStyle/>
+          <a:p>
+            <a:pPr algn="ctr"/>
+            <a:r>
+              <a:rPr lang="en-US" sz="2800" b="1" dirty="0"/>
+              <a:t>[1, 2, 3]</a:t>
+            </a:r>
+          </a:p>
+        </p:txBody>
+      </p:sp>
+      <p:sp>
+        <p:nvSpPr>
+          <p:cNvPr id="3" name="TextBox 2">
+            <a:extLst>
+              <a:ext uri="{FF2B5EF4-FFF2-40B4-BE49-F238E27FC236}">
+                <a16:creationId xmlns:a16="http://schemas.microsoft.com/office/drawing/2014/main" id="{94D0759A-AED7-4254-BE6A-87C57113067A}"/>
+              </a:ext>
+            </a:extLst>
+          </p:cNvPr>
+          <p:cNvSpPr txBox="1"/>
+          <p:nvPr/>
+        </p:nvSpPr>
+        <p:spPr>
+          <a:xfrm>
+            <a:off x="4483222" y="1460069"/>
+            <a:ext cx="1047565" cy="923330"/>
+          </a:xfrm>
+          <a:prstGeom prst="rect">
+            <a:avLst/>
+          </a:prstGeom>
+          <a:noFill/>
+        </p:spPr>
+        <p:txBody>
+          <a:bodyPr wrap="square" rtlCol="0">
+            <a:spAutoFit/>
+          </a:bodyPr>
+          <a:lstStyle/>
+          <a:p>
+            <a:pPr algn="ctr"/>
+            <a:r>
+              <a:rPr lang="en-US" dirty="0">
+                <a:solidFill>
+                  <a:srgbClr val="00B050"/>
+                </a:solidFill>
+              </a:rPr>
+              <a:t>(1, 2)</a:t>
+            </a:r>
+          </a:p>
+          <a:p>
+            <a:pPr algn="ctr"/>
+            <a:r>
+              <a:rPr lang="en-US" dirty="0">
+                <a:solidFill>
+                  <a:srgbClr val="00B050"/>
+                </a:solidFill>
+              </a:rPr>
+              <a:t>(1, 3)</a:t>
+            </a:r>
+          </a:p>
+          <a:p>
+            <a:pPr algn="ctr"/>
+            <a:r>
+              <a:rPr lang="en-US" dirty="0">
+                <a:solidFill>
+                  <a:srgbClr val="FFC000"/>
+                </a:solidFill>
+              </a:rPr>
+              <a:t>(2, 3)</a:t>
+            </a:r>
+          </a:p>
+        </p:txBody>
+      </p:sp>
+      <p:sp>
+        <p:nvSpPr>
+          <p:cNvPr id="5" name="왼쪽 중괄호 4">
+            <a:extLst>
+              <a:ext uri="{FF2B5EF4-FFF2-40B4-BE49-F238E27FC236}">
+                <a16:creationId xmlns:a16="http://schemas.microsoft.com/office/drawing/2014/main" id="{079B96D3-B617-4A0F-A213-0B7564ACB305}"/>
+              </a:ext>
+            </a:extLst>
+          </p:cNvPr>
+          <p:cNvSpPr/>
+          <p:nvPr/>
+        </p:nvSpPr>
+        <p:spPr>
+          <a:xfrm>
+            <a:off x="4323424" y="1660125"/>
+            <a:ext cx="159798" cy="523220"/>
+          </a:xfrm>
+          <a:prstGeom prst="leftBrace">
+            <a:avLst/>
+          </a:prstGeom>
+          <a:ln w="38100"/>
+        </p:spPr>
+        <p:style>
+          <a:lnRef idx="1">
+            <a:schemeClr val="accent1"/>
+          </a:lnRef>
+          <a:fillRef idx="0">
+            <a:schemeClr val="accent1"/>
+          </a:fillRef>
+          <a:effectRef idx="0">
+            <a:schemeClr val="accent1"/>
+          </a:effectRef>
+          <a:fontRef idx="minor">
+            <a:schemeClr val="tx1"/>
+          </a:fontRef>
+        </p:style>
+        <p:txBody>
+          <a:bodyPr rtlCol="0" anchor="ctr"/>
+          <a:lstStyle/>
+          <a:p>
+            <a:pPr algn="ctr"/>
+            <a:endParaRPr lang="en-US"/>
+          </a:p>
+        </p:txBody>
+      </p:sp>
+      <p:sp>
+        <p:nvSpPr>
+          <p:cNvPr id="6" name="TextBox 5">
+            <a:extLst>
+              <a:ext uri="{FF2B5EF4-FFF2-40B4-BE49-F238E27FC236}">
+                <a16:creationId xmlns:a16="http://schemas.microsoft.com/office/drawing/2014/main" id="{8E91AF8C-A3D3-4BF3-9031-A51DC56955A5}"/>
+              </a:ext>
+            </a:extLst>
+          </p:cNvPr>
+          <p:cNvSpPr txBox="1"/>
+          <p:nvPr/>
+        </p:nvSpPr>
+        <p:spPr>
+          <a:xfrm>
+            <a:off x="5379867" y="1552402"/>
+            <a:ext cx="905523" cy="369332"/>
+          </a:xfrm>
+          <a:prstGeom prst="rect">
+            <a:avLst/>
+          </a:prstGeom>
+          <a:noFill/>
+        </p:spPr>
+        <p:txBody>
+          <a:bodyPr wrap="square" rtlCol="0">
+            <a:spAutoFit/>
+          </a:bodyPr>
+          <a:lstStyle/>
+          <a:p>
+            <a:pPr algn="ctr"/>
+            <a:r>
+              <a:rPr lang="en-US" dirty="0">
+                <a:solidFill>
+                  <a:srgbClr val="00B050"/>
+                </a:solidFill>
+              </a:rPr>
+              <a:t>(1, x)</a:t>
+            </a:r>
+          </a:p>
+        </p:txBody>
+      </p:sp>
+      <p:sp>
+        <p:nvSpPr>
+          <p:cNvPr id="7" name="TextBox 6">
+            <a:extLst>
+              <a:ext uri="{FF2B5EF4-FFF2-40B4-BE49-F238E27FC236}">
+                <a16:creationId xmlns:a16="http://schemas.microsoft.com/office/drawing/2014/main" id="{49301CA9-A8D5-4457-BDF7-A1336EC4BA83}"/>
+              </a:ext>
+            </a:extLst>
+          </p:cNvPr>
+          <p:cNvSpPr txBox="1"/>
+          <p:nvPr/>
+        </p:nvSpPr>
+        <p:spPr>
+          <a:xfrm>
+            <a:off x="5379867" y="2014067"/>
+            <a:ext cx="905523" cy="369332"/>
+          </a:xfrm>
+          <a:prstGeom prst="rect">
+            <a:avLst/>
+          </a:prstGeom>
+          <a:noFill/>
+        </p:spPr>
+        <p:txBody>
+          <a:bodyPr wrap="square" rtlCol="0">
+            <a:spAutoFit/>
+          </a:bodyPr>
+          <a:lstStyle/>
+          <a:p>
+            <a:pPr algn="ctr"/>
+            <a:r>
+              <a:rPr lang="en-US" dirty="0">
+                <a:solidFill>
+                  <a:srgbClr val="FFC000"/>
+                </a:solidFill>
+              </a:rPr>
+              <a:t>(x, x)</a:t>
+            </a:r>
+          </a:p>
+        </p:txBody>
+      </p:sp>
+      <p:grpSp>
+        <p:nvGrpSpPr>
+          <p:cNvPr id="13" name="그룹 12">
+            <a:extLst>
+              <a:ext uri="{FF2B5EF4-FFF2-40B4-BE49-F238E27FC236}">
+                <a16:creationId xmlns:a16="http://schemas.microsoft.com/office/drawing/2014/main" id="{971DA703-16E2-40EA-BA18-45BF9C22AC88}"/>
+              </a:ext>
+            </a:extLst>
+          </p:cNvPr>
+          <p:cNvGrpSpPr/>
+          <p:nvPr/>
+        </p:nvGrpSpPr>
+        <p:grpSpPr>
+          <a:xfrm>
+            <a:off x="2053695" y="2472137"/>
+            <a:ext cx="4859053" cy="777004"/>
+            <a:chOff x="2163184" y="2463331"/>
+            <a:chExt cx="4859053" cy="777004"/>
+          </a:xfrm>
+        </p:grpSpPr>
+        <p:sp>
+          <p:nvSpPr>
+            <p:cNvPr id="9" name="TextBox 8">
+              <a:extLst>
+                <a:ext uri="{FF2B5EF4-FFF2-40B4-BE49-F238E27FC236}">
+                  <a16:creationId xmlns:a16="http://schemas.microsoft.com/office/drawing/2014/main" id="{297069FE-F77D-4DEE-BDCE-283CC41120BD}"/>
+                </a:ext>
+              </a:extLst>
+            </p:cNvPr>
+            <p:cNvSpPr txBox="1"/>
+            <p:nvPr/>
+          </p:nvSpPr>
+          <p:spPr>
+            <a:xfrm>
+              <a:off x="2163184" y="2470894"/>
+              <a:ext cx="1251751" cy="769441"/>
+            </a:xfrm>
+            <a:prstGeom prst="rect">
+              <a:avLst/>
+            </a:prstGeom>
+            <a:noFill/>
+          </p:spPr>
+          <p:txBody>
+            <a:bodyPr wrap="square" rtlCol="0">
+              <a:spAutoFit/>
+            </a:bodyPr>
+            <a:lstStyle/>
+            <a:p>
+              <a:pPr algn="ctr"/>
+              <a:r>
+                <a:rPr lang="en-US" sz="2400" b="1" dirty="0"/>
+                <a:t>3</a:t>
+              </a:r>
+              <a:r>
+                <a:rPr lang="en-US" sz="4400" b="1" dirty="0">
+                  <a:solidFill>
+                    <a:srgbClr val="0070C0"/>
+                  </a:solidFill>
+                </a:rPr>
+                <a:t>C</a:t>
+              </a:r>
+              <a:r>
+                <a:rPr lang="en-US" sz="2400" b="1" dirty="0"/>
+                <a:t>2</a:t>
+              </a:r>
+            </a:p>
+          </p:txBody>
+        </p:sp>
+        <p:sp>
+          <p:nvSpPr>
+            <p:cNvPr id="8" name="TextBox 7">
+              <a:extLst>
+                <a:ext uri="{FF2B5EF4-FFF2-40B4-BE49-F238E27FC236}">
+                  <a16:creationId xmlns:a16="http://schemas.microsoft.com/office/drawing/2014/main" id="{D3994FB9-48F0-47F0-8D8C-A6DD7B3B64FB}"/>
+                </a:ext>
+              </a:extLst>
+            </p:cNvPr>
+            <p:cNvSpPr txBox="1"/>
+            <p:nvPr/>
+          </p:nvSpPr>
+          <p:spPr>
+            <a:xfrm>
+              <a:off x="3249213" y="2501568"/>
+              <a:ext cx="1038688" cy="707886"/>
+            </a:xfrm>
+            <a:prstGeom prst="rect">
+              <a:avLst/>
+            </a:prstGeom>
+            <a:noFill/>
+          </p:spPr>
+          <p:txBody>
+            <a:bodyPr wrap="square" rtlCol="0">
+              <a:spAutoFit/>
+            </a:bodyPr>
+            <a:lstStyle/>
+            <a:p>
+              <a:pPr algn="ctr"/>
+              <a:r>
+                <a:rPr lang="en-US" sz="4000" dirty="0"/>
+                <a:t>= </a:t>
+              </a:r>
+            </a:p>
+          </p:txBody>
+        </p:sp>
+        <p:sp>
+          <p:nvSpPr>
+            <p:cNvPr id="10" name="TextBox 9">
+              <a:extLst>
+                <a:ext uri="{FF2B5EF4-FFF2-40B4-BE49-F238E27FC236}">
+                  <a16:creationId xmlns:a16="http://schemas.microsoft.com/office/drawing/2014/main" id="{36E7DA4C-E33E-41BE-8E5C-703329DF4314}"/>
+                </a:ext>
+              </a:extLst>
+            </p:cNvPr>
+            <p:cNvSpPr txBox="1"/>
+            <p:nvPr/>
+          </p:nvSpPr>
+          <p:spPr>
+            <a:xfrm>
+              <a:off x="4082245" y="2466925"/>
+              <a:ext cx="1251751" cy="769441"/>
+            </a:xfrm>
+            <a:prstGeom prst="rect">
+              <a:avLst/>
+            </a:prstGeom>
+            <a:noFill/>
+          </p:spPr>
+          <p:txBody>
+            <a:bodyPr wrap="square" rtlCol="0">
+              <a:spAutoFit/>
+            </a:bodyPr>
+            <a:lstStyle/>
+            <a:p>
+              <a:pPr algn="ctr"/>
+              <a:r>
+                <a:rPr lang="en-US" sz="2400" b="1" dirty="0"/>
+                <a:t>2</a:t>
+              </a:r>
+              <a:r>
+                <a:rPr lang="en-US" sz="4400" b="1" dirty="0">
+                  <a:solidFill>
+                    <a:srgbClr val="00B050"/>
+                  </a:solidFill>
+                </a:rPr>
+                <a:t>C</a:t>
+              </a:r>
+              <a:r>
+                <a:rPr lang="en-US" sz="2400" b="1" dirty="0"/>
+                <a:t>1</a:t>
+              </a:r>
+            </a:p>
+          </p:txBody>
+        </p:sp>
+        <p:sp>
+          <p:nvSpPr>
+            <p:cNvPr id="11" name="TextBox 10">
+              <a:extLst>
+                <a:ext uri="{FF2B5EF4-FFF2-40B4-BE49-F238E27FC236}">
+                  <a16:creationId xmlns:a16="http://schemas.microsoft.com/office/drawing/2014/main" id="{3C21000F-8C62-4568-AA54-BBCB2771E234}"/>
+                </a:ext>
+              </a:extLst>
+            </p:cNvPr>
+            <p:cNvSpPr txBox="1"/>
+            <p:nvPr/>
+          </p:nvSpPr>
+          <p:spPr>
+            <a:xfrm>
+              <a:off x="4995170" y="2494109"/>
+              <a:ext cx="1038688" cy="707886"/>
+            </a:xfrm>
+            <a:prstGeom prst="rect">
+              <a:avLst/>
+            </a:prstGeom>
+            <a:noFill/>
+          </p:spPr>
+          <p:txBody>
+            <a:bodyPr wrap="square" rtlCol="0">
+              <a:spAutoFit/>
+            </a:bodyPr>
+            <a:lstStyle/>
+            <a:p>
+              <a:pPr algn="ctr"/>
+              <a:r>
+                <a:rPr lang="en-US" sz="4000" dirty="0"/>
+                <a:t>+ </a:t>
+              </a:r>
+            </a:p>
+          </p:txBody>
+        </p:sp>
+        <p:sp>
+          <p:nvSpPr>
+            <p:cNvPr id="12" name="TextBox 11">
+              <a:extLst>
+                <a:ext uri="{FF2B5EF4-FFF2-40B4-BE49-F238E27FC236}">
+                  <a16:creationId xmlns:a16="http://schemas.microsoft.com/office/drawing/2014/main" id="{565D4070-A270-46FF-8533-17831026BD52}"/>
+                </a:ext>
+              </a:extLst>
+            </p:cNvPr>
+            <p:cNvSpPr txBox="1"/>
+            <p:nvPr/>
+          </p:nvSpPr>
+          <p:spPr>
+            <a:xfrm>
+              <a:off x="5770486" y="2463331"/>
+              <a:ext cx="1251751" cy="769441"/>
+            </a:xfrm>
+            <a:prstGeom prst="rect">
+              <a:avLst/>
+            </a:prstGeom>
+            <a:noFill/>
+          </p:spPr>
+          <p:txBody>
+            <a:bodyPr wrap="square" rtlCol="0">
+              <a:spAutoFit/>
+            </a:bodyPr>
+            <a:lstStyle/>
+            <a:p>
+              <a:pPr algn="ctr"/>
+              <a:r>
+                <a:rPr lang="en-US" sz="2400" b="1" dirty="0"/>
+                <a:t>2</a:t>
+              </a:r>
+              <a:r>
+                <a:rPr lang="en-US" sz="4400" b="1" dirty="0">
+                  <a:solidFill>
+                    <a:srgbClr val="FFC000"/>
+                  </a:solidFill>
+                </a:rPr>
+                <a:t>C</a:t>
+              </a:r>
+              <a:r>
+                <a:rPr lang="en-US" sz="2400" b="1" dirty="0"/>
+                <a:t>2</a:t>
+              </a:r>
+            </a:p>
+          </p:txBody>
+        </p:sp>
+      </p:grpSp>
+      <p:sp>
+        <p:nvSpPr>
+          <p:cNvPr id="4" name="직사각형 3">
+            <a:extLst>
+              <a:ext uri="{FF2B5EF4-FFF2-40B4-BE49-F238E27FC236}">
+                <a16:creationId xmlns:a16="http://schemas.microsoft.com/office/drawing/2014/main" id="{7E7BB9AF-D3A2-4EAB-AE39-F0CB16D0B4FF}"/>
+              </a:ext>
+            </a:extLst>
+          </p:cNvPr>
+          <p:cNvSpPr/>
+          <p:nvPr/>
+        </p:nvSpPr>
+        <p:spPr>
+          <a:xfrm>
+            <a:off x="2485748" y="1504438"/>
+            <a:ext cx="4536489" cy="923330"/>
+          </a:xfrm>
+          <a:prstGeom prst="rect">
+            <a:avLst/>
+          </a:prstGeom>
+          <a:solidFill>
+            <a:schemeClr val="bg1">
+              <a:alpha val="62000"/>
+            </a:schemeClr>
+          </a:solidFill>
+          <a:ln>
+            <a:noFill/>
+          </a:ln>
+        </p:spPr>
+        <p:style>
+          <a:lnRef idx="2">
+            <a:schemeClr val="accent1">
+              <a:shade val="50000"/>
+            </a:schemeClr>
+          </a:lnRef>
+          <a:fillRef idx="1">
+            <a:schemeClr val="accent1"/>
+          </a:fillRef>
+          <a:effectRef idx="0">
+            <a:schemeClr val="accent1"/>
+          </a:effectRef>
+          <a:fontRef idx="minor">
+            <a:schemeClr val="lt1"/>
+          </a:fontRef>
+        </p:style>
+        <p:txBody>
+          <a:bodyPr rtlCol="0" anchor="ctr"/>
+          <a:lstStyle/>
+          <a:p>
+            <a:pPr algn="ctr"/>
+            <a:endParaRPr lang="en-US"/>
+          </a:p>
+        </p:txBody>
+      </p:sp>
+      <p:sp>
+        <p:nvSpPr>
+          <p:cNvPr id="14" name="TextBox 13">
+            <a:extLst>
+              <a:ext uri="{FF2B5EF4-FFF2-40B4-BE49-F238E27FC236}">
+                <a16:creationId xmlns:a16="http://schemas.microsoft.com/office/drawing/2014/main" id="{F4463615-251B-4F1E-939E-03B0DEC14510}"/>
+              </a:ext>
+            </a:extLst>
+          </p:cNvPr>
+          <p:cNvSpPr txBox="1"/>
+          <p:nvPr/>
+        </p:nvSpPr>
+        <p:spPr>
+          <a:xfrm>
+            <a:off x="3667944" y="3593726"/>
+            <a:ext cx="1951613" cy="769441"/>
+          </a:xfrm>
+          <a:prstGeom prst="rect">
+            <a:avLst/>
+          </a:prstGeom>
+          <a:noFill/>
+        </p:spPr>
+        <p:txBody>
+          <a:bodyPr wrap="square" rtlCol="0">
+            <a:spAutoFit/>
+          </a:bodyPr>
+          <a:lstStyle/>
+          <a:p>
+            <a:pPr algn="ctr"/>
+            <a:r>
+              <a:rPr lang="en-US" sz="2400" b="1" dirty="0"/>
+              <a:t>1</a:t>
+            </a:r>
+            <a:r>
+              <a:rPr lang="en-US" sz="4400" b="1" dirty="0">
+                <a:solidFill>
+                  <a:srgbClr val="00B050"/>
+                </a:solidFill>
+              </a:rPr>
+              <a:t>C</a:t>
+            </a:r>
+            <a:r>
+              <a:rPr lang="en-US" sz="2400" b="1" dirty="0"/>
+              <a:t>0</a:t>
+            </a:r>
+            <a:r>
+              <a:rPr lang="en-US" sz="2400" b="1" dirty="0">
+                <a:solidFill>
+                  <a:srgbClr val="00B050"/>
+                </a:solidFill>
+              </a:rPr>
+              <a:t> </a:t>
+            </a:r>
+            <a:r>
+              <a:rPr lang="en-US" sz="4000" dirty="0"/>
+              <a:t>+ </a:t>
+            </a:r>
+            <a:r>
+              <a:rPr lang="en-US" sz="2400" b="1" dirty="0"/>
+              <a:t>1</a:t>
+            </a:r>
+            <a:r>
+              <a:rPr lang="en-US" sz="4400" b="1" dirty="0">
+                <a:solidFill>
+                  <a:srgbClr val="00B050"/>
+                </a:solidFill>
+              </a:rPr>
+              <a:t>C</a:t>
+            </a:r>
+            <a:r>
+              <a:rPr lang="en-US" sz="2400" b="1" dirty="0"/>
+              <a:t>1</a:t>
+            </a:r>
+            <a:r>
+              <a:rPr lang="en-US" sz="2400" b="1" dirty="0">
+                <a:solidFill>
+                  <a:srgbClr val="00B050"/>
+                </a:solidFill>
+              </a:rPr>
+              <a:t> </a:t>
+            </a:r>
+            <a:endParaRPr lang="en-US" sz="2400" b="1" dirty="0"/>
+          </a:p>
+        </p:txBody>
+      </p:sp>
+      <p:sp>
+        <p:nvSpPr>
+          <p:cNvPr id="15" name="직사각형 14">
+            <a:extLst>
+              <a:ext uri="{FF2B5EF4-FFF2-40B4-BE49-F238E27FC236}">
+                <a16:creationId xmlns:a16="http://schemas.microsoft.com/office/drawing/2014/main" id="{5AA31031-28B3-444E-9EFF-A939DD7224FB}"/>
+              </a:ext>
+            </a:extLst>
+          </p:cNvPr>
+          <p:cNvSpPr/>
+          <p:nvPr/>
+        </p:nvSpPr>
+        <p:spPr>
+          <a:xfrm>
+            <a:off x="2364424" y="2472137"/>
+            <a:ext cx="1802153" cy="792138"/>
+          </a:xfrm>
+          <a:prstGeom prst="rect">
+            <a:avLst/>
+          </a:prstGeom>
+          <a:solidFill>
+            <a:schemeClr val="bg1">
+              <a:alpha val="62000"/>
+            </a:schemeClr>
+          </a:solidFill>
+          <a:ln>
+            <a:noFill/>
+          </a:ln>
+        </p:spPr>
+        <p:style>
+          <a:lnRef idx="2">
+            <a:schemeClr val="accent1">
+              <a:shade val="50000"/>
+            </a:schemeClr>
+          </a:lnRef>
+          <a:fillRef idx="1">
+            <a:schemeClr val="accent1"/>
+          </a:fillRef>
+          <a:effectRef idx="0">
+            <a:schemeClr val="accent1"/>
+          </a:effectRef>
+          <a:fontRef idx="minor">
+            <a:schemeClr val="lt1"/>
+          </a:fontRef>
+        </p:style>
+        <p:txBody>
+          <a:bodyPr rtlCol="0" anchor="ctr"/>
+          <a:lstStyle/>
+          <a:p>
+            <a:pPr algn="ctr"/>
+            <a:endParaRPr lang="en-US"/>
+          </a:p>
+        </p:txBody>
+      </p:sp>
+      <p:sp>
+        <p:nvSpPr>
+          <p:cNvPr id="16" name="직사각형 15">
+            <a:extLst>
+              <a:ext uri="{FF2B5EF4-FFF2-40B4-BE49-F238E27FC236}">
+                <a16:creationId xmlns:a16="http://schemas.microsoft.com/office/drawing/2014/main" id="{C5AABFB3-62C4-417E-B33E-FAF6E16DADE6}"/>
+              </a:ext>
+            </a:extLst>
+          </p:cNvPr>
+          <p:cNvSpPr/>
+          <p:nvPr/>
+        </p:nvSpPr>
+        <p:spPr>
+          <a:xfrm>
+            <a:off x="5632895" y="2520101"/>
+            <a:ext cx="1802153" cy="792138"/>
+          </a:xfrm>
+          <a:prstGeom prst="rect">
+            <a:avLst/>
+          </a:prstGeom>
+          <a:solidFill>
+            <a:schemeClr val="bg1">
+              <a:alpha val="62000"/>
+            </a:schemeClr>
+          </a:solidFill>
+          <a:ln>
+            <a:noFill/>
+          </a:ln>
+        </p:spPr>
+        <p:style>
+          <a:lnRef idx="2">
+            <a:schemeClr val="accent1">
+              <a:shade val="50000"/>
+            </a:schemeClr>
+          </a:lnRef>
+          <a:fillRef idx="1">
+            <a:schemeClr val="accent1"/>
+          </a:fillRef>
+          <a:effectRef idx="0">
+            <a:schemeClr val="accent1"/>
+          </a:effectRef>
+          <a:fontRef idx="minor">
+            <a:schemeClr val="lt1"/>
+          </a:fontRef>
+        </p:style>
+        <p:txBody>
+          <a:bodyPr rtlCol="0" anchor="ctr"/>
+          <a:lstStyle/>
+          <a:p>
+            <a:pPr algn="ctr"/>
+            <a:endParaRPr lang="en-US"/>
+          </a:p>
+        </p:txBody>
+      </p:sp>
+      <p:sp>
+        <p:nvSpPr>
+          <p:cNvPr id="18" name="화살표: 아래쪽 17">
+            <a:extLst>
+              <a:ext uri="{FF2B5EF4-FFF2-40B4-BE49-F238E27FC236}">
+                <a16:creationId xmlns:a16="http://schemas.microsoft.com/office/drawing/2014/main" id="{69DDBE33-8C45-4474-B1F9-802F7AFA7CE8}"/>
+              </a:ext>
+            </a:extLst>
+          </p:cNvPr>
+          <p:cNvSpPr/>
+          <p:nvPr/>
+        </p:nvSpPr>
+        <p:spPr>
+          <a:xfrm>
+            <a:off x="4483222" y="3241578"/>
+            <a:ext cx="288542" cy="352148"/>
+          </a:xfrm>
+          <a:prstGeom prst="downArrow">
+            <a:avLst/>
+          </a:prstGeom>
+          <a:solidFill>
+            <a:schemeClr val="tx1"/>
+          </a:solidFill>
+          <a:ln>
+            <a:noFill/>
+          </a:ln>
+        </p:spPr>
+        <p:style>
+          <a:lnRef idx="2">
+            <a:schemeClr val="accent1">
+              <a:shade val="50000"/>
+            </a:schemeClr>
+          </a:lnRef>
+          <a:fillRef idx="1">
+            <a:schemeClr val="accent1"/>
+          </a:fillRef>
+          <a:effectRef idx="0">
+            <a:schemeClr val="accent1"/>
+          </a:effectRef>
+          <a:fontRef idx="minor">
+            <a:schemeClr val="lt1"/>
+          </a:fontRef>
+        </p:style>
+        <p:txBody>
+          <a:bodyPr rtlCol="0" anchor="ctr"/>
+          <a:lstStyle/>
+          <a:p>
+            <a:pPr algn="ctr"/>
+            <a:endParaRPr lang="en-US"/>
+          </a:p>
+        </p:txBody>
+      </p:sp>
+    </p:spTree>
+    <p:extLst>
+      <p:ext uri="{BB962C8B-B14F-4D97-AF65-F5344CB8AC3E}">
+        <p14:creationId xmlns:p14="http://schemas.microsoft.com/office/powerpoint/2010/main" val="2658004325"/>
+      </p:ext>
+    </p:extLst>
+  </p:cSld>
+  <p:clrMapOvr>
+    <a:masterClrMapping/>
+  </p:clrMapOvr>
+</p:sld>
+</file>
+
 <file path=ppt/theme/theme1.xml><?xml version="1.0" encoding="utf-8"?>
 <a:theme xmlns:a="http://schemas.openxmlformats.org/drawingml/2006/main" name="Office 테마">
   <a:themeElements>
